--- a/spring11/slides11/slides2w.pptx
+++ b/spring11/slides11/slides2w.pptx
@@ -6,10 +6,10 @@
     <p:sldMasterId id="2147483651" r:id="rId2"/>
   </p:sldMasterIdLst>
   <p:notesMasterIdLst>
-    <p:notesMasterId r:id="rId45"/>
+    <p:notesMasterId r:id="rId46"/>
   </p:notesMasterIdLst>
   <p:handoutMasterIdLst>
-    <p:handoutMasterId r:id="rId46"/>
+    <p:handoutMasterId r:id="rId47"/>
   </p:handoutMasterIdLst>
   <p:sldIdLst>
     <p:sldId id="392" r:id="rId3"/>
@@ -22,66 +22,67 @@
     <p:sldId id="404" r:id="rId10"/>
     <p:sldId id="408" r:id="rId11"/>
     <p:sldId id="409" r:id="rId12"/>
-    <p:sldId id="410" r:id="rId13"/>
-    <p:sldId id="428" r:id="rId14"/>
-    <p:sldId id="440" r:id="rId15"/>
-    <p:sldId id="442" r:id="rId16"/>
-    <p:sldId id="415" r:id="rId17"/>
-    <p:sldId id="426" r:id="rId18"/>
-    <p:sldId id="436" r:id="rId19"/>
-    <p:sldId id="437" r:id="rId20"/>
-    <p:sldId id="438" r:id="rId21"/>
-    <p:sldId id="434" r:id="rId22"/>
-    <p:sldId id="443" r:id="rId23"/>
-    <p:sldId id="446" r:id="rId24"/>
-    <p:sldId id="460" r:id="rId25"/>
-    <p:sldId id="445" r:id="rId26"/>
-    <p:sldId id="444" r:id="rId27"/>
-    <p:sldId id="412" r:id="rId28"/>
-    <p:sldId id="458" r:id="rId29"/>
-    <p:sldId id="459" r:id="rId30"/>
-    <p:sldId id="447" r:id="rId31"/>
-    <p:sldId id="448" r:id="rId32"/>
-    <p:sldId id="449" r:id="rId33"/>
-    <p:sldId id="450" r:id="rId34"/>
-    <p:sldId id="451" r:id="rId35"/>
-    <p:sldId id="452" r:id="rId36"/>
-    <p:sldId id="453" r:id="rId37"/>
-    <p:sldId id="454" r:id="rId38"/>
-    <p:sldId id="455" r:id="rId39"/>
-    <p:sldId id="430" r:id="rId40"/>
-    <p:sldId id="431" r:id="rId41"/>
-    <p:sldId id="432" r:id="rId42"/>
-    <p:sldId id="433" r:id="rId43"/>
-    <p:sldId id="427" r:id="rId44"/>
+    <p:sldId id="461" r:id="rId13"/>
+    <p:sldId id="410" r:id="rId14"/>
+    <p:sldId id="428" r:id="rId15"/>
+    <p:sldId id="440" r:id="rId16"/>
+    <p:sldId id="442" r:id="rId17"/>
+    <p:sldId id="415" r:id="rId18"/>
+    <p:sldId id="426" r:id="rId19"/>
+    <p:sldId id="436" r:id="rId20"/>
+    <p:sldId id="437" r:id="rId21"/>
+    <p:sldId id="438" r:id="rId22"/>
+    <p:sldId id="434" r:id="rId23"/>
+    <p:sldId id="443" r:id="rId24"/>
+    <p:sldId id="446" r:id="rId25"/>
+    <p:sldId id="460" r:id="rId26"/>
+    <p:sldId id="445" r:id="rId27"/>
+    <p:sldId id="444" r:id="rId28"/>
+    <p:sldId id="412" r:id="rId29"/>
+    <p:sldId id="458" r:id="rId30"/>
+    <p:sldId id="459" r:id="rId31"/>
+    <p:sldId id="447" r:id="rId32"/>
+    <p:sldId id="448" r:id="rId33"/>
+    <p:sldId id="449" r:id="rId34"/>
+    <p:sldId id="450" r:id="rId35"/>
+    <p:sldId id="451" r:id="rId36"/>
+    <p:sldId id="452" r:id="rId37"/>
+    <p:sldId id="453" r:id="rId38"/>
+    <p:sldId id="454" r:id="rId39"/>
+    <p:sldId id="455" r:id="rId40"/>
+    <p:sldId id="430" r:id="rId41"/>
+    <p:sldId id="431" r:id="rId42"/>
+    <p:sldId id="432" r:id="rId43"/>
+    <p:sldId id="433" r:id="rId44"/>
+    <p:sldId id="427" r:id="rId45"/>
   </p:sldIdLst>
   <p:sldSz cx="9144000" cy="6858000" type="screen4x3"/>
   <p:notesSz cx="7315200" cy="9601200"/>
   <p:embeddedFontLst>
     <p:embeddedFont>
       <p:font typeface="Comic Sans MS"/>
-      <p:regular r:id="rId47"/>
-      <p:bold r:id="rId48"/>
+      <p:regular r:id="rId48"/>
+      <p:bold r:id="rId49"/>
     </p:embeddedFont>
     <p:embeddedFont>
       <p:font typeface="Euclid Symbol" charset="2"/>
-      <p:regular r:id="rId49"/>
-      <p:bold r:id="rId50"/>
-      <p:italic r:id="rId51"/>
-      <p:boldItalic r:id="rId52"/>
+      <p:regular r:id="rId50"/>
+      <p:bold r:id="rId51"/>
+      <p:italic r:id="rId52"/>
+      <p:boldItalic r:id="rId53"/>
     </p:embeddedFont>
     <p:embeddedFont>
       <p:font typeface="cmsy10"/>
-      <p:regular r:id="rId53"/>
+      <p:regular r:id="rId54"/>
     </p:embeddedFont>
     <p:embeddedFont>
       <p:font typeface="Euclid Extra" charset="2"/>
-      <p:regular r:id="rId54"/>
-      <p:bold r:id="rId55"/>
+      <p:regular r:id="rId55"/>
+      <p:bold r:id="rId56"/>
     </p:embeddedFont>
   </p:embeddedFontLst>
   <p:custDataLst>
-    <p:tags r:id="rId57"/>
+    <p:tags r:id="rId58"/>
   </p:custDataLst>
   <p:defaultTextStyle>
     <a:defPPr>
@@ -1226,49 +1227,21 @@
       </p:grpSpPr>
       <p:sp>
         <p:nvSpPr>
-          <p:cNvPr id="7" name="Rectangle 7"/>
+          <p:cNvPr id="2" name="Slide Image Placeholder 1"/>
           <p:cNvSpPr>
-            <a:spLocks noGrp="1" noChangeArrowheads="1"/>
-          </p:cNvSpPr>
-          <p:nvPr>
-            <p:ph type="sldNum" sz="quarter" idx="5"/>
-          </p:nvPr>
-        </p:nvSpPr>
-        <p:spPr>
-          <a:ln/>
-        </p:spPr>
-        <p:txBody>
-          <a:bodyPr/>
-          <a:lstStyle/>
-          <a:p>
-            <a:fld id="{8938A1B1-A6C8-439A-B45A-286B53195481}" type="slidenum">
-              <a:rPr lang="en-US"/>
-              <a:pPr/>
-              <a:t>13</a:t>
-            </a:fld>
-            <a:endParaRPr lang="en-US"/>
-          </a:p>
-        </p:txBody>
-      </p:sp>
-      <p:sp>
-        <p:nvSpPr>
-          <p:cNvPr id="139266" name="Rectangle 2"/>
-          <p:cNvSpPr>
-            <a:spLocks noGrp="1" noRot="1" noChangeAspect="1" noChangeArrowheads="1" noTextEdit="1"/>
+            <a:spLocks noGrp="1" noRot="1" noChangeAspect="1"/>
           </p:cNvSpPr>
           <p:nvPr>
             <p:ph type="sldImg"/>
           </p:nvPr>
         </p:nvSpPr>
-        <p:spPr>
-          <a:ln/>
-        </p:spPr>
+        <p:spPr/>
       </p:sp>
       <p:sp>
         <p:nvSpPr>
-          <p:cNvPr id="139267" name="Rectangle 3"/>
+          <p:cNvPr id="3" name="Notes Placeholder 2"/>
           <p:cNvSpPr>
-            <a:spLocks noGrp="1" noChangeArrowheads="1"/>
+            <a:spLocks noGrp="1"/>
           </p:cNvSpPr>
           <p:nvPr>
             <p:ph type="body" idx="1"/>
@@ -1276,9 +1249,35 @@
         </p:nvSpPr>
         <p:spPr/>
         <p:txBody>
+          <a:bodyPr>
+            <a:normAutofit/>
+          </a:bodyPr>
+          <a:lstStyle/>
+          <a:p>
+            <a:endParaRPr lang="en-US"/>
+          </a:p>
+        </p:txBody>
+      </p:sp>
+      <p:sp>
+        <p:nvSpPr>
+          <p:cNvPr id="4" name="Slide Number Placeholder 3"/>
+          <p:cNvSpPr>
+            <a:spLocks noGrp="1"/>
+          </p:cNvSpPr>
+          <p:nvPr>
+            <p:ph type="sldNum" sz="quarter" idx="10"/>
+          </p:nvPr>
+        </p:nvSpPr>
+        <p:spPr/>
+        <p:txBody>
           <a:bodyPr/>
           <a:lstStyle/>
           <a:p>
+            <a:fld id="{A02B9F3F-3042-489F-AF35-1A733968F079}" type="slidenum">
+              <a:rPr lang="en-US" smtClean="0"/>
+              <a:pPr/>
+              <a:t>13</a:t>
+            </a:fld>
             <a:endParaRPr lang="en-US"/>
           </a:p>
         </p:txBody>
@@ -1376,6 +1375,90 @@
 </file>
 
 <file path=ppt/notesSlides/notesSlide15.xml><?xml version="1.0" encoding="utf-8"?>
+<p:notes xmlns:a="http://schemas.openxmlformats.org/drawingml/2006/main" xmlns:r="http://schemas.openxmlformats.org/officeDocument/2006/relationships" xmlns:mc="http://schemas.openxmlformats.org/markup-compatibility/2006" xmlns:mv="urn:schemas-microsoft-com:mac:vml" xmlns:p="http://schemas.openxmlformats.org/presentationml/2006/main" mc:Ignorable="mv" mc:PreserveAttributes="mv:*">
+  <p:cSld>
+    <p:spTree>
+      <p:nvGrpSpPr>
+        <p:cNvPr id="1" name=""/>
+        <p:cNvGrpSpPr/>
+        <p:nvPr/>
+      </p:nvGrpSpPr>
+      <p:grpSpPr>
+        <a:xfrm>
+          <a:off x="0" y="0"/>
+          <a:ext cx="0" cy="0"/>
+          <a:chOff x="0" y="0"/>
+          <a:chExt cx="0" cy="0"/>
+        </a:xfrm>
+      </p:grpSpPr>
+      <p:sp>
+        <p:nvSpPr>
+          <p:cNvPr id="7" name="Rectangle 7"/>
+          <p:cNvSpPr>
+            <a:spLocks noGrp="1" noChangeArrowheads="1"/>
+          </p:cNvSpPr>
+          <p:nvPr>
+            <p:ph type="sldNum" sz="quarter" idx="5"/>
+          </p:nvPr>
+        </p:nvSpPr>
+        <p:spPr>
+          <a:ln/>
+        </p:spPr>
+        <p:txBody>
+          <a:bodyPr/>
+          <a:lstStyle/>
+          <a:p>
+            <a:fld id="{8938A1B1-A6C8-439A-B45A-286B53195481}" type="slidenum">
+              <a:rPr lang="en-US"/>
+              <a:pPr/>
+              <a:t>15</a:t>
+            </a:fld>
+            <a:endParaRPr lang="en-US"/>
+          </a:p>
+        </p:txBody>
+      </p:sp>
+      <p:sp>
+        <p:nvSpPr>
+          <p:cNvPr id="139266" name="Rectangle 2"/>
+          <p:cNvSpPr>
+            <a:spLocks noGrp="1" noRot="1" noChangeAspect="1" noChangeArrowheads="1" noTextEdit="1"/>
+          </p:cNvSpPr>
+          <p:nvPr>
+            <p:ph type="sldImg"/>
+          </p:nvPr>
+        </p:nvSpPr>
+        <p:spPr>
+          <a:ln/>
+        </p:spPr>
+      </p:sp>
+      <p:sp>
+        <p:nvSpPr>
+          <p:cNvPr id="139267" name="Rectangle 3"/>
+          <p:cNvSpPr>
+            <a:spLocks noGrp="1" noChangeArrowheads="1"/>
+          </p:cNvSpPr>
+          <p:nvPr>
+            <p:ph type="body" idx="1"/>
+          </p:nvPr>
+        </p:nvSpPr>
+        <p:spPr/>
+        <p:txBody>
+          <a:bodyPr/>
+          <a:lstStyle/>
+          <a:p>
+            <a:endParaRPr lang="en-US"/>
+          </a:p>
+        </p:txBody>
+      </p:sp>
+    </p:spTree>
+  </p:cSld>
+  <p:clrMapOvr>
+    <a:masterClrMapping/>
+  </p:clrMapOvr>
+</p:notes>
+</file>
+
+<file path=ppt/notesSlides/notesSlide16.xml><?xml version="1.0" encoding="utf-8"?>
 <p:notes xmlns:a="http://schemas.openxmlformats.org/drawingml/2006/main" xmlns:r="http://schemas.openxmlformats.org/officeDocument/2006/relationships" xmlns:mc="http://schemas.openxmlformats.org/markup-compatibility/2006" xmlns:mv="urn:schemas-microsoft-com:mac:vml" xmlns:p="http://schemas.openxmlformats.org/presentationml/2006/main" mc:Ignorable="mv" mc:PreserveAttributes="mv:*">
   <p:cSld>
     <p:spTree>
@@ -1443,99 +1526,9 @@
             <a:fld id="{A02B9F3F-3042-489F-AF35-1A733968F079}" type="slidenum">
               <a:rPr lang="en-US" smtClean="0"/>
               <a:pPr/>
-              <a:t>15</a:t>
-            </a:fld>
-            <a:endParaRPr lang="en-US"/>
-          </a:p>
-        </p:txBody>
-      </p:sp>
-    </p:spTree>
-  </p:cSld>
-  <p:clrMapOvr>
-    <a:masterClrMapping/>
-  </p:clrMapOvr>
-</p:notes>
-</file>
-
-<file path=ppt/notesSlides/notesSlide16.xml><?xml version="1.0" encoding="utf-8"?>
-<p:notes xmlns:a="http://schemas.openxmlformats.org/drawingml/2006/main" xmlns:r="http://schemas.openxmlformats.org/officeDocument/2006/relationships" xmlns:mc="http://schemas.openxmlformats.org/markup-compatibility/2006" xmlns:mv="urn:schemas-microsoft-com:mac:vml" xmlns:p="http://schemas.openxmlformats.org/presentationml/2006/main" mc:Ignorable="mv" mc:PreserveAttributes="mv:*">
-  <p:cSld>
-    <p:spTree>
-      <p:nvGrpSpPr>
-        <p:cNvPr id="1" name=""/>
-        <p:cNvGrpSpPr/>
-        <p:nvPr/>
-      </p:nvGrpSpPr>
-      <p:grpSpPr>
-        <a:xfrm>
-          <a:off x="0" y="0"/>
-          <a:ext cx="0" cy="0"/>
-          <a:chOff x="0" y="0"/>
-          <a:chExt cx="0" cy="0"/>
-        </a:xfrm>
-      </p:grpSpPr>
-      <p:sp>
-        <p:nvSpPr>
-          <p:cNvPr id="69634" name="Rectangle 7"/>
-          <p:cNvSpPr>
-            <a:spLocks noGrp="1" noChangeArrowheads="1"/>
-          </p:cNvSpPr>
-          <p:nvPr>
-            <p:ph type="sldNum" sz="quarter" idx="5"/>
-          </p:nvPr>
-        </p:nvSpPr>
-        <p:spPr>
-          <a:noFill/>
-        </p:spPr>
-        <p:txBody>
-          <a:bodyPr/>
-          <a:lstStyle/>
-          <a:p>
-            <a:fld id="{E9897216-F7CF-45C8-938C-7B4DBF3D59F9}" type="slidenum">
-              <a:rPr lang="en-US"/>
-              <a:pPr/>
               <a:t>16</a:t>
             </a:fld>
             <a:endParaRPr lang="en-US"/>
-          </a:p>
-        </p:txBody>
-      </p:sp>
-      <p:sp>
-        <p:nvSpPr>
-          <p:cNvPr id="69635" name="Rectangle 2"/>
-          <p:cNvSpPr>
-            <a:spLocks noGrp="1" noRot="1" noChangeAspect="1" noChangeArrowheads="1" noTextEdit="1"/>
-          </p:cNvSpPr>
-          <p:nvPr>
-            <p:ph type="sldImg"/>
-          </p:nvPr>
-        </p:nvSpPr>
-        <p:spPr>
-          <a:ln/>
-        </p:spPr>
-      </p:sp>
-      <p:sp>
-        <p:nvSpPr>
-          <p:cNvPr id="69636" name="Rectangle 3"/>
-          <p:cNvSpPr>
-            <a:spLocks noGrp="1" noChangeArrowheads="1"/>
-          </p:cNvSpPr>
-          <p:nvPr>
-            <p:ph type="body" idx="1"/>
-          </p:nvPr>
-        </p:nvSpPr>
-        <p:spPr>
-          <a:noFill/>
-          <a:ln/>
-        </p:spPr>
-        <p:txBody>
-          <a:bodyPr/>
-          <a:lstStyle/>
-          <a:p>
-            <a:pPr eaLnBrk="1" hangingPunct="1"/>
-            <a:endParaRPr lang="en-US" smtClean="0">
-              <a:cs typeface="Arial" charset="0"/>
-            </a:endParaRPr>
           </a:p>
         </p:txBody>
       </p:sp>
@@ -2010,58 +2003,66 @@
       </p:grpSpPr>
       <p:sp>
         <p:nvSpPr>
-          <p:cNvPr id="2" name="Slide Image Placeholder 1"/>
+          <p:cNvPr id="69634" name="Rectangle 7"/>
           <p:cNvSpPr>
-            <a:spLocks noGrp="1" noRot="1" noChangeAspect="1"/>
+            <a:spLocks noGrp="1" noChangeArrowheads="1"/>
+          </p:cNvSpPr>
+          <p:nvPr>
+            <p:ph type="sldNum" sz="quarter" idx="5"/>
+          </p:nvPr>
+        </p:nvSpPr>
+        <p:spPr>
+          <a:noFill/>
+        </p:spPr>
+        <p:txBody>
+          <a:bodyPr/>
+          <a:lstStyle/>
+          <a:p>
+            <a:fld id="{E9897216-F7CF-45C8-938C-7B4DBF3D59F9}" type="slidenum">
+              <a:rPr lang="en-US"/>
+              <a:pPr/>
+              <a:t>21</a:t>
+            </a:fld>
+            <a:endParaRPr lang="en-US"/>
+          </a:p>
+        </p:txBody>
+      </p:sp>
+      <p:sp>
+        <p:nvSpPr>
+          <p:cNvPr id="69635" name="Rectangle 2"/>
+          <p:cNvSpPr>
+            <a:spLocks noGrp="1" noRot="1" noChangeAspect="1" noChangeArrowheads="1" noTextEdit="1"/>
           </p:cNvSpPr>
           <p:nvPr>
             <p:ph type="sldImg"/>
           </p:nvPr>
         </p:nvSpPr>
-        <p:spPr/>
+        <p:spPr>
+          <a:ln/>
+        </p:spPr>
       </p:sp>
       <p:sp>
         <p:nvSpPr>
-          <p:cNvPr id="3" name="Notes Placeholder 2"/>
+          <p:cNvPr id="69636" name="Rectangle 3"/>
           <p:cNvSpPr>
-            <a:spLocks noGrp="1"/>
+            <a:spLocks noGrp="1" noChangeArrowheads="1"/>
           </p:cNvSpPr>
           <p:nvPr>
             <p:ph type="body" idx="1"/>
           </p:nvPr>
         </p:nvSpPr>
-        <p:spPr/>
-        <p:txBody>
-          <a:bodyPr>
-            <a:normAutofit/>
-          </a:bodyPr>
-          <a:lstStyle/>
-          <a:p>
-            <a:endParaRPr lang="en-US"/>
-          </a:p>
-        </p:txBody>
-      </p:sp>
-      <p:sp>
-        <p:nvSpPr>
-          <p:cNvPr id="4" name="Slide Number Placeholder 3"/>
-          <p:cNvSpPr>
-            <a:spLocks noGrp="1"/>
-          </p:cNvSpPr>
-          <p:nvPr>
-            <p:ph type="sldNum" sz="quarter" idx="10"/>
-          </p:nvPr>
-        </p:nvSpPr>
-        <p:spPr/>
+        <p:spPr>
+          <a:noFill/>
+          <a:ln/>
+        </p:spPr>
         <p:txBody>
           <a:bodyPr/>
           <a:lstStyle/>
           <a:p>
-            <a:fld id="{A02B9F3F-3042-489F-AF35-1A733968F079}" type="slidenum">
-              <a:rPr lang="en-US" smtClean="0"/>
-              <a:pPr/>
-              <a:t>21</a:t>
-            </a:fld>
-            <a:endParaRPr lang="en-US"/>
+            <a:pPr eaLnBrk="1" hangingPunct="1"/>
+            <a:endParaRPr lang="en-US" smtClean="0">
+              <a:cs typeface="Arial" charset="0"/>
+            </a:endParaRPr>
           </a:p>
         </p:txBody>
       </p:sp>
@@ -2551,7 +2552,7 @@
             <a:fld id="{A02B9F3F-3042-489F-AF35-1A733968F079}" type="slidenum">
               <a:rPr lang="en-US" smtClean="0"/>
               <a:pPr/>
-              <a:t>29</a:t>
+              <a:t>27</a:t>
             </a:fld>
             <a:endParaRPr lang="en-US"/>
           </a:p>
@@ -2633,7 +2634,7 @@
             <a:fld id="{A02B9F3F-3042-489F-AF35-1A733968F079}" type="slidenum">
               <a:rPr lang="en-US" smtClean="0"/>
               <a:pPr/>
-              <a:t>36</a:t>
+              <a:t>30</a:t>
             </a:fld>
             <a:endParaRPr lang="en-US"/>
           </a:p>
@@ -3166,6 +3167,88 @@
       </p:grpSpPr>
       <p:sp>
         <p:nvSpPr>
+          <p:cNvPr id="2" name="Slide Image Placeholder 1"/>
+          <p:cNvSpPr>
+            <a:spLocks noGrp="1" noRot="1" noChangeAspect="1"/>
+          </p:cNvSpPr>
+          <p:nvPr>
+            <p:ph type="sldImg"/>
+          </p:nvPr>
+        </p:nvSpPr>
+        <p:spPr/>
+      </p:sp>
+      <p:sp>
+        <p:nvSpPr>
+          <p:cNvPr id="3" name="Notes Placeholder 2"/>
+          <p:cNvSpPr>
+            <a:spLocks noGrp="1"/>
+          </p:cNvSpPr>
+          <p:nvPr>
+            <p:ph type="body" idx="1"/>
+          </p:nvPr>
+        </p:nvSpPr>
+        <p:spPr/>
+        <p:txBody>
+          <a:bodyPr>
+            <a:normAutofit/>
+          </a:bodyPr>
+          <a:lstStyle/>
+          <a:p>
+            <a:endParaRPr lang="en-US"/>
+          </a:p>
+        </p:txBody>
+      </p:sp>
+      <p:sp>
+        <p:nvSpPr>
+          <p:cNvPr id="4" name="Slide Number Placeholder 3"/>
+          <p:cNvSpPr>
+            <a:spLocks noGrp="1"/>
+          </p:cNvSpPr>
+          <p:nvPr>
+            <p:ph type="sldNum" sz="quarter" idx="10"/>
+          </p:nvPr>
+        </p:nvSpPr>
+        <p:spPr/>
+        <p:txBody>
+          <a:bodyPr/>
+          <a:lstStyle/>
+          <a:p>
+            <a:fld id="{A02B9F3F-3042-489F-AF35-1A733968F079}" type="slidenum">
+              <a:rPr lang="en-US" smtClean="0"/>
+              <a:pPr/>
+              <a:t>42</a:t>
+            </a:fld>
+            <a:endParaRPr lang="en-US"/>
+          </a:p>
+        </p:txBody>
+      </p:sp>
+    </p:spTree>
+  </p:cSld>
+  <p:clrMapOvr>
+    <a:masterClrMapping/>
+  </p:clrMapOvr>
+</p:notes>
+</file>
+
+<file path=ppt/notesSlides/notesSlide35.xml><?xml version="1.0" encoding="utf-8"?>
+<p:notes xmlns:a="http://schemas.openxmlformats.org/drawingml/2006/main" xmlns:r="http://schemas.openxmlformats.org/officeDocument/2006/relationships" xmlns:mc="http://schemas.openxmlformats.org/markup-compatibility/2006" xmlns:mv="urn:schemas-microsoft-com:mac:vml" xmlns:p="http://schemas.openxmlformats.org/presentationml/2006/main" mc:Ignorable="mv" mc:PreserveAttributes="mv:*">
+  <p:cSld>
+    <p:spTree>
+      <p:nvGrpSpPr>
+        <p:cNvPr id="1" name=""/>
+        <p:cNvGrpSpPr/>
+        <p:nvPr/>
+      </p:nvGrpSpPr>
+      <p:grpSpPr>
+        <a:xfrm>
+          <a:off x="0" y="0"/>
+          <a:ext cx="0" cy="0"/>
+          <a:chOff x="0" y="0"/>
+          <a:chExt cx="0" cy="0"/>
+        </a:xfrm>
+      </p:grpSpPr>
+      <p:sp>
+        <p:nvSpPr>
           <p:cNvPr id="72706" name="Rectangle 7"/>
           <p:cNvSpPr>
             <a:spLocks noGrp="1" noChangeArrowheads="1"/>
@@ -3184,7 +3267,7 @@
             <a:fld id="{6653F924-F418-411E-8C35-24F3766CE997}" type="slidenum">
               <a:rPr lang="en-US" smtClean="0"/>
               <a:pPr/>
-              <a:t>42</a:t>
+              <a:t>43</a:t>
             </a:fld>
             <a:endParaRPr lang="en-US" smtClean="0"/>
           </a:p>
@@ -9046,7 +9129,7 @@
         <p:spPr bwMode="auto">
           <a:xfrm>
             <a:off x="4125913" y="6570994"/>
-            <a:ext cx="1380544" cy="261610"/>
+            <a:ext cx="1294445" cy="261610"/>
           </a:xfrm>
           <a:prstGeom prst="rect">
             <a:avLst/>
@@ -9079,13 +9162,13 @@
               <a:rPr lang="en-US" sz="1100" baseline="0" dirty="0" smtClean="0">
                 <a:latin typeface="Comic Sans MS" pitchFamily="66" charset="0"/>
               </a:rPr>
-              <a:t> 10</a:t>
+              <a:t> 9</a:t>
             </a:r>
             <a:r>
               <a:rPr lang="en-US" sz="1100" dirty="0" smtClean="0">
                 <a:latin typeface="Comic Sans MS" pitchFamily="66" charset="0"/>
               </a:rPr>
-              <a:t>, 2010</a:t>
+              <a:t>, 2011</a:t>
             </a:r>
             <a:endParaRPr lang="en-US" sz="1100" dirty="0">
               <a:latin typeface="Comic Sans MS" pitchFamily="66" charset="0"/>
@@ -10366,7 +10449,7 @@
 </file>
 
 <file path=ppt/slides/slide10.xml><?xml version="1.0" encoding="utf-8"?>
-<p:sld xmlns:a="http://schemas.openxmlformats.org/drawingml/2006/main" xmlns:r="http://schemas.openxmlformats.org/officeDocument/2006/relationships" xmlns:mc="http://schemas.openxmlformats.org/markup-compatibility/2006" xmlns:mv="urn:schemas-microsoft-com:mac:vml" xmlns:p="http://schemas.openxmlformats.org/presentationml/2006/main" mc:Ignorable="mv" mc:PreserveAttributes="mv:*">
+<p:sld xmlns:a="http://schemas.openxmlformats.org/drawingml/2006/main" xmlns:r="http://schemas.openxmlformats.org/officeDocument/2006/relationships" xmlns:mc="http://schemas.openxmlformats.org/markup-compatibility/2006" xmlns:mv="urn:schemas-microsoft-com:mac:vml" xmlns:p="http://schemas.openxmlformats.org/presentationml/2006/main" mc:Ignorable="mv" mc:PreserveAttributes="mv:*" show="0">
   <p:cSld>
     <p:spTree>
       <p:nvGrpSpPr>
@@ -10404,11 +10487,7 @@
           <a:p>
             <a:r>
               <a:rPr lang="en-US" dirty="0" smtClean="0"/>
-              <a:t>Evaluation </a:t>
-            </a:r>
-            <a:r>
-              <a:rPr lang="en-US" dirty="0" smtClean="0"/>
-              <a:t>in an Environment</a:t>
+              <a:t>Evaluation in an Environment</a:t>
             </a:r>
             <a:endParaRPr lang="en-US" dirty="0"/>
           </a:p>
@@ -11548,6 +11627,1472 @@
         </p:nvSpPr>
         <p:spPr>
           <a:xfrm>
+            <a:off x="1447800" y="284252"/>
+            <a:ext cx="7108694" cy="1263956"/>
+          </a:xfrm>
+        </p:spPr>
+        <p:txBody>
+          <a:bodyPr/>
+          <a:lstStyle/>
+          <a:p>
+            <a:r>
+              <a:rPr lang="en-US" dirty="0" smtClean="0"/>
+              <a:t>Evaluation in an Environment</a:t>
+            </a:r>
+            <a:endParaRPr lang="en-US" dirty="0"/>
+          </a:p>
+        </p:txBody>
+      </p:sp>
+      <p:sp>
+        <p:nvSpPr>
+          <p:cNvPr id="5" name="Rectangle 4"/>
+          <p:cNvSpPr/>
+          <p:nvPr/>
+        </p:nvSpPr>
+        <p:spPr>
+          <a:xfrm>
+            <a:off x="1" y="1704973"/>
+            <a:ext cx="9144000" cy="2862322"/>
+          </a:xfrm>
+          <a:prstGeom prst="rect">
+            <a:avLst/>
+          </a:prstGeom>
+        </p:spPr>
+        <p:txBody>
+          <a:bodyPr wrap="square">
+            <a:spAutoFit/>
+          </a:bodyPr>
+          <a:lstStyle/>
+          <a:p>
+            <a:r>
+              <a:rPr lang="en-US" sz="3600" dirty="0" smtClean="0">
+                <a:latin typeface="Comic Sans MS" pitchFamily="66" charset="0"/>
+              </a:rPr>
+              <a:t>Example:  Suppose environment, </a:t>
+            </a:r>
+            <a:r>
+              <a:rPr lang="en-US" sz="3600" dirty="0" smtClean="0">
+                <a:solidFill>
+                  <a:srgbClr val="0000FF"/>
+                </a:solidFill>
+                <a:latin typeface="Comic Sans MS" pitchFamily="66" charset="0"/>
+              </a:rPr>
+              <a:t>v</a:t>
+            </a:r>
+            <a:r>
+              <a:rPr lang="en-US" sz="3600" dirty="0" smtClean="0">
+                <a:latin typeface="Comic Sans MS" pitchFamily="66" charset="0"/>
+              </a:rPr>
+              <a:t>, assigns</a:t>
+            </a:r>
+          </a:p>
+          <a:p>
+            <a:pPr algn="ctr"/>
+            <a:r>
+              <a:rPr lang="en-US" sz="3600" dirty="0" smtClean="0">
+                <a:solidFill>
+                  <a:srgbClr val="0000FF"/>
+                </a:solidFill>
+                <a:latin typeface="Comic Sans MS" pitchFamily="66" charset="0"/>
+              </a:rPr>
+              <a:t>v(</a:t>
+            </a:r>
+            <a:r>
+              <a:rPr lang="en-US" sz="3600" dirty="0" smtClean="0">
+                <a:latin typeface="Comic Sans MS" pitchFamily="66" charset="0"/>
+              </a:rPr>
+              <a:t>P</a:t>
+            </a:r>
+            <a:r>
+              <a:rPr lang="en-US" sz="3600" dirty="0" smtClean="0">
+                <a:solidFill>
+                  <a:srgbClr val="0000FF"/>
+                </a:solidFill>
+                <a:latin typeface="Comic Sans MS" pitchFamily="66" charset="0"/>
+              </a:rPr>
+              <a:t>)</a:t>
+            </a:r>
+            <a:r>
+              <a:rPr lang="en-US" sz="3600" dirty="0" smtClean="0">
+                <a:latin typeface="Comic Sans MS" pitchFamily="66" charset="0"/>
+              </a:rPr>
+              <a:t> = </a:t>
+            </a:r>
+            <a:r>
+              <a:rPr lang="en-US" sz="3600" dirty="0" smtClean="0">
+                <a:solidFill>
+                  <a:srgbClr val="008000"/>
+                </a:solidFill>
+                <a:latin typeface="Comic Sans MS" pitchFamily="66" charset="0"/>
+              </a:rPr>
+              <a:t>T</a:t>
+            </a:r>
+            <a:r>
+              <a:rPr lang="en-US" sz="3600" dirty="0" smtClean="0">
+                <a:latin typeface="Comic Sans MS" pitchFamily="66" charset="0"/>
+              </a:rPr>
+              <a:t>,  </a:t>
+            </a:r>
+            <a:r>
+              <a:rPr lang="en-US" sz="3600" dirty="0" smtClean="0">
+                <a:solidFill>
+                  <a:srgbClr val="0000FF"/>
+                </a:solidFill>
+                <a:latin typeface="Comic Sans MS" pitchFamily="66" charset="0"/>
+              </a:rPr>
+              <a:t>v(</a:t>
+            </a:r>
+            <a:r>
+              <a:rPr lang="en-US" sz="3600" dirty="0" smtClean="0">
+                <a:latin typeface="Comic Sans MS" pitchFamily="66" charset="0"/>
+              </a:rPr>
+              <a:t>Q</a:t>
+            </a:r>
+            <a:r>
+              <a:rPr lang="en-US" sz="3600" dirty="0" smtClean="0">
+                <a:solidFill>
+                  <a:srgbClr val="0000FF"/>
+                </a:solidFill>
+                <a:latin typeface="Comic Sans MS" pitchFamily="66" charset="0"/>
+              </a:rPr>
+              <a:t>)</a:t>
+            </a:r>
+            <a:r>
+              <a:rPr lang="en-US" sz="3600" dirty="0" smtClean="0">
+                <a:latin typeface="Comic Sans MS" pitchFamily="66" charset="0"/>
+              </a:rPr>
+              <a:t>= </a:t>
+            </a:r>
+            <a:r>
+              <a:rPr lang="en-US" sz="3600" dirty="0" smtClean="0">
+                <a:solidFill>
+                  <a:srgbClr val="008000"/>
+                </a:solidFill>
+                <a:latin typeface="Comic Sans MS" pitchFamily="66" charset="0"/>
+              </a:rPr>
+              <a:t>T</a:t>
+            </a:r>
+            <a:r>
+              <a:rPr lang="en-US" sz="3600" dirty="0" smtClean="0">
+                <a:latin typeface="Comic Sans MS" pitchFamily="66" charset="0"/>
+              </a:rPr>
+              <a:t>, </a:t>
+            </a:r>
+            <a:r>
+              <a:rPr lang="en-US" sz="3600" dirty="0" smtClean="0">
+                <a:solidFill>
+                  <a:srgbClr val="0000FF"/>
+                </a:solidFill>
+                <a:latin typeface="Comic Sans MS" pitchFamily="66" charset="0"/>
+              </a:rPr>
+              <a:t>v(</a:t>
+            </a:r>
+            <a:r>
+              <a:rPr lang="en-US" sz="3600" dirty="0" smtClean="0">
+                <a:latin typeface="Comic Sans MS" pitchFamily="66" charset="0"/>
+              </a:rPr>
+              <a:t>R</a:t>
+            </a:r>
+            <a:r>
+              <a:rPr lang="en-US" sz="3600" dirty="0" smtClean="0">
+                <a:solidFill>
+                  <a:srgbClr val="0000FF"/>
+                </a:solidFill>
+                <a:latin typeface="Comic Sans MS" pitchFamily="66" charset="0"/>
+              </a:rPr>
+              <a:t>) </a:t>
+            </a:r>
+            <a:r>
+              <a:rPr lang="en-US" sz="3600" dirty="0" smtClean="0">
+                <a:latin typeface="Comic Sans MS" pitchFamily="66" charset="0"/>
+              </a:rPr>
+              <a:t>= </a:t>
+            </a:r>
+            <a:r>
+              <a:rPr lang="en-US" sz="3600" dirty="0" smtClean="0">
+                <a:solidFill>
+                  <a:srgbClr val="FF0000"/>
+                </a:solidFill>
+                <a:latin typeface="Comic Sans MS" pitchFamily="66" charset="0"/>
+              </a:rPr>
+              <a:t>F</a:t>
+            </a:r>
+            <a:r>
+              <a:rPr lang="en-US" sz="3600" dirty="0" smtClean="0">
+                <a:latin typeface="Comic Sans MS" pitchFamily="66" charset="0"/>
+              </a:rPr>
+              <a:t>.</a:t>
+            </a:r>
+          </a:p>
+          <a:p>
+            <a:pPr algn="l"/>
+            <a:r>
+              <a:rPr lang="en-US" sz="3600" dirty="0" smtClean="0">
+                <a:latin typeface="Comic Sans MS" pitchFamily="66" charset="0"/>
+              </a:rPr>
+              <a:t>Truth value of</a:t>
+            </a:r>
+          </a:p>
+          <a:p>
+            <a:r>
+              <a:rPr lang="en-US" sz="3600" dirty="0" smtClean="0">
+                <a:latin typeface="Comic Sans MS" pitchFamily="66" charset="0"/>
+              </a:rPr>
+              <a:t> </a:t>
+            </a:r>
+            <a:r>
+              <a:rPr lang="en-US" sz="3600" dirty="0" smtClean="0">
+                <a:solidFill>
+                  <a:srgbClr val="0000FF"/>
+                </a:solidFill>
+                <a:latin typeface="Comic Sans MS" pitchFamily="66" charset="0"/>
+              </a:rPr>
+              <a:t>(</a:t>
+            </a:r>
+            <a:r>
+              <a:rPr lang="en-US" dirty="0" smtClean="0">
+                <a:solidFill>
+                  <a:srgbClr val="0000FF"/>
+                </a:solidFill>
+                <a:latin typeface="Comic Sans MS" pitchFamily="66" charset="0"/>
+              </a:rPr>
+              <a:t>NOT</a:t>
+            </a:r>
+            <a:r>
+              <a:rPr lang="en-US" sz="3600" dirty="0" smtClean="0">
+                <a:solidFill>
+                  <a:srgbClr val="0000FF"/>
+                </a:solidFill>
+                <a:latin typeface="Comic Sans MS" pitchFamily="66" charset="0"/>
+              </a:rPr>
+              <a:t>(</a:t>
+            </a:r>
+            <a:r>
+              <a:rPr lang="en-US" sz="3600" dirty="0" smtClean="0">
+                <a:latin typeface="Comic Sans MS" pitchFamily="66" charset="0"/>
+              </a:rPr>
+              <a:t>P</a:t>
+            </a:r>
+            <a:r>
+              <a:rPr lang="en-US" sz="3600" dirty="0" smtClean="0">
+                <a:solidFill>
+                  <a:srgbClr val="0000FF"/>
+                </a:solidFill>
+                <a:latin typeface="Comic Sans MS" pitchFamily="66" charset="0"/>
+              </a:rPr>
+              <a:t> </a:t>
+            </a:r>
+            <a:r>
+              <a:rPr lang="en-US" dirty="0" smtClean="0">
+                <a:solidFill>
+                  <a:srgbClr val="0000FF"/>
+                </a:solidFill>
+                <a:latin typeface="Comic Sans MS" pitchFamily="66" charset="0"/>
+              </a:rPr>
+              <a:t>AND</a:t>
+            </a:r>
+            <a:r>
+              <a:rPr lang="en-US" sz="3600" dirty="0" smtClean="0">
+                <a:solidFill>
+                  <a:srgbClr val="0000FF"/>
+                </a:solidFill>
+                <a:latin typeface="Comic Sans MS" pitchFamily="66" charset="0"/>
+              </a:rPr>
+              <a:t> </a:t>
+            </a:r>
+            <a:r>
+              <a:rPr lang="en-US" sz="3600" dirty="0" smtClean="0">
+                <a:latin typeface="Comic Sans MS" pitchFamily="66" charset="0"/>
+              </a:rPr>
+              <a:t>Q</a:t>
+            </a:r>
+            <a:r>
+              <a:rPr lang="en-US" sz="3600" dirty="0" smtClean="0">
+                <a:solidFill>
+                  <a:srgbClr val="0000FF"/>
+                </a:solidFill>
+                <a:latin typeface="Comic Sans MS" pitchFamily="66" charset="0"/>
+              </a:rPr>
+              <a:t>) )</a:t>
+            </a:r>
+            <a:r>
+              <a:rPr lang="en-US" dirty="0" smtClean="0">
+                <a:solidFill>
+                  <a:srgbClr val="0000FF"/>
+                </a:solidFill>
+                <a:latin typeface="Comic Sans MS" pitchFamily="66" charset="0"/>
+              </a:rPr>
+              <a:t> OR</a:t>
+            </a:r>
+            <a:r>
+              <a:rPr lang="en-US" sz="3600" dirty="0" smtClean="0">
+                <a:solidFill>
+                  <a:srgbClr val="0000FF"/>
+                </a:solidFill>
+                <a:latin typeface="Comic Sans MS" pitchFamily="66" charset="0"/>
+              </a:rPr>
+              <a:t> (</a:t>
+            </a:r>
+            <a:r>
+              <a:rPr lang="en-US" sz="3600" dirty="0" smtClean="0">
+                <a:latin typeface="Comic Sans MS" pitchFamily="66" charset="0"/>
+              </a:rPr>
+              <a:t>R</a:t>
+            </a:r>
+            <a:r>
+              <a:rPr lang="en-US" sz="3600" dirty="0" smtClean="0">
+                <a:solidFill>
+                  <a:srgbClr val="0000FF"/>
+                </a:solidFill>
+                <a:latin typeface="Comic Sans MS" pitchFamily="66" charset="0"/>
+              </a:rPr>
+              <a:t> </a:t>
+            </a:r>
+            <a:r>
+              <a:rPr lang="en-US" dirty="0" smtClean="0">
+                <a:solidFill>
+                  <a:srgbClr val="0000FF"/>
+                </a:solidFill>
+                <a:latin typeface="Comic Sans MS" pitchFamily="66" charset="0"/>
+              </a:rPr>
+              <a:t>XOR</a:t>
+            </a:r>
+            <a:r>
+              <a:rPr lang="en-US" dirty="0" smtClean="0">
+                <a:solidFill>
+                  <a:srgbClr val="0000FF"/>
+                </a:solidFill>
+                <a:latin typeface="Comic Sans MS" pitchFamily="66" charset="0"/>
+              </a:rPr>
+              <a:t> NOT</a:t>
+            </a:r>
+            <a:r>
+              <a:rPr lang="en-US" sz="3600" dirty="0" smtClean="0">
+                <a:solidFill>
+                  <a:srgbClr val="0000FF"/>
+                </a:solidFill>
+                <a:latin typeface="Comic Sans MS" pitchFamily="66" charset="0"/>
+              </a:rPr>
+              <a:t>(</a:t>
+            </a:r>
+            <a:r>
+              <a:rPr lang="en-US" sz="3600" dirty="0" smtClean="0">
+                <a:latin typeface="Comic Sans MS" pitchFamily="66" charset="0"/>
+              </a:rPr>
+              <a:t>Q</a:t>
+            </a:r>
+            <a:r>
+              <a:rPr lang="en-US" sz="3600" dirty="0" smtClean="0">
+                <a:solidFill>
+                  <a:srgbClr val="0000FF"/>
+                </a:solidFill>
+                <a:latin typeface="Comic Sans MS" pitchFamily="66" charset="0"/>
+              </a:rPr>
+              <a:t>))</a:t>
+            </a:r>
+            <a:r>
+              <a:rPr lang="en-US" sz="3600" dirty="0" smtClean="0">
+                <a:latin typeface="Comic Sans MS" pitchFamily="66" charset="0"/>
+              </a:rPr>
+              <a:t>           </a:t>
+            </a:r>
+          </a:p>
+          <a:p>
+            <a:pPr algn="l"/>
+            <a:r>
+              <a:rPr lang="en-US" sz="3600" dirty="0" smtClean="0">
+                <a:solidFill>
+                  <a:srgbClr val="008000"/>
+                </a:solidFill>
+                <a:latin typeface="Comic Sans MS" pitchFamily="66" charset="0"/>
+              </a:rPr>
+              <a:t>        </a:t>
+            </a:r>
+            <a:r>
+              <a:rPr lang="en-US" sz="3600" dirty="0" smtClean="0">
+                <a:solidFill>
+                  <a:srgbClr val="008000"/>
+                </a:solidFill>
+                <a:latin typeface="Comic Sans MS" pitchFamily="66" charset="0"/>
+              </a:rPr>
+              <a:t>     T </a:t>
+            </a:r>
+            <a:r>
+              <a:rPr lang="en-US" sz="3600" dirty="0" smtClean="0">
+                <a:latin typeface="Comic Sans MS" pitchFamily="66" charset="0"/>
+              </a:rPr>
+              <a:t>        </a:t>
+            </a:r>
+            <a:r>
+              <a:rPr lang="en-US" sz="3600" dirty="0" smtClean="0">
+                <a:solidFill>
+                  <a:srgbClr val="006600"/>
+                </a:solidFill>
+                <a:latin typeface="Comic Sans MS" pitchFamily="66" charset="0"/>
+              </a:rPr>
+              <a:t>T</a:t>
+            </a:r>
+            <a:r>
+              <a:rPr lang="en-US" sz="3600" dirty="0" smtClean="0">
+                <a:solidFill>
+                  <a:srgbClr val="FF0000"/>
+                </a:solidFill>
+                <a:latin typeface="Comic Sans MS" pitchFamily="66" charset="0"/>
+              </a:rPr>
+              <a:t>            F     </a:t>
+            </a:r>
+            <a:r>
+              <a:rPr lang="en-US" sz="3600" dirty="0" smtClean="0">
+                <a:solidFill>
+                  <a:srgbClr val="FF0000"/>
+                </a:solidFill>
+                <a:latin typeface="Comic Sans MS" pitchFamily="66" charset="0"/>
+              </a:rPr>
+              <a:t>           </a:t>
+            </a:r>
+            <a:r>
+              <a:rPr lang="en-US" sz="3600" dirty="0" smtClean="0">
+                <a:solidFill>
+                  <a:srgbClr val="008000"/>
+                </a:solidFill>
+                <a:latin typeface="Comic Sans MS" pitchFamily="66" charset="0"/>
+              </a:rPr>
+              <a:t>T</a:t>
+            </a:r>
+          </a:p>
+        </p:txBody>
+      </p:sp>
+      <p:sp>
+        <p:nvSpPr>
+          <p:cNvPr id="7" name="TextBox 6"/>
+          <p:cNvSpPr txBox="1"/>
+          <p:nvPr/>
+        </p:nvSpPr>
+        <p:spPr>
+          <a:xfrm>
+            <a:off x="1132185" y="4021214"/>
+            <a:ext cx="498855" cy="769441"/>
+          </a:xfrm>
+          <a:prstGeom prst="rect">
+            <a:avLst/>
+          </a:prstGeom>
+          <a:noFill/>
+        </p:spPr>
+        <p:txBody>
+          <a:bodyPr wrap="square" rtlCol="0">
+            <a:spAutoFit/>
+          </a:bodyPr>
+          <a:lstStyle/>
+          <a:p>
+            <a:r>
+              <a:rPr lang="en-US" sz="4400" dirty="0" smtClean="0">
+                <a:solidFill>
+                  <a:srgbClr val="FF0000"/>
+                </a:solidFill>
+                <a:latin typeface="Comic Sans MS" pitchFamily="66" charset="0"/>
+              </a:rPr>
+              <a:t>F</a:t>
+            </a:r>
+            <a:endParaRPr lang="en-US" sz="4400" dirty="0">
+              <a:solidFill>
+                <a:srgbClr val="FF0000"/>
+              </a:solidFill>
+              <a:latin typeface="Comic Sans MS" pitchFamily="66" charset="0"/>
+            </a:endParaRPr>
+          </a:p>
+        </p:txBody>
+      </p:sp>
+      <p:sp>
+        <p:nvSpPr>
+          <p:cNvPr id="9" name="Rectangle 8"/>
+          <p:cNvSpPr/>
+          <p:nvPr/>
+        </p:nvSpPr>
+        <p:spPr>
+          <a:xfrm>
+            <a:off x="7048527" y="3852345"/>
+            <a:ext cx="465192" cy="646331"/>
+          </a:xfrm>
+          <a:prstGeom prst="rect">
+            <a:avLst/>
+          </a:prstGeom>
+        </p:spPr>
+        <p:txBody>
+          <a:bodyPr wrap="square">
+            <a:spAutoFit/>
+          </a:bodyPr>
+          <a:lstStyle/>
+          <a:p>
+            <a:r>
+              <a:rPr lang="en-US" sz="3600" dirty="0" smtClean="0">
+                <a:solidFill>
+                  <a:srgbClr val="FF0000"/>
+                </a:solidFill>
+                <a:latin typeface="Comic Sans MS" pitchFamily="66" charset="0"/>
+              </a:rPr>
+              <a:t>F</a:t>
+            </a:r>
+            <a:endParaRPr lang="en-US" dirty="0"/>
+          </a:p>
+        </p:txBody>
+      </p:sp>
+      <p:sp>
+        <p:nvSpPr>
+          <p:cNvPr id="10" name="Rectangle 9"/>
+          <p:cNvSpPr/>
+          <p:nvPr/>
+        </p:nvSpPr>
+        <p:spPr>
+          <a:xfrm>
+            <a:off x="2571800" y="3973390"/>
+            <a:ext cx="465192" cy="646331"/>
+          </a:xfrm>
+          <a:prstGeom prst="rect">
+            <a:avLst/>
+          </a:prstGeom>
+        </p:spPr>
+        <p:txBody>
+          <a:bodyPr wrap="square">
+            <a:spAutoFit/>
+          </a:bodyPr>
+          <a:lstStyle/>
+          <a:p>
+            <a:r>
+              <a:rPr lang="en-US" sz="3600" dirty="0" smtClean="0">
+                <a:solidFill>
+                  <a:srgbClr val="006600"/>
+                </a:solidFill>
+                <a:latin typeface="Comic Sans MS" pitchFamily="66" charset="0"/>
+              </a:rPr>
+              <a:t>T</a:t>
+            </a:r>
+            <a:endParaRPr lang="en-US" dirty="0">
+              <a:solidFill>
+                <a:srgbClr val="006600"/>
+              </a:solidFill>
+            </a:endParaRPr>
+          </a:p>
+        </p:txBody>
+      </p:sp>
+      <p:sp>
+        <p:nvSpPr>
+          <p:cNvPr id="11" name="Rectangle 10"/>
+          <p:cNvSpPr/>
+          <p:nvPr/>
+        </p:nvSpPr>
+        <p:spPr>
+          <a:xfrm>
+            <a:off x="6013648" y="4000695"/>
+            <a:ext cx="465192" cy="769441"/>
+          </a:xfrm>
+          <a:prstGeom prst="rect">
+            <a:avLst/>
+          </a:prstGeom>
+        </p:spPr>
+        <p:txBody>
+          <a:bodyPr wrap="square">
+            <a:spAutoFit/>
+          </a:bodyPr>
+          <a:lstStyle/>
+          <a:p>
+            <a:r>
+              <a:rPr lang="en-US" sz="4400" dirty="0" smtClean="0">
+                <a:solidFill>
+                  <a:srgbClr val="FF0000"/>
+                </a:solidFill>
+                <a:latin typeface="Comic Sans MS" pitchFamily="66" charset="0"/>
+              </a:rPr>
+              <a:t>F</a:t>
+            </a:r>
+            <a:endParaRPr lang="en-US" sz="4000" dirty="0"/>
+          </a:p>
+        </p:txBody>
+      </p:sp>
+      <p:sp>
+        <p:nvSpPr>
+          <p:cNvPr id="12" name="TextBox 11"/>
+          <p:cNvSpPr txBox="1"/>
+          <p:nvPr/>
+        </p:nvSpPr>
+        <p:spPr>
+          <a:xfrm>
+            <a:off x="4345462" y="4057752"/>
+            <a:ext cx="726604" cy="1015663"/>
+          </a:xfrm>
+          <a:prstGeom prst="rect">
+            <a:avLst/>
+          </a:prstGeom>
+          <a:noFill/>
+        </p:spPr>
+        <p:txBody>
+          <a:bodyPr wrap="square" rtlCol="0">
+            <a:spAutoFit/>
+          </a:bodyPr>
+          <a:lstStyle/>
+          <a:p>
+            <a:r>
+              <a:rPr lang="en-US" sz="6000" dirty="0" smtClean="0">
+                <a:solidFill>
+                  <a:srgbClr val="FF0000"/>
+                </a:solidFill>
+                <a:latin typeface="Comic Sans MS" pitchFamily="66" charset="0"/>
+              </a:rPr>
+              <a:t>F</a:t>
+            </a:r>
+            <a:endParaRPr lang="en-US" sz="6000" dirty="0">
+              <a:solidFill>
+                <a:srgbClr val="FF0000"/>
+              </a:solidFill>
+              <a:latin typeface="Comic Sans MS" pitchFamily="66" charset="0"/>
+            </a:endParaRPr>
+          </a:p>
+        </p:txBody>
+      </p:sp>
+      <p:sp>
+        <p:nvSpPr>
+          <p:cNvPr id="13" name="Slide Number Placeholder 2"/>
+          <p:cNvSpPr>
+            <a:spLocks noGrp="1"/>
+          </p:cNvSpPr>
+          <p:nvPr>
+            <p:ph type="sldNum" sz="quarter" idx="10"/>
+          </p:nvPr>
+        </p:nvSpPr>
+        <p:spPr>
+          <a:xfrm>
+            <a:off x="8258822" y="6553200"/>
+            <a:ext cx="885179" cy="276999"/>
+          </a:xfrm>
+          <a:noFill/>
+        </p:spPr>
+        <p:txBody>
+          <a:bodyPr/>
+          <a:lstStyle/>
+          <a:p>
+            <a:r>
+              <a:rPr lang="en-US" dirty="0" err="1" smtClean="0"/>
+              <a:t>lec</a:t>
+            </a:r>
+            <a:r>
+              <a:rPr lang="en-US" dirty="0" smtClean="0"/>
+              <a:t> 2W.</a:t>
+            </a:r>
+            <a:fld id="{0150943C-9303-41DF-A6FA-7E32D6C5D18E}" type="slidenum">
+              <a:rPr lang="en-US" smtClean="0"/>
+              <a:pPr/>
+              <a:t>11</a:t>
+            </a:fld>
+            <a:endParaRPr lang="en-US" dirty="0" smtClean="0"/>
+          </a:p>
+        </p:txBody>
+      </p:sp>
+    </p:spTree>
+  </p:cSld>
+  <p:clrMapOvr>
+    <a:masterClrMapping/>
+  </p:clrMapOvr>
+  <p:transition>
+    <p:fade/>
+  </p:transition>
+  <p:timing>
+    <p:tnLst>
+      <p:par>
+        <p:cTn id="1" dur="indefinite" restart="never" nodeType="tmRoot">
+          <p:childTnLst>
+            <p:seq concurrent="1" nextAc="seek">
+              <p:cTn id="2" dur="indefinite" nodeType="mainSeq">
+                <p:childTnLst>
+                  <p:par>
+                    <p:cTn id="3" fill="hold">
+                      <p:stCondLst>
+                        <p:cond delay="indefinite"/>
+                        <p:cond evt="onBegin" delay="0">
+                          <p:tn val="2"/>
+                        </p:cond>
+                      </p:stCondLst>
+                      <p:childTnLst>
+                        <p:par>
+                          <p:cTn id="4" fill="hold">
+                            <p:stCondLst>
+                              <p:cond delay="0"/>
+                            </p:stCondLst>
+                            <p:childTnLst>
+                              <p:par>
+                                <p:cTn id="5" presetID="22" presetClass="entr" presetSubtype="8" fill="hold" grpId="2" nodeType="afterEffect">
+                                  <p:stCondLst>
+                                    <p:cond delay="0"/>
+                                  </p:stCondLst>
+                                  <p:childTnLst>
+                                    <p:set>
+                                      <p:cBhvr>
+                                        <p:cTn id="6" dur="1" fill="hold">
+                                          <p:stCondLst>
+                                            <p:cond delay="0"/>
+                                          </p:stCondLst>
+                                        </p:cTn>
+                                        <p:tgtEl>
+                                          <p:spTgt spid="5">
+                                            <p:txEl>
+                                              <p:pRg st="1" end="1"/>
+                                            </p:txEl>
+                                          </p:spTgt>
+                                        </p:tgtEl>
+                                        <p:attrNameLst>
+                                          <p:attrName>style.visibility</p:attrName>
+                                        </p:attrNameLst>
+                                      </p:cBhvr>
+                                      <p:to>
+                                        <p:strVal val="visible"/>
+                                      </p:to>
+                                    </p:set>
+                                    <p:animEffect transition="in" filter="wipe(left)">
+                                      <p:cBhvr>
+                                        <p:cTn id="7" dur="1000"/>
+                                        <p:tgtEl>
+                                          <p:spTgt spid="5">
+                                            <p:txEl>
+                                              <p:pRg st="1" end="1"/>
+                                            </p:txEl>
+                                          </p:spTgt>
+                                        </p:tgtEl>
+                                      </p:cBhvr>
+                                    </p:animEffect>
+                                  </p:childTnLst>
+                                </p:cTn>
+                              </p:par>
+                            </p:childTnLst>
+                          </p:cTn>
+                        </p:par>
+                      </p:childTnLst>
+                    </p:cTn>
+                  </p:par>
+                  <p:par>
+                    <p:cTn id="8" fill="hold">
+                      <p:stCondLst>
+                        <p:cond delay="indefinite"/>
+                      </p:stCondLst>
+                      <p:childTnLst>
+                        <p:par>
+                          <p:cTn id="9" fill="hold">
+                            <p:stCondLst>
+                              <p:cond delay="0"/>
+                            </p:stCondLst>
+                            <p:childTnLst>
+                              <p:par>
+                                <p:cTn id="10" presetID="1" presetClass="entr" presetSubtype="0" fill="hold" grpId="0" nodeType="clickEffect">
+                                  <p:stCondLst>
+                                    <p:cond delay="0"/>
+                                  </p:stCondLst>
+                                  <p:childTnLst>
+                                    <p:set>
+                                      <p:cBhvr>
+                                        <p:cTn id="11" dur="1" fill="hold">
+                                          <p:stCondLst>
+                                            <p:cond delay="0"/>
+                                          </p:stCondLst>
+                                        </p:cTn>
+                                        <p:tgtEl>
+                                          <p:spTgt spid="5">
+                                            <p:txEl>
+                                              <p:pRg st="2" end="2"/>
+                                            </p:txEl>
+                                          </p:spTgt>
+                                        </p:tgtEl>
+                                        <p:attrNameLst>
+                                          <p:attrName>style.visibility</p:attrName>
+                                        </p:attrNameLst>
+                                      </p:cBhvr>
+                                      <p:to>
+                                        <p:strVal val="visible"/>
+                                      </p:to>
+                                    </p:set>
+                                  </p:childTnLst>
+                                </p:cTn>
+                              </p:par>
+                            </p:childTnLst>
+                          </p:cTn>
+                        </p:par>
+                        <p:par>
+                          <p:cTn id="12" fill="hold">
+                            <p:stCondLst>
+                              <p:cond delay="0"/>
+                            </p:stCondLst>
+                            <p:childTnLst>
+                              <p:par>
+                                <p:cTn id="13" presetID="22" presetClass="entr" presetSubtype="8" fill="hold" grpId="1" nodeType="afterEffect">
+                                  <p:stCondLst>
+                                    <p:cond delay="0"/>
+                                  </p:stCondLst>
+                                  <p:childTnLst>
+                                    <p:set>
+                                      <p:cBhvr>
+                                        <p:cTn id="14" dur="1" fill="hold">
+                                          <p:stCondLst>
+                                            <p:cond delay="0"/>
+                                          </p:stCondLst>
+                                        </p:cTn>
+                                        <p:tgtEl>
+                                          <p:spTgt spid="5">
+                                            <p:txEl>
+                                              <p:pRg st="3" end="3"/>
+                                            </p:txEl>
+                                          </p:spTgt>
+                                        </p:tgtEl>
+                                        <p:attrNameLst>
+                                          <p:attrName>style.visibility</p:attrName>
+                                        </p:attrNameLst>
+                                      </p:cBhvr>
+                                      <p:to>
+                                        <p:strVal val="visible"/>
+                                      </p:to>
+                                    </p:set>
+                                    <p:animEffect transition="in" filter="wipe(left)">
+                                      <p:cBhvr>
+                                        <p:cTn id="15" dur="1000"/>
+                                        <p:tgtEl>
+                                          <p:spTgt spid="5">
+                                            <p:txEl>
+                                              <p:pRg st="3" end="3"/>
+                                            </p:txEl>
+                                          </p:spTgt>
+                                        </p:tgtEl>
+                                      </p:cBhvr>
+                                    </p:animEffect>
+                                  </p:childTnLst>
+                                </p:cTn>
+                              </p:par>
+                            </p:childTnLst>
+                          </p:cTn>
+                        </p:par>
+                      </p:childTnLst>
+                    </p:cTn>
+                  </p:par>
+                  <p:par>
+                    <p:cTn id="16" fill="hold">
+                      <p:stCondLst>
+                        <p:cond delay="indefinite"/>
+                      </p:stCondLst>
+                      <p:childTnLst>
+                        <p:par>
+                          <p:cTn id="17" fill="hold">
+                            <p:stCondLst>
+                              <p:cond delay="0"/>
+                            </p:stCondLst>
+                            <p:childTnLst>
+                              <p:par>
+                                <p:cTn id="18" presetID="22" presetClass="entr" presetSubtype="4" fill="hold" grpId="1" nodeType="clickEffect">
+                                  <p:stCondLst>
+                                    <p:cond delay="0"/>
+                                  </p:stCondLst>
+                                  <p:childTnLst>
+                                    <p:set>
+                                      <p:cBhvr>
+                                        <p:cTn id="19" dur="1" fill="hold">
+                                          <p:stCondLst>
+                                            <p:cond delay="0"/>
+                                          </p:stCondLst>
+                                        </p:cTn>
+                                        <p:tgtEl>
+                                          <p:spTgt spid="5">
+                                            <p:txEl>
+                                              <p:pRg st="4" end="4"/>
+                                            </p:txEl>
+                                          </p:spTgt>
+                                        </p:tgtEl>
+                                        <p:attrNameLst>
+                                          <p:attrName>style.visibility</p:attrName>
+                                        </p:attrNameLst>
+                                      </p:cBhvr>
+                                      <p:to>
+                                        <p:strVal val="visible"/>
+                                      </p:to>
+                                    </p:set>
+                                    <p:animEffect transition="in" filter="wipe(down)">
+                                      <p:cBhvr>
+                                        <p:cTn id="20" dur="500"/>
+                                        <p:tgtEl>
+                                          <p:spTgt spid="5">
+                                            <p:txEl>
+                                              <p:pRg st="4" end="4"/>
+                                            </p:txEl>
+                                          </p:spTgt>
+                                        </p:tgtEl>
+                                      </p:cBhvr>
+                                    </p:animEffect>
+                                  </p:childTnLst>
+                                </p:cTn>
+                              </p:par>
+                            </p:childTnLst>
+                          </p:cTn>
+                        </p:par>
+                      </p:childTnLst>
+                    </p:cTn>
+                  </p:par>
+                  <p:par>
+                    <p:cTn id="21" fill="hold">
+                      <p:stCondLst>
+                        <p:cond delay="indefinite"/>
+                      </p:stCondLst>
+                      <p:childTnLst>
+                        <p:par>
+                          <p:cTn id="22" fill="hold">
+                            <p:stCondLst>
+                              <p:cond delay="0"/>
+                            </p:stCondLst>
+                            <p:childTnLst>
+                              <p:par>
+                                <p:cTn id="23" presetID="2" presetClass="entr" presetSubtype="4" accel="50000" decel="50000" fill="hold" grpId="1" nodeType="clickEffect">
+                                  <p:stCondLst>
+                                    <p:cond delay="0"/>
+                                  </p:stCondLst>
+                                  <p:childTnLst>
+                                    <p:set>
+                                      <p:cBhvr>
+                                        <p:cTn id="24" dur="1" fill="hold">
+                                          <p:stCondLst>
+                                            <p:cond delay="0"/>
+                                          </p:stCondLst>
+                                        </p:cTn>
+                                        <p:tgtEl>
+                                          <p:spTgt spid="9"/>
+                                        </p:tgtEl>
+                                        <p:attrNameLst>
+                                          <p:attrName>style.visibility</p:attrName>
+                                        </p:attrNameLst>
+                                      </p:cBhvr>
+                                      <p:to>
+                                        <p:strVal val="visible"/>
+                                      </p:to>
+                                    </p:set>
+                                    <p:anim calcmode="lin" valueType="num">
+                                      <p:cBhvr additive="base">
+                                        <p:cTn id="25" dur="500" fill="hold"/>
+                                        <p:tgtEl>
+                                          <p:spTgt spid="9"/>
+                                        </p:tgtEl>
+                                        <p:attrNameLst>
+                                          <p:attrName>ppt_x</p:attrName>
+                                        </p:attrNameLst>
+                                      </p:cBhvr>
+                                      <p:tavLst>
+                                        <p:tav tm="0">
+                                          <p:val>
+                                            <p:strVal val="#ppt_x"/>
+                                          </p:val>
+                                        </p:tav>
+                                        <p:tav tm="100000">
+                                          <p:val>
+                                            <p:strVal val="#ppt_x"/>
+                                          </p:val>
+                                        </p:tav>
+                                      </p:tavLst>
+                                    </p:anim>
+                                    <p:anim calcmode="lin" valueType="num">
+                                      <p:cBhvr additive="base">
+                                        <p:cTn id="26" dur="500" fill="hold"/>
+                                        <p:tgtEl>
+                                          <p:spTgt spid="9"/>
+                                        </p:tgtEl>
+                                        <p:attrNameLst>
+                                          <p:attrName>ppt_y</p:attrName>
+                                        </p:attrNameLst>
+                                      </p:cBhvr>
+                                      <p:tavLst>
+                                        <p:tav tm="0">
+                                          <p:val>
+                                            <p:strVal val="1+#ppt_h/2"/>
+                                          </p:val>
+                                        </p:tav>
+                                        <p:tav tm="100000">
+                                          <p:val>
+                                            <p:strVal val="#ppt_y"/>
+                                          </p:val>
+                                        </p:tav>
+                                      </p:tavLst>
+                                    </p:anim>
+                                  </p:childTnLst>
+                                </p:cTn>
+                              </p:par>
+                            </p:childTnLst>
+                          </p:cTn>
+                        </p:par>
+                      </p:childTnLst>
+                    </p:cTn>
+                  </p:par>
+                  <p:par>
+                    <p:cTn id="27" fill="hold">
+                      <p:stCondLst>
+                        <p:cond delay="indefinite"/>
+                      </p:stCondLst>
+                      <p:childTnLst>
+                        <p:par>
+                          <p:cTn id="28" fill="hold">
+                            <p:stCondLst>
+                              <p:cond delay="0"/>
+                            </p:stCondLst>
+                            <p:childTnLst>
+                              <p:par>
+                                <p:cTn id="29" presetID="2" presetClass="entr" presetSubtype="4" accel="50000" decel="50000" fill="hold" grpId="1" nodeType="clickEffect">
+                                  <p:stCondLst>
+                                    <p:cond delay="0"/>
+                                  </p:stCondLst>
+                                  <p:childTnLst>
+                                    <p:set>
+                                      <p:cBhvr>
+                                        <p:cTn id="30" dur="1" fill="hold">
+                                          <p:stCondLst>
+                                            <p:cond delay="0"/>
+                                          </p:stCondLst>
+                                        </p:cTn>
+                                        <p:tgtEl>
+                                          <p:spTgt spid="11"/>
+                                        </p:tgtEl>
+                                        <p:attrNameLst>
+                                          <p:attrName>style.visibility</p:attrName>
+                                        </p:attrNameLst>
+                                      </p:cBhvr>
+                                      <p:to>
+                                        <p:strVal val="visible"/>
+                                      </p:to>
+                                    </p:set>
+                                    <p:anim calcmode="lin" valueType="num">
+                                      <p:cBhvr additive="base">
+                                        <p:cTn id="31" dur="500" fill="hold"/>
+                                        <p:tgtEl>
+                                          <p:spTgt spid="11"/>
+                                        </p:tgtEl>
+                                        <p:attrNameLst>
+                                          <p:attrName>ppt_x</p:attrName>
+                                        </p:attrNameLst>
+                                      </p:cBhvr>
+                                      <p:tavLst>
+                                        <p:tav tm="0">
+                                          <p:val>
+                                            <p:strVal val="#ppt_x"/>
+                                          </p:val>
+                                        </p:tav>
+                                        <p:tav tm="100000">
+                                          <p:val>
+                                            <p:strVal val="#ppt_x"/>
+                                          </p:val>
+                                        </p:tav>
+                                      </p:tavLst>
+                                    </p:anim>
+                                    <p:anim calcmode="lin" valueType="num">
+                                      <p:cBhvr additive="base">
+                                        <p:cTn id="32" dur="500" fill="hold"/>
+                                        <p:tgtEl>
+                                          <p:spTgt spid="11"/>
+                                        </p:tgtEl>
+                                        <p:attrNameLst>
+                                          <p:attrName>ppt_y</p:attrName>
+                                        </p:attrNameLst>
+                                      </p:cBhvr>
+                                      <p:tavLst>
+                                        <p:tav tm="0">
+                                          <p:val>
+                                            <p:strVal val="1+#ppt_h/2"/>
+                                          </p:val>
+                                        </p:tav>
+                                        <p:tav tm="100000">
+                                          <p:val>
+                                            <p:strVal val="#ppt_y"/>
+                                          </p:val>
+                                        </p:tav>
+                                      </p:tavLst>
+                                    </p:anim>
+                                  </p:childTnLst>
+                                </p:cTn>
+                              </p:par>
+                            </p:childTnLst>
+                          </p:cTn>
+                        </p:par>
+                      </p:childTnLst>
+                    </p:cTn>
+                  </p:par>
+                  <p:par>
+                    <p:cTn id="33" fill="hold">
+                      <p:stCondLst>
+                        <p:cond delay="indefinite"/>
+                      </p:stCondLst>
+                      <p:childTnLst>
+                        <p:par>
+                          <p:cTn id="34" fill="hold">
+                            <p:stCondLst>
+                              <p:cond delay="0"/>
+                            </p:stCondLst>
+                            <p:childTnLst>
+                              <p:par>
+                                <p:cTn id="35" presetID="2" presetClass="entr" presetSubtype="4" fill="hold" grpId="0" nodeType="clickEffect">
+                                  <p:stCondLst>
+                                    <p:cond delay="0"/>
+                                  </p:stCondLst>
+                                  <p:childTnLst>
+                                    <p:set>
+                                      <p:cBhvr>
+                                        <p:cTn id="36" dur="1" fill="hold">
+                                          <p:stCondLst>
+                                            <p:cond delay="0"/>
+                                          </p:stCondLst>
+                                        </p:cTn>
+                                        <p:tgtEl>
+                                          <p:spTgt spid="10"/>
+                                        </p:tgtEl>
+                                        <p:attrNameLst>
+                                          <p:attrName>style.visibility</p:attrName>
+                                        </p:attrNameLst>
+                                      </p:cBhvr>
+                                      <p:to>
+                                        <p:strVal val="visible"/>
+                                      </p:to>
+                                    </p:set>
+                                    <p:anim calcmode="lin" valueType="num">
+                                      <p:cBhvr additive="base">
+                                        <p:cTn id="37" dur="500" fill="hold"/>
+                                        <p:tgtEl>
+                                          <p:spTgt spid="10"/>
+                                        </p:tgtEl>
+                                        <p:attrNameLst>
+                                          <p:attrName>ppt_x</p:attrName>
+                                        </p:attrNameLst>
+                                      </p:cBhvr>
+                                      <p:tavLst>
+                                        <p:tav tm="0">
+                                          <p:val>
+                                            <p:strVal val="#ppt_x"/>
+                                          </p:val>
+                                        </p:tav>
+                                        <p:tav tm="100000">
+                                          <p:val>
+                                            <p:strVal val="#ppt_x"/>
+                                          </p:val>
+                                        </p:tav>
+                                      </p:tavLst>
+                                    </p:anim>
+                                    <p:anim calcmode="lin" valueType="num">
+                                      <p:cBhvr additive="base">
+                                        <p:cTn id="38" dur="500" fill="hold"/>
+                                        <p:tgtEl>
+                                          <p:spTgt spid="10"/>
+                                        </p:tgtEl>
+                                        <p:attrNameLst>
+                                          <p:attrName>ppt_y</p:attrName>
+                                        </p:attrNameLst>
+                                      </p:cBhvr>
+                                      <p:tavLst>
+                                        <p:tav tm="0">
+                                          <p:val>
+                                            <p:strVal val="1+#ppt_h/2"/>
+                                          </p:val>
+                                        </p:tav>
+                                        <p:tav tm="100000">
+                                          <p:val>
+                                            <p:strVal val="#ppt_y"/>
+                                          </p:val>
+                                        </p:tav>
+                                      </p:tavLst>
+                                    </p:anim>
+                                  </p:childTnLst>
+                                </p:cTn>
+                              </p:par>
+                            </p:childTnLst>
+                          </p:cTn>
+                        </p:par>
+                      </p:childTnLst>
+                    </p:cTn>
+                  </p:par>
+                  <p:par>
+                    <p:cTn id="39" fill="hold">
+                      <p:stCondLst>
+                        <p:cond delay="indefinite"/>
+                      </p:stCondLst>
+                      <p:childTnLst>
+                        <p:par>
+                          <p:cTn id="40" fill="hold">
+                            <p:stCondLst>
+                              <p:cond delay="0"/>
+                            </p:stCondLst>
+                            <p:childTnLst>
+                              <p:par>
+                                <p:cTn id="41" presetID="2" presetClass="entr" presetSubtype="4" fill="hold" grpId="0" nodeType="clickEffect">
+                                  <p:stCondLst>
+                                    <p:cond delay="0"/>
+                                  </p:stCondLst>
+                                  <p:childTnLst>
+                                    <p:set>
+                                      <p:cBhvr>
+                                        <p:cTn id="42" dur="1" fill="hold">
+                                          <p:stCondLst>
+                                            <p:cond delay="0"/>
+                                          </p:stCondLst>
+                                        </p:cTn>
+                                        <p:tgtEl>
+                                          <p:spTgt spid="7"/>
+                                        </p:tgtEl>
+                                        <p:attrNameLst>
+                                          <p:attrName>style.visibility</p:attrName>
+                                        </p:attrNameLst>
+                                      </p:cBhvr>
+                                      <p:to>
+                                        <p:strVal val="visible"/>
+                                      </p:to>
+                                    </p:set>
+                                    <p:anim calcmode="lin" valueType="num">
+                                      <p:cBhvr additive="base">
+                                        <p:cTn id="43" dur="500" fill="hold"/>
+                                        <p:tgtEl>
+                                          <p:spTgt spid="7"/>
+                                        </p:tgtEl>
+                                        <p:attrNameLst>
+                                          <p:attrName>ppt_x</p:attrName>
+                                        </p:attrNameLst>
+                                      </p:cBhvr>
+                                      <p:tavLst>
+                                        <p:tav tm="0">
+                                          <p:val>
+                                            <p:strVal val="#ppt_x"/>
+                                          </p:val>
+                                        </p:tav>
+                                        <p:tav tm="100000">
+                                          <p:val>
+                                            <p:strVal val="#ppt_x"/>
+                                          </p:val>
+                                        </p:tav>
+                                      </p:tavLst>
+                                    </p:anim>
+                                    <p:anim calcmode="lin" valueType="num">
+                                      <p:cBhvr additive="base">
+                                        <p:cTn id="44" dur="500" fill="hold"/>
+                                        <p:tgtEl>
+                                          <p:spTgt spid="7"/>
+                                        </p:tgtEl>
+                                        <p:attrNameLst>
+                                          <p:attrName>ppt_y</p:attrName>
+                                        </p:attrNameLst>
+                                      </p:cBhvr>
+                                      <p:tavLst>
+                                        <p:tav tm="0">
+                                          <p:val>
+                                            <p:strVal val="1+#ppt_h/2"/>
+                                          </p:val>
+                                        </p:tav>
+                                        <p:tav tm="100000">
+                                          <p:val>
+                                            <p:strVal val="#ppt_y"/>
+                                          </p:val>
+                                        </p:tav>
+                                      </p:tavLst>
+                                    </p:anim>
+                                  </p:childTnLst>
+                                </p:cTn>
+                              </p:par>
+                            </p:childTnLst>
+                          </p:cTn>
+                        </p:par>
+                      </p:childTnLst>
+                    </p:cTn>
+                  </p:par>
+                  <p:par>
+                    <p:cTn id="45" fill="hold">
+                      <p:stCondLst>
+                        <p:cond delay="indefinite"/>
+                      </p:stCondLst>
+                      <p:childTnLst>
+                        <p:par>
+                          <p:cTn id="46" fill="hold">
+                            <p:stCondLst>
+                              <p:cond delay="0"/>
+                            </p:stCondLst>
+                            <p:childTnLst>
+                              <p:par>
+                                <p:cTn id="47" presetID="15" presetClass="entr" presetSubtype="0" fill="hold" grpId="0" nodeType="clickEffect">
+                                  <p:stCondLst>
+                                    <p:cond delay="0"/>
+                                  </p:stCondLst>
+                                  <p:childTnLst>
+                                    <p:set>
+                                      <p:cBhvr>
+                                        <p:cTn id="48" dur="1" fill="hold">
+                                          <p:stCondLst>
+                                            <p:cond delay="0"/>
+                                          </p:stCondLst>
+                                        </p:cTn>
+                                        <p:tgtEl>
+                                          <p:spTgt spid="12"/>
+                                        </p:tgtEl>
+                                        <p:attrNameLst>
+                                          <p:attrName>style.visibility</p:attrName>
+                                        </p:attrNameLst>
+                                      </p:cBhvr>
+                                      <p:to>
+                                        <p:strVal val="visible"/>
+                                      </p:to>
+                                    </p:set>
+                                    <p:anim calcmode="lin" valueType="num">
+                                      <p:cBhvr>
+                                        <p:cTn id="49" dur="1000" fill="hold"/>
+                                        <p:tgtEl>
+                                          <p:spTgt spid="12"/>
+                                        </p:tgtEl>
+                                        <p:attrNameLst>
+                                          <p:attrName>ppt_w</p:attrName>
+                                        </p:attrNameLst>
+                                      </p:cBhvr>
+                                      <p:tavLst>
+                                        <p:tav tm="0">
+                                          <p:val>
+                                            <p:fltVal val="0"/>
+                                          </p:val>
+                                        </p:tav>
+                                        <p:tav tm="100000">
+                                          <p:val>
+                                            <p:strVal val="#ppt_w"/>
+                                          </p:val>
+                                        </p:tav>
+                                      </p:tavLst>
+                                    </p:anim>
+                                    <p:anim calcmode="lin" valueType="num">
+                                      <p:cBhvr>
+                                        <p:cTn id="50" dur="1000" fill="hold"/>
+                                        <p:tgtEl>
+                                          <p:spTgt spid="12"/>
+                                        </p:tgtEl>
+                                        <p:attrNameLst>
+                                          <p:attrName>ppt_h</p:attrName>
+                                        </p:attrNameLst>
+                                      </p:cBhvr>
+                                      <p:tavLst>
+                                        <p:tav tm="0">
+                                          <p:val>
+                                            <p:fltVal val="0"/>
+                                          </p:val>
+                                        </p:tav>
+                                        <p:tav tm="100000">
+                                          <p:val>
+                                            <p:strVal val="#ppt_h"/>
+                                          </p:val>
+                                        </p:tav>
+                                      </p:tavLst>
+                                    </p:anim>
+                                    <p:anim calcmode="lin" valueType="num">
+                                      <p:cBhvr>
+                                        <p:cTn id="51" dur="1000" fill="hold"/>
+                                        <p:tgtEl>
+                                          <p:spTgt spid="12"/>
+                                        </p:tgtEl>
+                                        <p:attrNameLst>
+                                          <p:attrName>ppt_x</p:attrName>
+                                        </p:attrNameLst>
+                                      </p:cBhvr>
+                                      <p:tavLst>
+                                        <p:tav tm="0" fmla="#ppt_x+(cos(-2*pi*(1-$))*-#ppt_x-sin(-2*pi*(1-$))*(1-#ppt_y))*(1-$)">
+                                          <p:val>
+                                            <p:fltVal val="0"/>
+                                          </p:val>
+                                        </p:tav>
+                                        <p:tav tm="100000">
+                                          <p:val>
+                                            <p:fltVal val="1"/>
+                                          </p:val>
+                                        </p:tav>
+                                      </p:tavLst>
+                                    </p:anim>
+                                    <p:anim calcmode="lin" valueType="num">
+                                      <p:cBhvr>
+                                        <p:cTn id="52" dur="1000" fill="hold"/>
+                                        <p:tgtEl>
+                                          <p:spTgt spid="12"/>
+                                        </p:tgtEl>
+                                        <p:attrNameLst>
+                                          <p:attrName>ppt_y</p:attrName>
+                                        </p:attrNameLst>
+                                      </p:cBhvr>
+                                      <p:tavLst>
+                                        <p:tav tm="0" fmla="#ppt_y+(sin(-2*pi*(1-$))*-#ppt_x+cos(-2*pi*(1-$))*(1-#ppt_y))*(1-$)">
+                                          <p:val>
+                                            <p:fltVal val="0"/>
+                                          </p:val>
+                                        </p:tav>
+                                        <p:tav tm="100000">
+                                          <p:val>
+                                            <p:fltVal val="1"/>
+                                          </p:val>
+                                        </p:tav>
+                                      </p:tavLst>
+                                    </p:anim>
+                                  </p:childTnLst>
+                                </p:cTn>
+                              </p:par>
+                            </p:childTnLst>
+                          </p:cTn>
+                        </p:par>
+                      </p:childTnLst>
+                    </p:cTn>
+                  </p:par>
+                </p:childTnLst>
+              </p:cTn>
+              <p:prevCondLst>
+                <p:cond evt="onPrev" delay="0">
+                  <p:tgtEl>
+                    <p:sldTgt/>
+                  </p:tgtEl>
+                </p:cond>
+              </p:prevCondLst>
+              <p:nextCondLst>
+                <p:cond evt="onNext" delay="0">
+                  <p:tgtEl>
+                    <p:sldTgt/>
+                  </p:tgtEl>
+                </p:cond>
+              </p:nextCondLst>
+            </p:seq>
+          </p:childTnLst>
+        </p:cTn>
+      </p:par>
+    </p:tnLst>
+    <p:bldLst>
+      <p:bldP spid="5" grpId="0" uiExpand="1" build="allAtOnce"/>
+      <p:bldP spid="5" grpId="1" build="allAtOnce"/>
+      <p:bldP spid="5" grpId="2" uiExpand="1" build="allAtOnce"/>
+      <p:bldP spid="7" grpId="0"/>
+      <p:bldP spid="9" grpId="1"/>
+      <p:bldP spid="10" grpId="0"/>
+      <p:bldP spid="11" grpId="1"/>
+      <p:bldP spid="12" grpId="0"/>
+    </p:bldLst>
+  </p:timing>
+</p:sld>
+</file>
+
+<file path=ppt/slides/slide12.xml><?xml version="1.0" encoding="utf-8"?>
+<p:sld xmlns:a="http://schemas.openxmlformats.org/drawingml/2006/main" xmlns:r="http://schemas.openxmlformats.org/officeDocument/2006/relationships" xmlns:mc="http://schemas.openxmlformats.org/markup-compatibility/2006" xmlns:mv="urn:schemas-microsoft-com:mac:vml" xmlns:p="http://schemas.openxmlformats.org/presentationml/2006/main" mc:Ignorable="mv" mc:PreserveAttributes="mv:*">
+  <p:cSld>
+    <p:spTree>
+      <p:nvGrpSpPr>
+        <p:cNvPr id="1" name=""/>
+        <p:cNvGrpSpPr/>
+        <p:nvPr/>
+      </p:nvGrpSpPr>
+      <p:grpSpPr>
+        <a:xfrm>
+          <a:off x="0" y="0"/>
+          <a:ext cx="0" cy="0"/>
+          <a:chOff x="0" y="0"/>
+          <a:chExt cx="0" cy="0"/>
+        </a:xfrm>
+      </p:grpSpPr>
+      <p:sp>
+        <p:nvSpPr>
+          <p:cNvPr id="2" name="Title 1"/>
+          <p:cNvSpPr>
+            <a:spLocks noGrp="1"/>
+          </p:cNvSpPr>
+          <p:nvPr>
+            <p:ph type="title"/>
+          </p:nvPr>
+        </p:nvSpPr>
+        <p:spPr>
+          <a:xfrm>
             <a:off x="2823112" y="377604"/>
             <a:ext cx="3497775" cy="1057299"/>
           </a:xfrm>
@@ -11625,16 +13170,34 @@
               <a:t> they have the </a:t>
             </a:r>
             <a:r>
-              <a:rPr lang="en-US" sz="4400" i="1" dirty="0" smtClean="0">
-                <a:latin typeface="Comic Sans MS" pitchFamily="66" charset="0"/>
-              </a:rPr>
-              <a:t>same truth value</a:t>
-            </a:r>
-            <a:r>
               <a:rPr lang="en-US" sz="4400" dirty="0" smtClean="0">
-                <a:latin typeface="Comic Sans MS" pitchFamily="66" charset="0"/>
-              </a:rPr>
-              <a:t> in all environments.</a:t>
+                <a:solidFill>
+                  <a:srgbClr val="006600"/>
+                </a:solidFill>
+                <a:latin typeface="Comic Sans MS" pitchFamily="66" charset="0"/>
+              </a:rPr>
+              <a:t>same</a:t>
+            </a:r>
+            <a:r>
+              <a:rPr lang="en-US" sz="4400" dirty="0" smtClean="0">
+                <a:latin typeface="Comic Sans MS" pitchFamily="66" charset="0"/>
+              </a:rPr>
+              <a:t> truth value in </a:t>
+            </a:r>
+            <a:r>
+              <a:rPr lang="en-US" sz="4400" dirty="0" smtClean="0">
+                <a:solidFill>
+                  <a:srgbClr val="006600"/>
+                </a:solidFill>
+                <a:latin typeface="Comic Sans MS" pitchFamily="66" charset="0"/>
+              </a:rPr>
+              <a:t>all</a:t>
+            </a:r>
+            <a:r>
+              <a:rPr lang="en-US" sz="4400" dirty="0" smtClean="0">
+                <a:latin typeface="Comic Sans MS" pitchFamily="66" charset="0"/>
+              </a:rPr>
+              <a:t> environments.</a:t>
             </a:r>
             <a:endParaRPr lang="en-US" sz="4400" dirty="0">
               <a:latin typeface="Comic Sans MS" pitchFamily="66" charset="0"/>
@@ -11674,7 +13237,7 @@
             <a:fld id="{0150943C-9303-41DF-A6FA-7E32D6C5D18E}" type="slidenum">
               <a:rPr lang="en-US" smtClean="0"/>
               <a:pPr/>
-              <a:t>11</a:t>
+              <a:t>12</a:t>
             </a:fld>
             <a:endParaRPr lang="en-US" dirty="0" smtClean="0"/>
           </a:p>
@@ -11698,7 +13261,7 @@
 </p:sld>
 </file>
 
-<file path=ppt/slides/slide12.xml><?xml version="1.0" encoding="utf-8"?>
+<file path=ppt/slides/slide13.xml><?xml version="1.0" encoding="utf-8"?>
 <p:sld xmlns:a="http://schemas.openxmlformats.org/drawingml/2006/main" xmlns:r="http://schemas.openxmlformats.org/officeDocument/2006/relationships" xmlns:mc="http://schemas.openxmlformats.org/markup-compatibility/2006" xmlns:mv="urn:schemas-microsoft-com:mac:vml" xmlns:p="http://schemas.openxmlformats.org/presentationml/2006/main" mc:Ignorable="mv" mc:PreserveAttributes="mv:*" show="0">
   <p:cSld>
     <p:spTree>
@@ -11801,7 +13364,7 @@
             <a:fld id="{0150943C-9303-41DF-A6FA-7E32D6C5D18E}" type="slidenum">
               <a:rPr lang="en-US" smtClean="0"/>
               <a:pPr/>
-              <a:t>12</a:t>
+              <a:t>13</a:t>
             </a:fld>
             <a:endParaRPr lang="en-US" dirty="0" smtClean="0"/>
           </a:p>
@@ -11825,7 +13388,7 @@
 </p:sld>
 </file>
 
-<file path=ppt/slides/slide13.xml><?xml version="1.0" encoding="utf-8"?>
+<file path=ppt/slides/slide14.xml><?xml version="1.0" encoding="utf-8"?>
 <p:sld xmlns:a="http://schemas.openxmlformats.org/drawingml/2006/main" xmlns:r="http://schemas.openxmlformats.org/officeDocument/2006/relationships" xmlns:mc="http://schemas.openxmlformats.org/markup-compatibility/2006" xmlns:mv="urn:schemas-microsoft-com:mac:vml" xmlns:p="http://schemas.openxmlformats.org/presentationml/2006/main" mc:Ignorable="mv" mc:PreserveAttributes="mv:*" showMasterPhAnim="0">
   <p:cSld>
     <p:spTree>
@@ -13618,7 +15181,7 @@
                 <a:tabLst/>
                 <a:defRPr/>
               </a:pPr>
-              <a:t>13</a:t>
+              <a:t>14</a:t>
             </a:fld>
             <a:endParaRPr kumimoji="0" lang="en-US" sz="1200" b="0" i="0" u="none" strike="noStrike" kern="1200" cap="none" spc="0" normalizeH="0" baseline="0" noProof="0" dirty="0" smtClean="0">
               <a:ln>
@@ -14927,7 +16490,7 @@
 </p:sld>
 </file>
 
-<file path=ppt/slides/slide14.xml><?xml version="1.0" encoding="utf-8"?>
+<file path=ppt/slides/slide15.xml><?xml version="1.0" encoding="utf-8"?>
 <p:sld xmlns:a="http://schemas.openxmlformats.org/drawingml/2006/main" xmlns:r="http://schemas.openxmlformats.org/officeDocument/2006/relationships" xmlns:mc="http://schemas.openxmlformats.org/markup-compatibility/2006" xmlns:mv="urn:schemas-microsoft-com:mac:vml" xmlns:p="http://schemas.openxmlformats.org/presentationml/2006/main" mc:Ignorable="mv" mc:PreserveAttributes="mv:*" showMasterPhAnim="0">
   <p:cSld>
     <p:spTree>
@@ -16705,7 +18268,7 @@
                 <a:tabLst/>
                 <a:defRPr/>
               </a:pPr>
-              <a:t>14</a:t>
+              <a:t>15</a:t>
             </a:fld>
             <a:endParaRPr kumimoji="0" lang="en-US" sz="1200" b="0" i="0" u="none" strike="noStrike" kern="1200" cap="none" spc="0" normalizeH="0" baseline="0" noProof="0" dirty="0" smtClean="0">
               <a:ln>
@@ -17702,7 +19265,7 @@
 </p:sld>
 </file>
 
-<file path=ppt/slides/slide15.xml><?xml version="1.0" encoding="utf-8"?>
+<file path=ppt/slides/slide16.xml><?xml version="1.0" encoding="utf-8"?>
 <p:sld xmlns:a="http://schemas.openxmlformats.org/drawingml/2006/main" xmlns:r="http://schemas.openxmlformats.org/officeDocument/2006/relationships" xmlns:mc="http://schemas.openxmlformats.org/markup-compatibility/2006" xmlns:mv="urn:schemas-microsoft-com:mac:vml" xmlns:p="http://schemas.openxmlformats.org/presentationml/2006/main" mc:Ignorable="mv" mc:PreserveAttributes="mv:*">
   <p:cSld>
     <p:spTree>
@@ -19087,7 +20650,7 @@
                 <a:tabLst/>
                 <a:defRPr/>
               </a:pPr>
-              <a:t>15</a:t>
+              <a:t>16</a:t>
             </a:fld>
             <a:endParaRPr kumimoji="0" lang="en-US" sz="1200" b="0" i="0" u="none" strike="noStrike" kern="1200" cap="none" spc="0" normalizeH="0" baseline="0" noProof="0" dirty="0" smtClean="0">
               <a:ln>
@@ -19102,6 +20665,169 @@
               <a:latin typeface="Comic Sans MS" pitchFamily="66" charset="0"/>
               <a:ea typeface="+mn-ea"/>
               <a:cs typeface="+mn-cs"/>
+            </a:endParaRPr>
+          </a:p>
+        </p:txBody>
+      </p:sp>
+      <p:sp>
+        <p:nvSpPr>
+          <p:cNvPr id="10" name="TextBox 9"/>
+          <p:cNvSpPr txBox="1"/>
+          <p:nvPr/>
+        </p:nvSpPr>
+        <p:spPr>
+          <a:xfrm>
+            <a:off x="6115173" y="4084518"/>
+            <a:ext cx="2334493" cy="1077218"/>
+          </a:xfrm>
+          <a:prstGeom prst="rect">
+            <a:avLst/>
+          </a:prstGeom>
+          <a:noFill/>
+          <a:ln w="28575">
+            <a:solidFill>
+              <a:schemeClr val="accent1">
+                <a:lumMod val="50000"/>
+              </a:schemeClr>
+            </a:solidFill>
+          </a:ln>
+        </p:spPr>
+        <p:txBody>
+          <a:bodyPr wrap="none" rtlCol="0">
+            <a:spAutoFit/>
+          </a:bodyPr>
+          <a:lstStyle/>
+          <a:p>
+            <a:r>
+              <a:rPr lang="en-US" dirty="0" smtClean="0">
+                <a:solidFill>
+                  <a:srgbClr val="C00000"/>
+                </a:solidFill>
+                <a:latin typeface="Comic Sans MS" pitchFamily="66" charset="0"/>
+              </a:rPr>
+              <a:t>F</a:t>
+            </a:r>
+            <a:r>
+              <a:rPr lang="en-US" dirty="0" smtClean="0">
+                <a:solidFill>
+                  <a:schemeClr val="accent1">
+                    <a:lumMod val="50000"/>
+                  </a:schemeClr>
+                </a:solidFill>
+                <a:latin typeface="Comic Sans MS" pitchFamily="66" charset="0"/>
+              </a:rPr>
+              <a:t> </a:t>
+            </a:r>
+            <a:r>
+              <a:rPr lang="en-US" dirty="0" err="1" smtClean="0">
+                <a:latin typeface="Comic Sans MS" pitchFamily="66" charset="0"/>
+              </a:rPr>
+              <a:t>iff</a:t>
+            </a:r>
+            <a:r>
+              <a:rPr lang="en-US" dirty="0" smtClean="0">
+                <a:latin typeface="Comic Sans MS" pitchFamily="66" charset="0"/>
+              </a:rPr>
+              <a:t> P</a:t>
+            </a:r>
+            <a:r>
+              <a:rPr lang="en-US" dirty="0" smtClean="0">
+                <a:latin typeface="Comic Sans MS" pitchFamily="66" charset="0"/>
+              </a:rPr>
+              <a:t> is </a:t>
+            </a:r>
+            <a:r>
+              <a:rPr lang="en-US" dirty="0" smtClean="0">
+                <a:solidFill>
+                  <a:srgbClr val="006600"/>
+                </a:solidFill>
+                <a:latin typeface="Comic Sans MS" pitchFamily="66" charset="0"/>
+              </a:rPr>
+              <a:t>T</a:t>
+            </a:r>
+          </a:p>
+          <a:p>
+            <a:r>
+              <a:rPr lang="en-US" dirty="0" smtClean="0">
+                <a:latin typeface="Comic Sans MS" pitchFamily="66" charset="0"/>
+              </a:rPr>
+              <a:t>        Q is </a:t>
+            </a:r>
+            <a:r>
+              <a:rPr lang="en-US" dirty="0" smtClean="0">
+                <a:solidFill>
+                  <a:srgbClr val="C00000"/>
+                </a:solidFill>
+                <a:latin typeface="Comic Sans MS" pitchFamily="66" charset="0"/>
+              </a:rPr>
+              <a:t>F</a:t>
+            </a:r>
+          </a:p>
+        </p:txBody>
+      </p:sp>
+      <p:sp>
+        <p:nvSpPr>
+          <p:cNvPr id="11" name="Oval 10"/>
+          <p:cNvSpPr/>
+          <p:nvPr/>
+        </p:nvSpPr>
+        <p:spPr bwMode="auto">
+          <a:xfrm>
+            <a:off x="2600898" y="4184773"/>
+            <a:ext cx="3513762" cy="698642"/>
+          </a:xfrm>
+          <a:prstGeom prst="ellipse">
+            <a:avLst/>
+          </a:prstGeom>
+          <a:solidFill>
+            <a:schemeClr val="accent2">
+              <a:alpha val="51000"/>
+            </a:schemeClr>
+          </a:solidFill>
+          <a:ln w="9525" cap="flat" cmpd="sng" algn="ctr">
+            <a:solidFill>
+              <a:schemeClr val="tx1"/>
+            </a:solidFill>
+            <a:prstDash val="solid"/>
+            <a:round/>
+            <a:headEnd type="none" w="med" len="med"/>
+            <a:tailEnd type="none" w="med" len="med"/>
+          </a:ln>
+          <a:effectLst/>
+        </p:spPr>
+        <p:txBody>
+          <a:bodyPr vert="horz" wrap="none" lIns="91440" tIns="45720" rIns="91440" bIns="45720" numCol="1" rtlCol="0" anchor="ctr" anchorCtr="0" compatLnSpc="1">
+            <a:prstTxWarp prst="textNoShape">
+              <a:avLst/>
+            </a:prstTxWarp>
+          </a:bodyPr>
+          <a:lstStyle/>
+          <a:p>
+            <a:pPr marL="0" marR="0" indent="0" algn="ctr" defTabSz="914400" rtl="0" eaLnBrk="1" fontAlgn="base" latinLnBrk="0" hangingPunct="1">
+              <a:lnSpc>
+                <a:spcPct val="100000"/>
+              </a:lnSpc>
+              <a:spcBef>
+                <a:spcPct val="0"/>
+              </a:spcBef>
+              <a:spcAft>
+                <a:spcPct val="0"/>
+              </a:spcAft>
+              <a:buClrTx/>
+              <a:buSzTx/>
+              <a:buFontTx/>
+              <a:buNone/>
+              <a:tabLst/>
+            </a:pPr>
+            <a:endParaRPr kumimoji="0" lang="en-US" sz="3200" b="0" i="0" u="none" strike="noStrike" cap="none" normalizeH="0" baseline="0" smtClean="0">
+              <a:ln>
+                <a:noFill/>
+              </a:ln>
+              <a:solidFill>
+                <a:schemeClr val="tx1"/>
+              </a:solidFill>
+              <a:effectLst/>
+              <a:latin typeface="Times New Roman" pitchFamily="18" charset="0"/>
             </a:endParaRPr>
           </a:p>
         </p:txBody>
@@ -19161,15 +20887,24 @@
                                   </p:childTnLst>
                                 </p:cTn>
                               </p:par>
+                            </p:childTnLst>
+                          </p:cTn>
+                        </p:par>
+                        <p:par>
+                          <p:cTn id="7" fill="hold">
+                            <p:stCondLst>
+                              <p:cond delay="0"/>
+                            </p:stCondLst>
+                            <p:childTnLst>
                               <p:par>
-                                <p:cTn id="7" presetID="1" presetClass="entr" presetSubtype="0" fill="hold" nodeType="withEffect">
+                                <p:cTn id="8" presetID="22" presetClass="entr" presetSubtype="1" fill="hold" nodeType="afterEffect">
                                   <p:stCondLst>
                                     <p:cond delay="0"/>
                                   </p:stCondLst>
                                   <p:childTnLst>
                                     <p:set>
                                       <p:cBhvr>
-                                        <p:cTn id="8" dur="1" fill="hold">
+                                        <p:cTn id="9" dur="1" fill="hold">
                                           <p:stCondLst>
                                             <p:cond delay="0"/>
                                           </p:stCondLst>
@@ -19185,6 +20920,184 @@
                                         <p:strVal val="visible"/>
                                       </p:to>
                                     </p:set>
+                                    <p:animEffect transition="in" filter="wipe(up)">
+                                      <p:cBhvr>
+                                        <p:cTn id="10" dur="500"/>
+                                        <p:tgtEl>
+                                          <p:spTgt spid="22"/>
+                                        </p:tgtEl>
+                                      </p:cBhvr>
+                                    </p:animEffect>
+                                  </p:childTnLst>
+                                </p:cTn>
+                              </p:par>
+                            </p:childTnLst>
+                          </p:cTn>
+                        </p:par>
+                      </p:childTnLst>
+                    </p:cTn>
+                  </p:par>
+                  <p:par>
+                    <p:cTn id="11" fill="hold">
+                      <p:stCondLst>
+                        <p:cond delay="indefinite"/>
+                      </p:stCondLst>
+                      <p:childTnLst>
+                        <p:par>
+                          <p:cTn id="12" fill="hold">
+                            <p:stCondLst>
+                              <p:cond delay="0"/>
+                            </p:stCondLst>
+                            <p:childTnLst>
+                              <p:par>
+                                <p:cTn id="13" presetID="37" presetClass="entr" presetSubtype="0" fill="hold" grpId="1" nodeType="clickEffect">
+                                  <p:stCondLst>
+                                    <p:cond delay="0"/>
+                                  </p:stCondLst>
+                                  <p:childTnLst>
+                                    <p:set>
+                                      <p:cBhvr>
+                                        <p:cTn id="14" dur="1" fill="hold">
+                                          <p:stCondLst>
+                                            <p:cond delay="0"/>
+                                          </p:stCondLst>
+                                        </p:cTn>
+                                        <p:tgtEl>
+                                          <p:spTgt spid="11"/>
+                                        </p:tgtEl>
+                                        <p:attrNameLst>
+                                          <p:attrName>style.visibility</p:attrName>
+                                        </p:attrNameLst>
+                                      </p:cBhvr>
+                                      <p:to>
+                                        <p:strVal val="visible"/>
+                                      </p:to>
+                                    </p:set>
+                                    <p:animEffect transition="in" filter="fade">
+                                      <p:cBhvr>
+                                        <p:cTn id="15" dur="1000"/>
+                                        <p:tgtEl>
+                                          <p:spTgt spid="11"/>
+                                        </p:tgtEl>
+                                      </p:cBhvr>
+                                    </p:animEffect>
+                                    <p:anim calcmode="lin" valueType="num">
+                                      <p:cBhvr>
+                                        <p:cTn id="16" dur="1000" fill="hold"/>
+                                        <p:tgtEl>
+                                          <p:spTgt spid="11"/>
+                                        </p:tgtEl>
+                                        <p:attrNameLst>
+                                          <p:attrName>ppt_x</p:attrName>
+                                        </p:attrNameLst>
+                                      </p:cBhvr>
+                                      <p:tavLst>
+                                        <p:tav tm="0">
+                                          <p:val>
+                                            <p:strVal val="#ppt_x"/>
+                                          </p:val>
+                                        </p:tav>
+                                        <p:tav tm="100000">
+                                          <p:val>
+                                            <p:strVal val="#ppt_x"/>
+                                          </p:val>
+                                        </p:tav>
+                                      </p:tavLst>
+                                    </p:anim>
+                                    <p:anim calcmode="lin" valueType="num">
+                                      <p:cBhvr>
+                                        <p:cTn id="17" dur="900" decel="100000" fill="hold"/>
+                                        <p:tgtEl>
+                                          <p:spTgt spid="11"/>
+                                        </p:tgtEl>
+                                        <p:attrNameLst>
+                                          <p:attrName>ppt_y</p:attrName>
+                                        </p:attrNameLst>
+                                      </p:cBhvr>
+                                      <p:tavLst>
+                                        <p:tav tm="0">
+                                          <p:val>
+                                            <p:strVal val="#ppt_y+1"/>
+                                          </p:val>
+                                        </p:tav>
+                                        <p:tav tm="100000">
+                                          <p:val>
+                                            <p:strVal val="#ppt_y-.03"/>
+                                          </p:val>
+                                        </p:tav>
+                                      </p:tavLst>
+                                    </p:anim>
+                                    <p:anim calcmode="lin" valueType="num">
+                                      <p:cBhvr>
+                                        <p:cTn id="18" dur="100" accel="100000" fill="hold">
+                                          <p:stCondLst>
+                                            <p:cond delay="900"/>
+                                          </p:stCondLst>
+                                        </p:cTn>
+                                        <p:tgtEl>
+                                          <p:spTgt spid="11"/>
+                                        </p:tgtEl>
+                                        <p:attrNameLst>
+                                          <p:attrName>ppt_y</p:attrName>
+                                        </p:attrNameLst>
+                                      </p:cBhvr>
+                                      <p:tavLst>
+                                        <p:tav tm="0">
+                                          <p:val>
+                                            <p:strVal val="#ppt_y-.03"/>
+                                          </p:val>
+                                        </p:tav>
+                                        <p:tav tm="100000">
+                                          <p:val>
+                                            <p:strVal val="#ppt_y"/>
+                                          </p:val>
+                                        </p:tav>
+                                      </p:tavLst>
+                                    </p:anim>
+                                  </p:childTnLst>
+                                </p:cTn>
+                              </p:par>
+                            </p:childTnLst>
+                          </p:cTn>
+                        </p:par>
+                        <p:par>
+                          <p:cTn id="19" fill="hold">
+                            <p:stCondLst>
+                              <p:cond delay="1000"/>
+                            </p:stCondLst>
+                            <p:childTnLst>
+                              <p:par>
+                                <p:cTn id="20" presetID="10" presetClass="entr" presetSubtype="0" fill="hold" grpId="0" nodeType="afterEffect">
+                                  <p:stCondLst>
+                                    <p:cond delay="0"/>
+                                  </p:stCondLst>
+                                  <p:childTnLst>
+                                    <p:set>
+                                      <p:cBhvr>
+                                        <p:cTn id="21" dur="1" fill="hold">
+                                          <p:stCondLst>
+                                            <p:cond delay="0"/>
+                                          </p:stCondLst>
+                                        </p:cTn>
+                                        <p:tgtEl>
+                                          <p:spTgt spid="10"/>
+                                        </p:tgtEl>
+                                        <p:attrNameLst>
+                                          <p:attrName>style.visibility</p:attrName>
+                                        </p:attrNameLst>
+                                      </p:cBhvr>
+                                      <p:to>
+                                        <p:strVal val="visible"/>
+                                      </p:to>
+                                    </p:set>
+                                    <p:animEffect transition="in" filter="fade">
+                                      <p:cBhvr>
+                                        <p:cTn id="22" dur="500"/>
+                                        <p:tgtEl>
+                                          <p:spTgt spid="10"/>
+                                        </p:tgtEl>
+                                      </p:cBhvr>
+                                    </p:animEffect>
                                   </p:childTnLst>
                                 </p:cTn>
                               </p:par>
@@ -19217,12 +21130,14 @@
     </p:tnLst>
     <p:bldLst>
       <p:bldP spid="24" grpId="0"/>
+      <p:bldP spid="10" grpId="0" animBg="1"/>
+      <p:bldP spid="11" grpId="1" animBg="1"/>
     </p:bldLst>
   </p:timing>
 </p:sld>
 </file>
 
-<file path=ppt/slides/slide16.xml><?xml version="1.0" encoding="utf-8"?>
+<file path=ppt/slides/slide17.xml><?xml version="1.0" encoding="utf-8"?>
 <p:sld xmlns:a="http://schemas.openxmlformats.org/drawingml/2006/main" xmlns:r="http://schemas.openxmlformats.org/officeDocument/2006/relationships" xmlns:mc="http://schemas.openxmlformats.org/markup-compatibility/2006" xmlns:mv="urn:schemas-microsoft-com:mac:vml" xmlns:p="http://schemas.openxmlformats.org/presentationml/2006/main" mc:Ignorable="mv" mc:PreserveAttributes="mv:*">
   <p:cSld>
     <p:spTree>
@@ -19366,7 +21281,7 @@
             <a:fld id="{0150943C-9303-41DF-A6FA-7E32D6C5D18E}" type="slidenum">
               <a:rPr lang="en-US" smtClean="0"/>
               <a:pPr/>
-              <a:t>16</a:t>
+              <a:t>17</a:t>
             </a:fld>
             <a:endParaRPr lang="en-US" dirty="0" smtClean="0"/>
           </a:p>
@@ -19493,7 +21408,7 @@
 </p:sld>
 </file>
 
-<file path=ppt/slides/slide17.xml><?xml version="1.0" encoding="utf-8"?>
+<file path=ppt/slides/slide18.xml><?xml version="1.0" encoding="utf-8"?>
 <p:sld xmlns:a="http://schemas.openxmlformats.org/drawingml/2006/main" xmlns:r="http://schemas.openxmlformats.org/officeDocument/2006/relationships" xmlns:mc="http://schemas.openxmlformats.org/markup-compatibility/2006" xmlns:mv="urn:schemas-microsoft-com:mac:vml" xmlns:p="http://schemas.openxmlformats.org/presentationml/2006/main" mc:Ignorable="mv" mc:PreserveAttributes="mv:*">
   <p:cSld>
     <p:spTree>
@@ -19655,7 +21570,7 @@
             <a:fld id="{0150943C-9303-41DF-A6FA-7E32D6C5D18E}" type="slidenum">
               <a:rPr lang="en-US" smtClean="0"/>
               <a:pPr/>
-              <a:t>17</a:t>
+              <a:t>18</a:t>
             </a:fld>
             <a:endParaRPr lang="en-US" dirty="0" smtClean="0"/>
           </a:p>
@@ -19872,186 +21787,6 @@
 </p:sld>
 </file>
 
-<file path=ppt/slides/slide18.xml><?xml version="1.0" encoding="utf-8"?>
-<p:sld xmlns:a="http://schemas.openxmlformats.org/drawingml/2006/main" xmlns:r="http://schemas.openxmlformats.org/officeDocument/2006/relationships" xmlns:mc="http://schemas.openxmlformats.org/markup-compatibility/2006" xmlns:mv="urn:schemas-microsoft-com:mac:vml" xmlns:p="http://schemas.openxmlformats.org/presentationml/2006/main" mc:Ignorable="mv" mc:PreserveAttributes="mv:*">
-  <p:cSld>
-    <p:spTree>
-      <p:nvGrpSpPr>
-        <p:cNvPr id="1" name=""/>
-        <p:cNvGrpSpPr/>
-        <p:nvPr/>
-      </p:nvGrpSpPr>
-      <p:grpSpPr>
-        <a:xfrm>
-          <a:off x="0" y="0"/>
-          <a:ext cx="0" cy="0"/>
-          <a:chOff x="0" y="0"/>
-          <a:chExt cx="0" cy="0"/>
-        </a:xfrm>
-      </p:grpSpPr>
-      <p:sp>
-        <p:nvSpPr>
-          <p:cNvPr id="20484" name="Rectangle 2"/>
-          <p:cNvSpPr>
-            <a:spLocks noGrp="1" noChangeArrowheads="1"/>
-          </p:cNvSpPr>
-          <p:nvPr>
-            <p:ph type="title"/>
-          </p:nvPr>
-        </p:nvSpPr>
-        <p:spPr>
-          <a:xfrm>
-            <a:off x="1766294" y="304800"/>
-            <a:ext cx="5600272" cy="1071937"/>
-          </a:xfrm>
-        </p:spPr>
-        <p:txBody>
-          <a:bodyPr/>
-          <a:lstStyle/>
-          <a:p>
-            <a:pPr eaLnBrk="1" hangingPunct="1"/>
-            <a:r>
-              <a:rPr lang="en-US" sz="4000" dirty="0" smtClean="0"/>
-              <a:t>A True Implication</a:t>
-            </a:r>
-          </a:p>
-        </p:txBody>
-      </p:sp>
-      <p:sp>
-        <p:nvSpPr>
-          <p:cNvPr id="5" name="TextBox 4"/>
-          <p:cNvSpPr txBox="1"/>
-          <p:nvPr/>
-        </p:nvSpPr>
-        <p:spPr>
-          <a:xfrm>
-            <a:off x="386121" y="1897044"/>
-            <a:ext cx="8141429" cy="3075648"/>
-          </a:xfrm>
-          <a:prstGeom prst="rect">
-            <a:avLst/>
-          </a:prstGeom>
-          <a:noFill/>
-        </p:spPr>
-        <p:txBody>
-          <a:bodyPr wrap="square" rtlCol="0">
-            <a:spAutoFit/>
-          </a:bodyPr>
-          <a:lstStyle/>
-          <a:p>
-            <a:pPr algn="l"/>
-            <a:r>
-              <a:rPr lang="en-US" sz="4800" dirty="0" smtClean="0">
-                <a:solidFill>
-                  <a:schemeClr val="accent1">
-                    <a:lumMod val="50000"/>
-                  </a:schemeClr>
-                </a:solidFill>
-                <a:latin typeface="Comic Sans MS" pitchFamily="66" charset="0"/>
-              </a:rPr>
-              <a:t>(1=-1) IMPLIES (I am Pope)</a:t>
-            </a:r>
-          </a:p>
-          <a:p>
-            <a:pPr algn="l"/>
-            <a:r>
-              <a:rPr lang="en-US" sz="4800" dirty="0" smtClean="0">
-                <a:latin typeface="Comic Sans MS" pitchFamily="66" charset="0"/>
-              </a:rPr>
-              <a:t>We reasoned</a:t>
-            </a:r>
-            <a:r>
-              <a:rPr lang="en-US" sz="4800" i="1" dirty="0" smtClean="0">
-                <a:latin typeface="Comic Sans MS" pitchFamily="66" charset="0"/>
-              </a:rPr>
-              <a:t> correctly </a:t>
-            </a:r>
-            <a:r>
-              <a:rPr lang="en-US" sz="4800" dirty="0" smtClean="0">
-                <a:latin typeface="Comic Sans MS" pitchFamily="66" charset="0"/>
-              </a:rPr>
-              <a:t>to</a:t>
-            </a:r>
-          </a:p>
-          <a:p>
-            <a:pPr algn="l"/>
-            <a:r>
-              <a:rPr lang="en-US" sz="4800" dirty="0" smtClean="0">
-                <a:latin typeface="Comic Sans MS" pitchFamily="66" charset="0"/>
-              </a:rPr>
-              <a:t>reach the false conclusion</a:t>
-            </a:r>
-          </a:p>
-          <a:p>
-            <a:pPr algn="l"/>
-            <a:r>
-              <a:rPr lang="en-US" sz="4800" dirty="0" smtClean="0">
-                <a:latin typeface="Comic Sans MS" pitchFamily="66" charset="0"/>
-              </a:rPr>
-              <a:t>from the false hypothesis.</a:t>
-            </a:r>
-            <a:endParaRPr lang="en-US" sz="4800" dirty="0">
-              <a:latin typeface="Comic Sans MS" pitchFamily="66" charset="0"/>
-            </a:endParaRPr>
-          </a:p>
-        </p:txBody>
-      </p:sp>
-      <p:sp>
-        <p:nvSpPr>
-          <p:cNvPr id="7" name="Slide Number Placeholder 2"/>
-          <p:cNvSpPr>
-            <a:spLocks noGrp="1"/>
-          </p:cNvSpPr>
-          <p:nvPr>
-            <p:ph type="sldNum" sz="quarter" idx="10"/>
-          </p:nvPr>
-        </p:nvSpPr>
-        <p:spPr>
-          <a:xfrm>
-            <a:off x="8249205" y="6553200"/>
-            <a:ext cx="894797" cy="276999"/>
-          </a:xfrm>
-          <a:noFill/>
-        </p:spPr>
-        <p:txBody>
-          <a:bodyPr/>
-          <a:lstStyle/>
-          <a:p>
-            <a:r>
-              <a:rPr lang="en-US" dirty="0" err="1" smtClean="0"/>
-              <a:t>lec</a:t>
-            </a:r>
-            <a:r>
-              <a:rPr lang="en-US" dirty="0" smtClean="0"/>
-              <a:t> 2W.</a:t>
-            </a:r>
-            <a:fld id="{0150943C-9303-41DF-A6FA-7E32D6C5D18E}" type="slidenum">
-              <a:rPr lang="en-US" smtClean="0"/>
-              <a:pPr/>
-              <a:t>18</a:t>
-            </a:fld>
-            <a:endParaRPr lang="en-US" dirty="0" smtClean="0"/>
-          </a:p>
-        </p:txBody>
-      </p:sp>
-    </p:spTree>
-  </p:cSld>
-  <p:clrMapOvr>
-    <a:masterClrMapping/>
-  </p:clrMapOvr>
-  <p:transition spd="slow" advTm="0">
-    <p:fade/>
-  </p:transition>
-  <p:timing>
-    <p:tnLst>
-      <p:par>
-        <p:cTn id="1" dur="indefinite" restart="never" nodeType="tmRoot"/>
-      </p:par>
-    </p:tnLst>
-  </p:timing>
-</p:sld>
-</file>
-
 <file path=ppt/slides/slide19.xml><?xml version="1.0" encoding="utf-8"?>
 <p:sld xmlns:a="http://schemas.openxmlformats.org/drawingml/2006/main" xmlns:r="http://schemas.openxmlformats.org/officeDocument/2006/relationships" xmlns:mc="http://schemas.openxmlformats.org/markup-compatibility/2006" xmlns:mv="urn:schemas-microsoft-com:mac:vml" xmlns:p="http://schemas.openxmlformats.org/presentationml/2006/main" mc:Ignorable="mv" mc:PreserveAttributes="mv:*">
   <p:cSld>
@@ -20123,22 +21858,13 @@
             <a:r>
               <a:rPr lang="en-US" sz="4800" dirty="0" smtClean="0">
                 <a:solidFill>
-                  <a:srgbClr val="BB0FAB"/>
-                </a:solidFill>
-                <a:latin typeface="Comic Sans MS" pitchFamily="66" charset="0"/>
-              </a:rPr>
-              <a:t>(1=-1) </a:t>
-            </a:r>
-            <a:r>
-              <a:rPr lang="en-US" sz="4800" dirty="0" smtClean="0">
-                <a:solidFill>
                   <a:schemeClr val="accent1">
                     <a:lumMod val="50000"/>
                   </a:schemeClr>
                 </a:solidFill>
                 <a:latin typeface="Comic Sans MS" pitchFamily="66" charset="0"/>
               </a:rPr>
-              <a:t>IMPLIES (I am Pope)</a:t>
+              <a:t>(1=-1) IMPLIES (I am Pope)</a:t>
             </a:r>
           </a:p>
           <a:p>
@@ -20177,22 +21903,7 @@
               <a:rPr lang="en-US" sz="4800" dirty="0" smtClean="0">
                 <a:latin typeface="Comic Sans MS" pitchFamily="66" charset="0"/>
               </a:rPr>
-              <a:t>from the false </a:t>
-            </a:r>
-            <a:r>
-              <a:rPr lang="en-US" sz="4800" dirty="0" smtClean="0">
-                <a:solidFill>
-                  <a:srgbClr val="BB0FAB"/>
-                </a:solidFill>
-                <a:latin typeface="Comic Sans MS" pitchFamily="66" charset="0"/>
-              </a:rPr>
-              <a:t>hypothesis</a:t>
-            </a:r>
-            <a:r>
-              <a:rPr lang="en-US" sz="4800" dirty="0" smtClean="0">
-                <a:latin typeface="Comic Sans MS" pitchFamily="66" charset="0"/>
-              </a:rPr>
-              <a:t>.</a:t>
+              <a:t>from the false hypothesis.</a:t>
             </a:r>
             <a:endParaRPr lang="en-US" sz="4800" dirty="0">
               <a:latin typeface="Comic Sans MS" pitchFamily="66" charset="0"/>
@@ -20238,203 +21949,20 @@
           </a:p>
         </p:txBody>
       </p:sp>
-      <p:sp>
-        <p:nvSpPr>
-          <p:cNvPr id="6" name="Freeform 5"/>
-          <p:cNvSpPr/>
-          <p:nvPr/>
-        </p:nvSpPr>
-        <p:spPr bwMode="auto">
-          <a:xfrm>
-            <a:off x="908304" y="2609088"/>
-            <a:ext cx="3895344" cy="1914144"/>
-          </a:xfrm>
-          <a:custGeom>
-            <a:avLst/>
-            <a:gdLst>
-              <a:gd name="connsiteX0" fmla="*/ 3895344 w 3895344"/>
-              <a:gd name="connsiteY0" fmla="*/ 1828800 h 1914144"/>
-              <a:gd name="connsiteX1" fmla="*/ 603504 w 3895344"/>
-              <a:gd name="connsiteY1" fmla="*/ 1609344 h 1914144"/>
-              <a:gd name="connsiteX2" fmla="*/ 274320 w 3895344"/>
-              <a:gd name="connsiteY2" fmla="*/ 0 h 1914144"/>
-            </a:gdLst>
-            <a:ahLst/>
-            <a:cxnLst>
-              <a:cxn ang="0">
-                <a:pos x="connsiteX0" y="connsiteY0"/>
-              </a:cxn>
-              <a:cxn ang="0">
-                <a:pos x="connsiteX1" y="connsiteY1"/>
-              </a:cxn>
-              <a:cxn ang="0">
-                <a:pos x="connsiteX2" y="connsiteY2"/>
-              </a:cxn>
-            </a:cxnLst>
-            <a:rect l="l" t="t" r="r" b="b"/>
-            <a:pathLst>
-              <a:path w="3895344" h="1914144">
-                <a:moveTo>
-                  <a:pt x="3895344" y="1828800"/>
-                </a:moveTo>
-                <a:cubicBezTo>
-                  <a:pt x="2551176" y="1871472"/>
-                  <a:pt x="1207008" y="1914144"/>
-                  <a:pt x="603504" y="1609344"/>
-                </a:cubicBezTo>
-                <a:cubicBezTo>
-                  <a:pt x="0" y="1304544"/>
-                  <a:pt x="329184" y="272288"/>
-                  <a:pt x="274320" y="0"/>
-                </a:cubicBezTo>
-              </a:path>
-            </a:pathLst>
-          </a:custGeom>
-          <a:noFill/>
-          <a:ln w="34925" cap="flat" cmpd="sng" algn="ctr">
-            <a:solidFill>
-              <a:srgbClr val="BB0FAB"/>
-            </a:solidFill>
-            <a:prstDash val="sysDash"/>
-            <a:round/>
-            <a:headEnd type="none" w="med" len="med"/>
-            <a:tailEnd type="stealth" w="lg" len="lg"/>
-          </a:ln>
-          <a:effectLst/>
-        </p:spPr>
-        <p:txBody>
-          <a:bodyPr vert="horz" wrap="none" lIns="91440" tIns="45720" rIns="91440" bIns="45720" numCol="1" rtlCol="0" anchor="ctr" anchorCtr="0" compatLnSpc="1">
-            <a:prstTxWarp prst="textNoShape">
-              <a:avLst/>
-            </a:prstTxWarp>
-          </a:bodyPr>
-          <a:lstStyle/>
-          <a:p>
-            <a:pPr marL="0" marR="0" indent="0" algn="ctr" defTabSz="914400" rtl="0" eaLnBrk="1" fontAlgn="base" latinLnBrk="0" hangingPunct="1">
-              <a:lnSpc>
-                <a:spcPct val="100000"/>
-              </a:lnSpc>
-              <a:spcBef>
-                <a:spcPct val="0"/>
-              </a:spcBef>
-              <a:spcAft>
-                <a:spcPct val="0"/>
-              </a:spcAft>
-              <a:buClrTx/>
-              <a:buSzTx/>
-              <a:buFontTx/>
-              <a:buNone/>
-              <a:tabLst/>
-            </a:pPr>
-            <a:endParaRPr kumimoji="0" lang="en-US" sz="3200" b="0" i="0" u="none" strike="noStrike" cap="none" normalizeH="0" baseline="0" smtClean="0">
-              <a:ln>
-                <a:noFill/>
-              </a:ln>
-              <a:solidFill>
-                <a:schemeClr val="tx1"/>
-              </a:solidFill>
-              <a:effectLst/>
-              <a:latin typeface="Times New Roman" pitchFamily="18" charset="0"/>
-            </a:endParaRPr>
-          </a:p>
-        </p:txBody>
-      </p:sp>
     </p:spTree>
   </p:cSld>
   <p:clrMapOvr>
     <a:masterClrMapping/>
   </p:clrMapOvr>
-  <p:transition spd="slow">
+  <p:transition spd="slow" advTm="0">
     <p:fade/>
   </p:transition>
   <p:timing>
     <p:tnLst>
       <p:par>
-        <p:cTn id="1" dur="indefinite" restart="never" nodeType="tmRoot">
-          <p:childTnLst>
-            <p:seq concurrent="1" nextAc="seek">
-              <p:cTn id="2" dur="indefinite" nodeType="mainSeq">
-                <p:childTnLst>
-                  <p:par>
-                    <p:cTn id="3" fill="hold">
-                      <p:stCondLst>
-                        <p:cond delay="indefinite"/>
-                        <p:cond evt="onBegin" delay="0">
-                          <p:tn val="2"/>
-                        </p:cond>
-                      </p:stCondLst>
-                      <p:childTnLst>
-                        <p:par>
-                          <p:cTn id="4" fill="hold">
-                            <p:stCondLst>
-                              <p:cond delay="0"/>
-                            </p:stCondLst>
-                            <p:childTnLst>
-                              <p:par>
-                                <p:cTn id="5" presetID="22" presetClass="entr" presetSubtype="2" fill="hold" grpId="0" nodeType="afterEffect">
-                                  <p:stCondLst>
-                                    <p:cond delay="0"/>
-                                  </p:stCondLst>
-                                  <p:childTnLst>
-                                    <p:set>
-                                      <p:cBhvr>
-                                        <p:cTn id="6" dur="1" fill="hold">
-                                          <p:stCondLst>
-                                            <p:cond delay="0"/>
-                                          </p:stCondLst>
-                                        </p:cTn>
-                                        <p:tgtEl>
-                                          <p:spTgt spid="6"/>
-                                        </p:tgtEl>
-                                        <p:attrNameLst>
-                                          <p:attrName>style.visibility</p:attrName>
-                                        </p:attrNameLst>
-                                      </p:cBhvr>
-                                      <p:to>
-                                        <p:strVal val="visible"/>
-                                      </p:to>
-                                    </p:set>
-                                    <p:animEffect transition="in" filter="wipe(right)">
-                                      <p:cBhvr>
-                                        <p:cTn id="7" dur="500"/>
-                                        <p:tgtEl>
-                                          <p:spTgt spid="6"/>
-                                        </p:tgtEl>
-                                      </p:cBhvr>
-                                    </p:animEffect>
-                                  </p:childTnLst>
-                                </p:cTn>
-                              </p:par>
-                            </p:childTnLst>
-                          </p:cTn>
-                        </p:par>
-                      </p:childTnLst>
-                    </p:cTn>
-                  </p:par>
-                </p:childTnLst>
-              </p:cTn>
-              <p:prevCondLst>
-                <p:cond evt="onPrev" delay="0">
-                  <p:tgtEl>
-                    <p:sldTgt/>
-                  </p:tgtEl>
-                </p:cond>
-              </p:prevCondLst>
-              <p:nextCondLst>
-                <p:cond evt="onNext" delay="0">
-                  <p:tgtEl>
-                    <p:sldTgt/>
-                  </p:tgtEl>
-                </p:cond>
-              </p:nextCondLst>
-            </p:seq>
-          </p:childTnLst>
-        </p:cTn>
+        <p:cTn id="1" dur="indefinite" restart="never" nodeType="tmRoot"/>
       </p:par>
     </p:tnLst>
-    <p:bldLst>
-      <p:bldP spid="6" grpId="0" animBg="1"/>
-    </p:bldLst>
   </p:timing>
 </p:sld>
 </file>
@@ -20902,7 +22430,7 @@
         <p:spPr bwMode="auto">
           <a:xfrm>
             <a:off x="4572000" y="4473795"/>
-            <a:ext cx="3651962" cy="1446550"/>
+            <a:ext cx="3654792" cy="2123658"/>
           </a:xfrm>
           <a:prstGeom prst="rect">
             <a:avLst/>
@@ -20936,8 +22464,26 @@
               <a:rPr lang="en-US" sz="4400" dirty="0">
                 <a:latin typeface="Comic Sans MS" pitchFamily="66" charset="0"/>
               </a:rPr>
-              <a:t>Where am I?</a:t>
-            </a:r>
+              <a:t>Where am I</a:t>
+            </a:r>
+            <a:r>
+              <a:rPr lang="en-US" sz="4400" dirty="0" smtClean="0">
+                <a:latin typeface="Comic Sans MS" pitchFamily="66" charset="0"/>
+              </a:rPr>
+              <a:t>?</a:t>
+            </a:r>
+          </a:p>
+          <a:p>
+            <a:pPr algn="l"/>
+            <a:r>
+              <a:rPr lang="en-US" sz="4400" dirty="0" smtClean="0">
+                <a:latin typeface="Comic Sans MS" pitchFamily="66" charset="0"/>
+              </a:rPr>
+              <a:t>It’s 3PM.</a:t>
+            </a:r>
+            <a:endParaRPr lang="en-US" sz="4400" dirty="0">
+              <a:latin typeface="Comic Sans MS" pitchFamily="66" charset="0"/>
+            </a:endParaRPr>
           </a:p>
         </p:txBody>
       </p:sp>
@@ -21215,36 +22761,31 @@
                             </p:childTnLst>
                           </p:cTn>
                         </p:par>
-                      </p:childTnLst>
-                    </p:cTn>
-                  </p:par>
-                  <p:par>
-                    <p:cTn id="24" fill="hold">
-                      <p:stCondLst>
-                        <p:cond delay="indefinite"/>
-                      </p:stCondLst>
-                      <p:childTnLst>
                         <p:par>
-                          <p:cTn id="25" fill="hold">
+                          <p:cTn id="24" fill="hold">
                             <p:stCondLst>
                               <p:cond delay="0"/>
                             </p:stCondLst>
                             <p:childTnLst>
                               <p:par>
-                                <p:cTn id="26" presetID="1" presetClass="entr" presetSubtype="0" fill="hold" grpId="0" nodeType="clickEffect">
+                                <p:cTn id="25" presetID="10" presetClass="entr" presetSubtype="0" fill="hold" grpId="0" nodeType="afterEffect">
                                   <p:stCondLst>
                                     <p:cond delay="0"/>
                                   </p:stCondLst>
                                   <p:childTnLst>
                                     <p:set>
                                       <p:cBhvr>
-                                        <p:cTn id="27" dur="1" fill="hold">
+                                        <p:cTn id="26" dur="1" fill="hold">
                                           <p:stCondLst>
                                             <p:cond delay="0"/>
                                           </p:stCondLst>
                                         </p:cTn>
                                         <p:tgtEl>
-                                          <p:spTgt spid="180231"/>
+                                          <p:spTgt spid="180231">
+                                            <p:txEl>
+                                              <p:pRg st="0" end="0"/>
+                                            </p:txEl>
+                                          </p:spTgt>
                                         </p:tgtEl>
                                         <p:attrNameLst>
                                           <p:attrName>style.visibility</p:attrName>
@@ -21254,6 +22795,122 @@
                                         <p:strVal val="visible"/>
                                       </p:to>
                                     </p:set>
+                                    <p:animEffect transition="in" filter="fade">
+                                      <p:cBhvr>
+                                        <p:cTn id="27" dur="500"/>
+                                        <p:tgtEl>
+                                          <p:spTgt spid="180231">
+                                            <p:txEl>
+                                              <p:pRg st="0" end="0"/>
+                                            </p:txEl>
+                                          </p:spTgt>
+                                        </p:tgtEl>
+                                      </p:cBhvr>
+                                    </p:animEffect>
+                                  </p:childTnLst>
+                                </p:cTn>
+                              </p:par>
+                            </p:childTnLst>
+                          </p:cTn>
+                        </p:par>
+                        <p:par>
+                          <p:cTn id="28" fill="hold">
+                            <p:stCondLst>
+                              <p:cond delay="500"/>
+                            </p:stCondLst>
+                            <p:childTnLst>
+                              <p:par>
+                                <p:cTn id="29" presetID="10" presetClass="entr" presetSubtype="0" fill="hold" grpId="0" nodeType="afterEffect">
+                                  <p:stCondLst>
+                                    <p:cond delay="0"/>
+                                  </p:stCondLst>
+                                  <p:childTnLst>
+                                    <p:set>
+                                      <p:cBhvr>
+                                        <p:cTn id="30" dur="1" fill="hold">
+                                          <p:stCondLst>
+                                            <p:cond delay="0"/>
+                                          </p:stCondLst>
+                                        </p:cTn>
+                                        <p:tgtEl>
+                                          <p:spTgt spid="180231">
+                                            <p:txEl>
+                                              <p:pRg st="1" end="1"/>
+                                            </p:txEl>
+                                          </p:spTgt>
+                                        </p:tgtEl>
+                                        <p:attrNameLst>
+                                          <p:attrName>style.visibility</p:attrName>
+                                        </p:attrNameLst>
+                                      </p:cBhvr>
+                                      <p:to>
+                                        <p:strVal val="visible"/>
+                                      </p:to>
+                                    </p:set>
+                                    <p:animEffect transition="in" filter="fade">
+                                      <p:cBhvr>
+                                        <p:cTn id="31" dur="500"/>
+                                        <p:tgtEl>
+                                          <p:spTgt spid="180231">
+                                            <p:txEl>
+                                              <p:pRg st="1" end="1"/>
+                                            </p:txEl>
+                                          </p:spTgt>
+                                        </p:tgtEl>
+                                      </p:cBhvr>
+                                    </p:animEffect>
+                                  </p:childTnLst>
+                                </p:cTn>
+                              </p:par>
+                            </p:childTnLst>
+                          </p:cTn>
+                        </p:par>
+                        <p:par>
+                          <p:cTn id="32" fill="hold">
+                            <p:stCondLst>
+                              <p:cond delay="1000"/>
+                            </p:stCondLst>
+                            <p:childTnLst>
+                              <p:par>
+                                <p:cTn id="33" presetID="10" presetClass="entr" presetSubtype="0" fill="hold" grpId="0" nodeType="afterEffect">
+                                  <p:stCondLst>
+                                    <p:cond delay="0"/>
+                                  </p:stCondLst>
+                                  <p:childTnLst>
+                                    <p:set>
+                                      <p:cBhvr>
+                                        <p:cTn id="34" dur="1" fill="hold">
+                                          <p:stCondLst>
+                                            <p:cond delay="0"/>
+                                          </p:stCondLst>
+                                        </p:cTn>
+                                        <p:tgtEl>
+                                          <p:spTgt spid="180231">
+                                            <p:txEl>
+                                              <p:pRg st="2" end="2"/>
+                                            </p:txEl>
+                                          </p:spTgt>
+                                        </p:tgtEl>
+                                        <p:attrNameLst>
+                                          <p:attrName>style.visibility</p:attrName>
+                                        </p:attrNameLst>
+                                      </p:cBhvr>
+                                      <p:to>
+                                        <p:strVal val="visible"/>
+                                      </p:to>
+                                    </p:set>
+                                    <p:animEffect transition="in" filter="fade">
+                                      <p:cBhvr>
+                                        <p:cTn id="35" dur="500"/>
+                                        <p:tgtEl>
+                                          <p:spTgt spid="180231">
+                                            <p:txEl>
+                                              <p:pRg st="2" end="2"/>
+                                            </p:txEl>
+                                          </p:spTgt>
+                                        </p:tgtEl>
+                                      </p:cBhvr>
+                                    </p:animEffect>
                                   </p:childTnLst>
                                 </p:cTn>
                               </p:par>
@@ -21289,13 +22946,400 @@
       <p:bldP spid="180232" grpId="0"/>
       <p:bldP spid="180229" grpId="0"/>
       <p:bldP spid="180230" grpId="0"/>
-      <p:bldP spid="180231" grpId="0"/>
+      <p:bldP spid="180231" grpId="0" build="p"/>
     </p:bldLst>
   </p:timing>
 </p:sld>
 </file>
 
 <file path=ppt/slides/slide20.xml><?xml version="1.0" encoding="utf-8"?>
+<p:sld xmlns:a="http://schemas.openxmlformats.org/drawingml/2006/main" xmlns:r="http://schemas.openxmlformats.org/officeDocument/2006/relationships" xmlns:mc="http://schemas.openxmlformats.org/markup-compatibility/2006" xmlns:mv="urn:schemas-microsoft-com:mac:vml" xmlns:p="http://schemas.openxmlformats.org/presentationml/2006/main" mc:Ignorable="mv" mc:PreserveAttributes="mv:*">
+  <p:cSld>
+    <p:spTree>
+      <p:nvGrpSpPr>
+        <p:cNvPr id="1" name=""/>
+        <p:cNvGrpSpPr/>
+        <p:nvPr/>
+      </p:nvGrpSpPr>
+      <p:grpSpPr>
+        <a:xfrm>
+          <a:off x="0" y="0"/>
+          <a:ext cx="0" cy="0"/>
+          <a:chOff x="0" y="0"/>
+          <a:chExt cx="0" cy="0"/>
+        </a:xfrm>
+      </p:grpSpPr>
+      <p:sp>
+        <p:nvSpPr>
+          <p:cNvPr id="20484" name="Rectangle 2"/>
+          <p:cNvSpPr>
+            <a:spLocks noGrp="1" noChangeArrowheads="1"/>
+          </p:cNvSpPr>
+          <p:nvPr>
+            <p:ph type="title"/>
+          </p:nvPr>
+        </p:nvSpPr>
+        <p:spPr>
+          <a:xfrm>
+            <a:off x="1766294" y="304800"/>
+            <a:ext cx="5600272" cy="1071937"/>
+          </a:xfrm>
+        </p:spPr>
+        <p:txBody>
+          <a:bodyPr/>
+          <a:lstStyle/>
+          <a:p>
+            <a:pPr eaLnBrk="1" hangingPunct="1"/>
+            <a:r>
+              <a:rPr lang="en-US" sz="4000" dirty="0" smtClean="0"/>
+              <a:t>A True Implication</a:t>
+            </a:r>
+          </a:p>
+        </p:txBody>
+      </p:sp>
+      <p:sp>
+        <p:nvSpPr>
+          <p:cNvPr id="5" name="TextBox 4"/>
+          <p:cNvSpPr txBox="1"/>
+          <p:nvPr/>
+        </p:nvSpPr>
+        <p:spPr>
+          <a:xfrm>
+            <a:off x="386121" y="1897044"/>
+            <a:ext cx="8141429" cy="3075648"/>
+          </a:xfrm>
+          <a:prstGeom prst="rect">
+            <a:avLst/>
+          </a:prstGeom>
+          <a:noFill/>
+        </p:spPr>
+        <p:txBody>
+          <a:bodyPr wrap="square" rtlCol="0">
+            <a:spAutoFit/>
+          </a:bodyPr>
+          <a:lstStyle/>
+          <a:p>
+            <a:pPr algn="l"/>
+            <a:r>
+              <a:rPr lang="en-US" sz="4800" dirty="0" smtClean="0">
+                <a:solidFill>
+                  <a:srgbClr val="BB0FAB"/>
+                </a:solidFill>
+                <a:latin typeface="Comic Sans MS" pitchFamily="66" charset="0"/>
+              </a:rPr>
+              <a:t>(1=-1) </a:t>
+            </a:r>
+            <a:r>
+              <a:rPr lang="en-US" sz="4800" dirty="0" smtClean="0">
+                <a:solidFill>
+                  <a:schemeClr val="accent1">
+                    <a:lumMod val="50000"/>
+                  </a:schemeClr>
+                </a:solidFill>
+                <a:latin typeface="Comic Sans MS" pitchFamily="66" charset="0"/>
+              </a:rPr>
+              <a:t>IMPLIES (I am Pope)</a:t>
+            </a:r>
+          </a:p>
+          <a:p>
+            <a:pPr algn="l"/>
+            <a:r>
+              <a:rPr lang="en-US" sz="4800" dirty="0" smtClean="0">
+                <a:latin typeface="Comic Sans MS" pitchFamily="66" charset="0"/>
+              </a:rPr>
+              <a:t>We reasoned</a:t>
+            </a:r>
+            <a:r>
+              <a:rPr lang="en-US" sz="4800" i="1" dirty="0" smtClean="0">
+                <a:latin typeface="Comic Sans MS" pitchFamily="66" charset="0"/>
+              </a:rPr>
+              <a:t> correctly </a:t>
+            </a:r>
+            <a:r>
+              <a:rPr lang="en-US" sz="4800" dirty="0" smtClean="0">
+                <a:latin typeface="Comic Sans MS" pitchFamily="66" charset="0"/>
+              </a:rPr>
+              <a:t>to</a:t>
+            </a:r>
+          </a:p>
+          <a:p>
+            <a:pPr algn="l"/>
+            <a:r>
+              <a:rPr lang="en-US" sz="4800" dirty="0" smtClean="0">
+                <a:latin typeface="Comic Sans MS" pitchFamily="66" charset="0"/>
+              </a:rPr>
+              <a:t>reach the false conclusion</a:t>
+            </a:r>
+          </a:p>
+          <a:p>
+            <a:pPr algn="l"/>
+            <a:r>
+              <a:rPr lang="en-US" sz="4800" dirty="0" smtClean="0">
+                <a:latin typeface="Comic Sans MS" pitchFamily="66" charset="0"/>
+              </a:rPr>
+              <a:t>from the false </a:t>
+            </a:r>
+            <a:r>
+              <a:rPr lang="en-US" sz="4800" dirty="0" smtClean="0">
+                <a:solidFill>
+                  <a:srgbClr val="BB0FAB"/>
+                </a:solidFill>
+                <a:latin typeface="Comic Sans MS" pitchFamily="66" charset="0"/>
+              </a:rPr>
+              <a:t>hypothesis</a:t>
+            </a:r>
+            <a:r>
+              <a:rPr lang="en-US" sz="4800" dirty="0" smtClean="0">
+                <a:latin typeface="Comic Sans MS" pitchFamily="66" charset="0"/>
+              </a:rPr>
+              <a:t>.</a:t>
+            </a:r>
+            <a:endParaRPr lang="en-US" sz="4800" dirty="0">
+              <a:latin typeface="Comic Sans MS" pitchFamily="66" charset="0"/>
+            </a:endParaRPr>
+          </a:p>
+        </p:txBody>
+      </p:sp>
+      <p:sp>
+        <p:nvSpPr>
+          <p:cNvPr id="7" name="Slide Number Placeholder 2"/>
+          <p:cNvSpPr>
+            <a:spLocks noGrp="1"/>
+          </p:cNvSpPr>
+          <p:nvPr>
+            <p:ph type="sldNum" sz="quarter" idx="10"/>
+          </p:nvPr>
+        </p:nvSpPr>
+        <p:spPr>
+          <a:xfrm>
+            <a:off x="8249205" y="6553200"/>
+            <a:ext cx="894797" cy="276999"/>
+          </a:xfrm>
+          <a:noFill/>
+        </p:spPr>
+        <p:txBody>
+          <a:bodyPr/>
+          <a:lstStyle/>
+          <a:p>
+            <a:r>
+              <a:rPr lang="en-US" dirty="0" err="1" smtClean="0"/>
+              <a:t>lec</a:t>
+            </a:r>
+            <a:r>
+              <a:rPr lang="en-US" dirty="0" smtClean="0"/>
+              <a:t> 2W.</a:t>
+            </a:r>
+            <a:fld id="{0150943C-9303-41DF-A6FA-7E32D6C5D18E}" type="slidenum">
+              <a:rPr lang="en-US" smtClean="0"/>
+              <a:pPr/>
+              <a:t>20</a:t>
+            </a:fld>
+            <a:endParaRPr lang="en-US" dirty="0" smtClean="0"/>
+          </a:p>
+        </p:txBody>
+      </p:sp>
+      <p:sp>
+        <p:nvSpPr>
+          <p:cNvPr id="6" name="Freeform 5"/>
+          <p:cNvSpPr/>
+          <p:nvPr/>
+        </p:nvSpPr>
+        <p:spPr bwMode="auto">
+          <a:xfrm>
+            <a:off x="908304" y="2609088"/>
+            <a:ext cx="3895344" cy="1914144"/>
+          </a:xfrm>
+          <a:custGeom>
+            <a:avLst/>
+            <a:gdLst>
+              <a:gd name="connsiteX0" fmla="*/ 3895344 w 3895344"/>
+              <a:gd name="connsiteY0" fmla="*/ 1828800 h 1914144"/>
+              <a:gd name="connsiteX1" fmla="*/ 603504 w 3895344"/>
+              <a:gd name="connsiteY1" fmla="*/ 1609344 h 1914144"/>
+              <a:gd name="connsiteX2" fmla="*/ 274320 w 3895344"/>
+              <a:gd name="connsiteY2" fmla="*/ 0 h 1914144"/>
+            </a:gdLst>
+            <a:ahLst/>
+            <a:cxnLst>
+              <a:cxn ang="0">
+                <a:pos x="connsiteX0" y="connsiteY0"/>
+              </a:cxn>
+              <a:cxn ang="0">
+                <a:pos x="connsiteX1" y="connsiteY1"/>
+              </a:cxn>
+              <a:cxn ang="0">
+                <a:pos x="connsiteX2" y="connsiteY2"/>
+              </a:cxn>
+            </a:cxnLst>
+            <a:rect l="l" t="t" r="r" b="b"/>
+            <a:pathLst>
+              <a:path w="3895344" h="1914144">
+                <a:moveTo>
+                  <a:pt x="3895344" y="1828800"/>
+                </a:moveTo>
+                <a:cubicBezTo>
+                  <a:pt x="2551176" y="1871472"/>
+                  <a:pt x="1207008" y="1914144"/>
+                  <a:pt x="603504" y="1609344"/>
+                </a:cubicBezTo>
+                <a:cubicBezTo>
+                  <a:pt x="0" y="1304544"/>
+                  <a:pt x="329184" y="272288"/>
+                  <a:pt x="274320" y="0"/>
+                </a:cubicBezTo>
+              </a:path>
+            </a:pathLst>
+          </a:custGeom>
+          <a:noFill/>
+          <a:ln w="34925" cap="flat" cmpd="sng" algn="ctr">
+            <a:solidFill>
+              <a:srgbClr val="BB0FAB"/>
+            </a:solidFill>
+            <a:prstDash val="sysDash"/>
+            <a:round/>
+            <a:headEnd type="none" w="med" len="med"/>
+            <a:tailEnd type="stealth" w="lg" len="lg"/>
+          </a:ln>
+          <a:effectLst/>
+        </p:spPr>
+        <p:txBody>
+          <a:bodyPr vert="horz" wrap="none" lIns="91440" tIns="45720" rIns="91440" bIns="45720" numCol="1" rtlCol="0" anchor="ctr" anchorCtr="0" compatLnSpc="1">
+            <a:prstTxWarp prst="textNoShape">
+              <a:avLst/>
+            </a:prstTxWarp>
+          </a:bodyPr>
+          <a:lstStyle/>
+          <a:p>
+            <a:pPr marL="0" marR="0" indent="0" algn="ctr" defTabSz="914400" rtl="0" eaLnBrk="1" fontAlgn="base" latinLnBrk="0" hangingPunct="1">
+              <a:lnSpc>
+                <a:spcPct val="100000"/>
+              </a:lnSpc>
+              <a:spcBef>
+                <a:spcPct val="0"/>
+              </a:spcBef>
+              <a:spcAft>
+                <a:spcPct val="0"/>
+              </a:spcAft>
+              <a:buClrTx/>
+              <a:buSzTx/>
+              <a:buFontTx/>
+              <a:buNone/>
+              <a:tabLst/>
+            </a:pPr>
+            <a:endParaRPr kumimoji="0" lang="en-US" sz="3200" b="0" i="0" u="none" strike="noStrike" cap="none" normalizeH="0" baseline="0" smtClean="0">
+              <a:ln>
+                <a:noFill/>
+              </a:ln>
+              <a:solidFill>
+                <a:schemeClr val="tx1"/>
+              </a:solidFill>
+              <a:effectLst/>
+              <a:latin typeface="Times New Roman" pitchFamily="18" charset="0"/>
+            </a:endParaRPr>
+          </a:p>
+        </p:txBody>
+      </p:sp>
+    </p:spTree>
+  </p:cSld>
+  <p:clrMapOvr>
+    <a:masterClrMapping/>
+  </p:clrMapOvr>
+  <p:transition spd="slow">
+    <p:fade/>
+  </p:transition>
+  <p:timing>
+    <p:tnLst>
+      <p:par>
+        <p:cTn id="1" dur="indefinite" restart="never" nodeType="tmRoot">
+          <p:childTnLst>
+            <p:seq concurrent="1" nextAc="seek">
+              <p:cTn id="2" dur="indefinite" nodeType="mainSeq">
+                <p:childTnLst>
+                  <p:par>
+                    <p:cTn id="3" fill="hold">
+                      <p:stCondLst>
+                        <p:cond delay="indefinite"/>
+                        <p:cond evt="onBegin" delay="0">
+                          <p:tn val="2"/>
+                        </p:cond>
+                      </p:stCondLst>
+                      <p:childTnLst>
+                        <p:par>
+                          <p:cTn id="4" fill="hold">
+                            <p:stCondLst>
+                              <p:cond delay="0"/>
+                            </p:stCondLst>
+                            <p:childTnLst>
+                              <p:par>
+                                <p:cTn id="5" presetID="22" presetClass="entr" presetSubtype="2" fill="hold" grpId="0" nodeType="afterEffect">
+                                  <p:stCondLst>
+                                    <p:cond delay="0"/>
+                                  </p:stCondLst>
+                                  <p:childTnLst>
+                                    <p:set>
+                                      <p:cBhvr>
+                                        <p:cTn id="6" dur="1" fill="hold">
+                                          <p:stCondLst>
+                                            <p:cond delay="0"/>
+                                          </p:stCondLst>
+                                        </p:cTn>
+                                        <p:tgtEl>
+                                          <p:spTgt spid="6"/>
+                                        </p:tgtEl>
+                                        <p:attrNameLst>
+                                          <p:attrName>style.visibility</p:attrName>
+                                        </p:attrNameLst>
+                                      </p:cBhvr>
+                                      <p:to>
+                                        <p:strVal val="visible"/>
+                                      </p:to>
+                                    </p:set>
+                                    <p:animEffect transition="in" filter="wipe(right)">
+                                      <p:cBhvr>
+                                        <p:cTn id="7" dur="500"/>
+                                        <p:tgtEl>
+                                          <p:spTgt spid="6"/>
+                                        </p:tgtEl>
+                                      </p:cBhvr>
+                                    </p:animEffect>
+                                  </p:childTnLst>
+                                </p:cTn>
+                              </p:par>
+                            </p:childTnLst>
+                          </p:cTn>
+                        </p:par>
+                      </p:childTnLst>
+                    </p:cTn>
+                  </p:par>
+                </p:childTnLst>
+              </p:cTn>
+              <p:prevCondLst>
+                <p:cond evt="onPrev" delay="0">
+                  <p:tgtEl>
+                    <p:sldTgt/>
+                  </p:tgtEl>
+                </p:cond>
+              </p:prevCondLst>
+              <p:nextCondLst>
+                <p:cond evt="onNext" delay="0">
+                  <p:tgtEl>
+                    <p:sldTgt/>
+                  </p:tgtEl>
+                </p:cond>
+              </p:nextCondLst>
+            </p:seq>
+          </p:childTnLst>
+        </p:cTn>
+      </p:par>
+    </p:tnLst>
+    <p:bldLst>
+      <p:bldP spid="6" grpId="0" animBg="1"/>
+    </p:bldLst>
+  </p:timing>
+</p:sld>
+</file>
+
+<file path=ppt/slides/slide21.xml><?xml version="1.0" encoding="utf-8"?>
 <p:sld xmlns:a="http://schemas.openxmlformats.org/drawingml/2006/main" xmlns:r="http://schemas.openxmlformats.org/officeDocument/2006/relationships" xmlns:mc="http://schemas.openxmlformats.org/markup-compatibility/2006" xmlns:mv="urn:schemas-microsoft-com:mac:vml" xmlns:p="http://schemas.openxmlformats.org/presentationml/2006/main" mc:Ignorable="mv" mc:PreserveAttributes="mv:*">
   <p:cSld>
     <p:spTree>
@@ -21344,7 +23388,7 @@
             <a:fld id="{0150943C-9303-41DF-A6FA-7E32D6C5D18E}" type="slidenum">
               <a:rPr lang="en-US" smtClean="0"/>
               <a:pPr/>
-              <a:t>20</a:t>
+              <a:t>21</a:t>
             </a:fld>
             <a:endParaRPr lang="en-US" dirty="0" smtClean="0"/>
           </a:p>
@@ -21506,7 +23550,7 @@
 </p:sld>
 </file>
 
-<file path=ppt/slides/slide21.xml><?xml version="1.0" encoding="utf-8"?>
+<file path=ppt/slides/slide22.xml><?xml version="1.0" encoding="utf-8"?>
 <p:sld xmlns:a="http://schemas.openxmlformats.org/drawingml/2006/main" xmlns:r="http://schemas.openxmlformats.org/officeDocument/2006/relationships" xmlns:mc="http://schemas.openxmlformats.org/markup-compatibility/2006" xmlns:mv="urn:schemas-microsoft-com:mac:vml" xmlns:p="http://schemas.openxmlformats.org/presentationml/2006/main" mc:Ignorable="mv" mc:PreserveAttributes="mv:*">
   <p:cSld>
     <p:spTree>
@@ -21549,11 +23593,7 @@
             </a:r>
             <a:r>
               <a:rPr lang="en-US" dirty="0" smtClean="0"/>
-              <a:t> &amp; </a:t>
-            </a:r>
-            <a:r>
-              <a:rPr lang="en-US" dirty="0" smtClean="0"/>
-              <a:t>Validity </a:t>
+              <a:t> &amp; Validity </a:t>
             </a:r>
             <a:endParaRPr lang="en-US" sz="3600" dirty="0"/>
           </a:p>
@@ -21695,13 +23735,7 @@
               <a:rPr lang="en-US" sz="4800" dirty="0" smtClean="0">
                 <a:latin typeface="Comic Sans MS" pitchFamily="66" charset="0"/>
               </a:rPr>
-              <a:t>A </a:t>
-            </a:r>
-            <a:r>
-              <a:rPr lang="en-US" sz="4800" dirty="0" smtClean="0">
-                <a:latin typeface="Comic Sans MS" pitchFamily="66" charset="0"/>
-              </a:rPr>
-              <a:t>formula is </a:t>
+              <a:t>A formula is </a:t>
             </a:r>
             <a:r>
               <a:rPr lang="en-US" sz="4800" dirty="0" smtClean="0">
@@ -21775,17 +23809,8 @@
               <a:rPr lang="en-US" sz="4800" dirty="0" smtClean="0">
                 <a:latin typeface="Comic Sans MS" pitchFamily="66" charset="0"/>
               </a:rPr>
-              <a:t> environments</a:t>
-            </a:r>
-            <a:r>
-              <a:rPr lang="en-US" sz="4800" dirty="0" smtClean="0">
-                <a:latin typeface="Comic Sans MS" pitchFamily="66" charset="0"/>
-              </a:rPr>
-              <a:t>.</a:t>
-            </a:r>
-            <a:endParaRPr lang="en-US" sz="4800" dirty="0" smtClean="0">
-              <a:latin typeface="Comic Sans MS" pitchFamily="66" charset="0"/>
-            </a:endParaRPr>
+              <a:t> environments.</a:t>
+            </a:r>
           </a:p>
         </p:txBody>
       </p:sp>
@@ -21821,7 +23846,7 @@
             <a:fld id="{0150943C-9303-41DF-A6FA-7E32D6C5D18E}" type="slidenum">
               <a:rPr lang="en-US" smtClean="0"/>
               <a:pPr/>
-              <a:t>21</a:t>
+              <a:t>22</a:t>
             </a:fld>
             <a:endParaRPr lang="en-US" dirty="0" smtClean="0"/>
           </a:p>
@@ -21993,7 +24018,7 @@
 </p:sld>
 </file>
 
-<file path=ppt/slides/slide22.xml><?xml version="1.0" encoding="utf-8"?>
+<file path=ppt/slides/slide23.xml><?xml version="1.0" encoding="utf-8"?>
 <p:sld xmlns:a="http://schemas.openxmlformats.org/drawingml/2006/main" xmlns:r="http://schemas.openxmlformats.org/officeDocument/2006/relationships" xmlns:mc="http://schemas.openxmlformats.org/markup-compatibility/2006" xmlns:mv="urn:schemas-microsoft-com:mac:vml" xmlns:p="http://schemas.openxmlformats.org/presentationml/2006/main" mc:Ignorable="mv" mc:PreserveAttributes="mv:*">
   <p:cSld>
     <p:spTree>
@@ -22403,7 +24428,7 @@
 </p:sld>
 </file>
 
-<file path=ppt/slides/slide23.xml><?xml version="1.0" encoding="utf-8"?>
+<file path=ppt/slides/slide24.xml><?xml version="1.0" encoding="utf-8"?>
 <p:sld xmlns:a="http://schemas.openxmlformats.org/drawingml/2006/main" xmlns:r="http://schemas.openxmlformats.org/officeDocument/2006/relationships" xmlns:mc="http://schemas.openxmlformats.org/markup-compatibility/2006" xmlns:mv="urn:schemas-microsoft-com:mac:vml" xmlns:p="http://schemas.openxmlformats.org/presentationml/2006/main" mc:Ignorable="mv" mc:PreserveAttributes="mv:*">
   <p:cSld>
     <p:spTree>
@@ -22569,7 +24594,7 @@
 </p:sld>
 </file>
 
-<file path=ppt/slides/slide24.xml><?xml version="1.0" encoding="utf-8"?>
+<file path=ppt/slides/slide25.xml><?xml version="1.0" encoding="utf-8"?>
 <p:sld xmlns:a="http://schemas.openxmlformats.org/drawingml/2006/main" xmlns:r="http://schemas.openxmlformats.org/officeDocument/2006/relationships" xmlns:mc="http://schemas.openxmlformats.org/markup-compatibility/2006" xmlns:mv="urn:schemas-microsoft-com:mac:vml" xmlns:p="http://schemas.openxmlformats.org/presentationml/2006/main" mc:Ignorable="mv" mc:PreserveAttributes="mv:*" show="0">
   <p:cSld>
     <p:spTree>
@@ -22725,7 +24750,7 @@
             <a:fld id="{0150943C-9303-41DF-A6FA-7E32D6C5D18E}" type="slidenum">
               <a:rPr lang="en-US" smtClean="0"/>
               <a:pPr/>
-              <a:t>24</a:t>
+              <a:t>25</a:t>
             </a:fld>
             <a:endParaRPr lang="en-US" dirty="0" smtClean="0"/>
           </a:p>
@@ -22749,7 +24774,7 @@
 </p:sld>
 </file>
 
-<file path=ppt/slides/slide25.xml><?xml version="1.0" encoding="utf-8"?>
+<file path=ppt/slides/slide26.xml><?xml version="1.0" encoding="utf-8"?>
 <p:sld xmlns:a="http://schemas.openxmlformats.org/drawingml/2006/main" xmlns:r="http://schemas.openxmlformats.org/officeDocument/2006/relationships" xmlns:mc="http://schemas.openxmlformats.org/markup-compatibility/2006" xmlns:mv="urn:schemas-microsoft-com:mac:vml" xmlns:p="http://schemas.openxmlformats.org/presentationml/2006/main" mc:Ignorable="mv" mc:PreserveAttributes="mv:*" show="0">
   <p:cSld>
     <p:spTree>
@@ -22912,7 +24937,7 @@
             <a:fld id="{0150943C-9303-41DF-A6FA-7E32D6C5D18E}" type="slidenum">
               <a:rPr lang="en-US" smtClean="0"/>
               <a:pPr/>
-              <a:t>25</a:t>
+              <a:t>26</a:t>
             </a:fld>
             <a:endParaRPr lang="en-US" dirty="0" smtClean="0"/>
           </a:p>
@@ -23105,7 +25130,7 @@
 </p:sld>
 </file>
 
-<file path=ppt/slides/slide26.xml><?xml version="1.0" encoding="utf-8"?>
+<file path=ppt/slides/slide27.xml><?xml version="1.0" encoding="utf-8"?>
 <p:sld xmlns:a="http://schemas.openxmlformats.org/drawingml/2006/main" xmlns:r="http://schemas.openxmlformats.org/officeDocument/2006/relationships" xmlns:mc="http://schemas.openxmlformats.org/markup-compatibility/2006" xmlns:mv="urn:schemas-microsoft-com:mac:vml" xmlns:p="http://schemas.openxmlformats.org/presentationml/2006/main" mc:Ignorable="mv" mc:PreserveAttributes="mv:*" show="0">
   <p:cSld>
     <p:spTree>
@@ -24361,7 +26386,7 @@
             <a:fld id="{0150943C-9303-41DF-A6FA-7E32D6C5D18E}" type="slidenum">
               <a:rPr lang="en-US" smtClean="0"/>
               <a:pPr/>
-              <a:t>26</a:t>
+              <a:t>27</a:t>
             </a:fld>
             <a:endParaRPr lang="en-US" dirty="0" smtClean="0"/>
           </a:p>
@@ -24483,7 +26508,7 @@
 </p:sld>
 </file>
 
-<file path=ppt/slides/slide27.xml><?xml version="1.0" encoding="utf-8"?>
+<file path=ppt/slides/slide28.xml><?xml version="1.0" encoding="utf-8"?>
 <p:sld xmlns:a="http://schemas.openxmlformats.org/drawingml/2006/main" xmlns:r="http://schemas.openxmlformats.org/officeDocument/2006/relationships" xmlns:mc="http://schemas.openxmlformats.org/markup-compatibility/2006" xmlns:mv="urn:schemas-microsoft-com:mac:vml" xmlns:p="http://schemas.openxmlformats.org/presentationml/2006/main" mc:Ignorable="mv" mc:PreserveAttributes="mv:*" show="0">
   <p:cSld>
     <p:spTree>
@@ -24568,7 +26593,7 @@
               <a:pPr>
                 <a:defRPr/>
               </a:pPr>
-              <a:t>27</a:t>
+              <a:t>28</a:t>
             </a:fld>
             <a:endParaRPr lang="en-US" dirty="0"/>
           </a:p>
@@ -24666,232 +26691,6 @@
                 <a:latin typeface="Comic Sans MS" pitchFamily="66" charset="0"/>
               </a:rPr>
               <a:t> </a:t>
-            </a:r>
-          </a:p>
-        </p:txBody>
-      </p:sp>
-    </p:spTree>
-  </p:cSld>
-  <p:clrMapOvr>
-    <a:masterClrMapping/>
-  </p:clrMapOvr>
-  <p:transition>
-    <p:fade/>
-  </p:transition>
-  <p:timing>
-    <p:tnLst>
-      <p:par>
-        <p:cTn id="1" dur="indefinite" restart="never" nodeType="tmRoot"/>
-      </p:par>
-    </p:tnLst>
-  </p:timing>
-</p:sld>
-</file>
-
-<file path=ppt/slides/slide28.xml><?xml version="1.0" encoding="utf-8"?>
-<p:sld xmlns:a="http://schemas.openxmlformats.org/drawingml/2006/main" xmlns:r="http://schemas.openxmlformats.org/officeDocument/2006/relationships" xmlns:mc="http://schemas.openxmlformats.org/markup-compatibility/2006" xmlns:mv="urn:schemas-microsoft-com:mac:vml" xmlns:p="http://schemas.openxmlformats.org/presentationml/2006/main" mc:Ignorable="mv" mc:PreserveAttributes="mv:*" show="0">
-  <p:cSld>
-    <p:spTree>
-      <p:nvGrpSpPr>
-        <p:cNvPr id="1" name=""/>
-        <p:cNvGrpSpPr/>
-        <p:nvPr/>
-      </p:nvGrpSpPr>
-      <p:grpSpPr>
-        <a:xfrm>
-          <a:off x="0" y="0"/>
-          <a:ext cx="0" cy="0"/>
-          <a:chOff x="0" y="0"/>
-          <a:chExt cx="0" cy="0"/>
-        </a:xfrm>
-      </p:grpSpPr>
-      <p:sp>
-        <p:nvSpPr>
-          <p:cNvPr id="3" name="Slide Number Placeholder 2"/>
-          <p:cNvSpPr>
-            <a:spLocks noGrp="1"/>
-          </p:cNvSpPr>
-          <p:nvPr>
-            <p:ph type="sldNum" sz="quarter" idx="10"/>
-          </p:nvPr>
-        </p:nvSpPr>
-        <p:spPr>
-          <a:xfrm>
-            <a:off x="8227768" y="6553200"/>
-            <a:ext cx="916236" cy="276999"/>
-          </a:xfrm>
-        </p:spPr>
-        <p:txBody>
-          <a:bodyPr/>
-          <a:lstStyle/>
-          <a:p>
-            <a:pPr>
-              <a:defRPr/>
-            </a:pPr>
-            <a:r>
-              <a:rPr lang="en-US" dirty="0" err="1" smtClean="0"/>
-              <a:t>lec</a:t>
-            </a:r>
-            <a:r>
-              <a:rPr lang="en-US" dirty="0" smtClean="0"/>
-              <a:t> 2W.</a:t>
-            </a:r>
-            <a:fld id="{DB6F0ED6-FEF5-4C9C-B1CC-29B47EC66FAA}" type="slidenum">
-              <a:rPr lang="en-US" smtClean="0"/>
-              <a:pPr>
-                <a:defRPr/>
-              </a:pPr>
-              <a:t>28</a:t>
-            </a:fld>
-            <a:endParaRPr lang="en-US" dirty="0"/>
-          </a:p>
-        </p:txBody>
-      </p:sp>
-      <p:sp>
-        <p:nvSpPr>
-          <p:cNvPr id="4" name="Title 1"/>
-          <p:cNvSpPr>
-            <a:spLocks noGrp="1"/>
-          </p:cNvSpPr>
-          <p:nvPr>
-            <p:ph type="title"/>
-          </p:nvPr>
-        </p:nvSpPr>
-        <p:spPr>
-          <a:xfrm>
-            <a:off x="1580158" y="268704"/>
-            <a:ext cx="6685537" cy="1151022"/>
-          </a:xfrm>
-        </p:spPr>
-        <p:txBody>
-          <a:bodyPr/>
-          <a:lstStyle/>
-          <a:p>
-            <a:r>
-              <a:rPr lang="en-US" i="1" dirty="0" smtClean="0"/>
-              <a:t>Quickie: </a:t>
-            </a:r>
-            <a:r>
-              <a:rPr lang="en-US" dirty="0" smtClean="0"/>
-              <a:t>SAT versus VALID</a:t>
-            </a:r>
-            <a:endParaRPr lang="en-US" dirty="0"/>
-          </a:p>
-        </p:txBody>
-      </p:sp>
-      <p:sp>
-        <p:nvSpPr>
-          <p:cNvPr id="5" name="TextBox 4"/>
-          <p:cNvSpPr txBox="1"/>
-          <p:nvPr/>
-        </p:nvSpPr>
-        <p:spPr>
-          <a:xfrm>
-            <a:off x="481777" y="1994664"/>
-            <a:ext cx="8174033" cy="2862322"/>
-          </a:xfrm>
-          <a:prstGeom prst="rect">
-            <a:avLst/>
-          </a:prstGeom>
-          <a:noFill/>
-        </p:spPr>
-        <p:txBody>
-          <a:bodyPr wrap="none" rtlCol="0">
-            <a:spAutoFit/>
-          </a:bodyPr>
-          <a:lstStyle/>
-          <a:p>
-            <a:pPr algn="l"/>
-            <a:r>
-              <a:rPr lang="en-US" sz="6000" dirty="0" smtClean="0">
-                <a:latin typeface="Comic Sans MS" pitchFamily="66" charset="0"/>
-              </a:rPr>
-              <a:t>To test if </a:t>
-            </a:r>
-            <a:r>
-              <a:rPr lang="en-US" sz="6000" dirty="0" smtClean="0">
-                <a:solidFill>
-                  <a:schemeClr val="accent5">
-                    <a:lumMod val="50000"/>
-                  </a:schemeClr>
-                </a:solidFill>
-                <a:latin typeface="Comic Sans MS" pitchFamily="66" charset="0"/>
-              </a:rPr>
-              <a:t>G</a:t>
-            </a:r>
-            <a:r>
-              <a:rPr lang="en-US" sz="6000" dirty="0" smtClean="0">
-                <a:latin typeface="Comic Sans MS" pitchFamily="66" charset="0"/>
-              </a:rPr>
-              <a:t> is </a:t>
-            </a:r>
-            <a:r>
-              <a:rPr lang="en-US" sz="6000" dirty="0" smtClean="0">
-                <a:solidFill>
-                  <a:srgbClr val="00B050"/>
-                </a:solidFill>
-                <a:latin typeface="Comic Sans MS" pitchFamily="66" charset="0"/>
-              </a:rPr>
-              <a:t>VALID</a:t>
-            </a:r>
-            <a:r>
-              <a:rPr lang="en-US" sz="6000" dirty="0" smtClean="0">
-                <a:latin typeface="Comic Sans MS" pitchFamily="66" charset="0"/>
-              </a:rPr>
-              <a:t>,</a:t>
-            </a:r>
-          </a:p>
-          <a:p>
-            <a:pPr algn="l"/>
-            <a:r>
-              <a:rPr lang="en-US" sz="6000" dirty="0" smtClean="0">
-                <a:latin typeface="Comic Sans MS" pitchFamily="66" charset="0"/>
-              </a:rPr>
-              <a:t>check that</a:t>
-            </a:r>
-          </a:p>
-          <a:p>
-            <a:pPr algn="l"/>
-            <a:r>
-              <a:rPr lang="en-US" sz="6000" dirty="0" smtClean="0">
-                <a:solidFill>
-                  <a:schemeClr val="accent5">
-                    <a:lumMod val="50000"/>
-                  </a:schemeClr>
-                </a:solidFill>
-                <a:latin typeface="Comic Sans MS" pitchFamily="66" charset="0"/>
-              </a:rPr>
-              <a:t>NOT(G)</a:t>
-            </a:r>
-            <a:r>
-              <a:rPr lang="en-US" sz="6000" dirty="0" smtClean="0">
-                <a:latin typeface="Comic Sans MS" pitchFamily="66" charset="0"/>
-              </a:rPr>
-              <a:t> is </a:t>
-            </a:r>
-            <a:r>
-              <a:rPr lang="en-US" sz="6000" dirty="0" smtClean="0">
-                <a:solidFill>
-                  <a:srgbClr val="FF0000"/>
-                </a:solidFill>
-                <a:latin typeface="Comic Sans MS" pitchFamily="66" charset="0"/>
-              </a:rPr>
-              <a:t>not</a:t>
-            </a:r>
-            <a:r>
-              <a:rPr lang="en-US" sz="6000" dirty="0" smtClean="0">
-                <a:solidFill>
-                  <a:srgbClr val="00B050"/>
-                </a:solidFill>
-                <a:latin typeface="Comic Sans MS" pitchFamily="66" charset="0"/>
-              </a:rPr>
-              <a:t> SAT</a:t>
-            </a:r>
-            <a:r>
-              <a:rPr lang="en-US" sz="6000" dirty="0" smtClean="0">
-                <a:latin typeface="Comic Sans MS" pitchFamily="66" charset="0"/>
-              </a:rPr>
-              <a:t>.</a:t>
             </a:r>
           </a:p>
         </p:txBody>
@@ -24933,69 +26732,49 @@
       </p:grpSpPr>
       <p:sp>
         <p:nvSpPr>
-          <p:cNvPr id="5" name="TextBox 4"/>
-          <p:cNvSpPr txBox="1"/>
-          <p:nvPr/>
+          <p:cNvPr id="3" name="Slide Number Placeholder 2"/>
+          <p:cNvSpPr>
+            <a:spLocks noGrp="1"/>
+          </p:cNvSpPr>
+          <p:nvPr>
+            <p:ph type="sldNum" sz="quarter" idx="10"/>
+          </p:nvPr>
         </p:nvSpPr>
         <p:spPr>
           <a:xfrm>
-            <a:off x="98477" y="2250833"/>
-            <a:ext cx="8903778" cy="2308324"/>
+            <a:off x="8227768" y="6553200"/>
+            <a:ext cx="916236" cy="276999"/>
           </a:xfrm>
-          <a:prstGeom prst="rect">
-            <a:avLst/>
-          </a:prstGeom>
-          <a:noFill/>
         </p:spPr>
         <p:txBody>
-          <a:bodyPr wrap="square" rtlCol="0">
-            <a:spAutoFit/>
-          </a:bodyPr>
+          <a:bodyPr/>
           <a:lstStyle/>
           <a:p>
-            <a:r>
-              <a:rPr lang="en-US" sz="4800" dirty="0" smtClean="0">
-                <a:latin typeface="Comic Sans MS" pitchFamily="66" charset="0"/>
-              </a:rPr>
-              <a:t>So try to </a:t>
-            </a:r>
-            <a:r>
-              <a:rPr lang="en-US" sz="4800" i="1" dirty="0" smtClean="0">
-                <a:latin typeface="Comic Sans MS" pitchFamily="66" charset="0"/>
-              </a:rPr>
-              <a:t>prove </a:t>
-            </a:r>
-            <a:r>
-              <a:rPr lang="en-US" sz="4800" dirty="0" smtClean="0">
-                <a:latin typeface="Comic Sans MS" pitchFamily="66" charset="0"/>
-              </a:rPr>
-              <a:t>valid formulas</a:t>
-            </a:r>
-          </a:p>
-          <a:p>
-            <a:r>
-              <a:rPr lang="en-US" sz="4800" dirty="0" smtClean="0">
-                <a:latin typeface="Comic Sans MS" pitchFamily="66" charset="0"/>
-              </a:rPr>
-              <a:t>from a few axioms using</a:t>
-            </a:r>
-          </a:p>
-          <a:p>
-            <a:r>
-              <a:rPr lang="en-US" sz="4800" dirty="0" smtClean="0">
-                <a:latin typeface="Comic Sans MS" pitchFamily="66" charset="0"/>
-              </a:rPr>
-              <a:t>deduction rules.</a:t>
-            </a:r>
-            <a:endParaRPr lang="en-US" sz="4800" dirty="0">
-              <a:latin typeface="Comic Sans MS" pitchFamily="66" charset="0"/>
-            </a:endParaRPr>
+            <a:pPr>
+              <a:defRPr/>
+            </a:pPr>
+            <a:r>
+              <a:rPr lang="en-US" dirty="0" err="1" smtClean="0"/>
+              <a:t>lec</a:t>
+            </a:r>
+            <a:r>
+              <a:rPr lang="en-US" dirty="0" smtClean="0"/>
+              <a:t> 2W.</a:t>
+            </a:r>
+            <a:fld id="{DB6F0ED6-FEF5-4C9C-B1CC-29B47EC66FAA}" type="slidenum">
+              <a:rPr lang="en-US" smtClean="0"/>
+              <a:pPr>
+                <a:defRPr/>
+              </a:pPr>
+              <a:t>29</a:t>
+            </a:fld>
+            <a:endParaRPr lang="en-US" dirty="0"/>
           </a:p>
         </p:txBody>
       </p:sp>
       <p:sp>
         <p:nvSpPr>
-          <p:cNvPr id="9" name="Title 1"/>
+          <p:cNvPr id="4" name="Title 1"/>
           <p:cNvSpPr>
             <a:spLocks noGrp="1"/>
           </p:cNvSpPr>
@@ -25005,8 +26784,8 @@
         </p:nvSpPr>
         <p:spPr>
           <a:xfrm>
-            <a:off x="1651000" y="363538"/>
-            <a:ext cx="6794500" cy="1003300"/>
+            <a:off x="1580158" y="268704"/>
+            <a:ext cx="6685537" cy="1151022"/>
           </a:xfrm>
         </p:spPr>
         <p:txBody>
@@ -25014,10 +26793,131 @@
           <a:lstStyle/>
           <a:p>
             <a:r>
-              <a:rPr lang="en-US" sz="4000" dirty="0" smtClean="0"/>
-              <a:t>Verifying Validity</a:t>
-            </a:r>
-            <a:endParaRPr lang="en-US" sz="4000" dirty="0"/>
+              <a:rPr lang="en-US" i="1" dirty="0" smtClean="0"/>
+              <a:t>Quickie: </a:t>
+            </a:r>
+            <a:r>
+              <a:rPr lang="en-US" dirty="0" smtClean="0"/>
+              <a:t>SAT versus VALID</a:t>
+            </a:r>
+            <a:endParaRPr lang="en-US" dirty="0"/>
+          </a:p>
+        </p:txBody>
+      </p:sp>
+      <p:sp>
+        <p:nvSpPr>
+          <p:cNvPr id="5" name="TextBox 4"/>
+          <p:cNvSpPr txBox="1"/>
+          <p:nvPr/>
+        </p:nvSpPr>
+        <p:spPr>
+          <a:xfrm>
+            <a:off x="481777" y="1994664"/>
+            <a:ext cx="8174033" cy="2862322"/>
+          </a:xfrm>
+          <a:prstGeom prst="rect">
+            <a:avLst/>
+          </a:prstGeom>
+          <a:noFill/>
+        </p:spPr>
+        <p:txBody>
+          <a:bodyPr wrap="none" rtlCol="0">
+            <a:spAutoFit/>
+          </a:bodyPr>
+          <a:lstStyle/>
+          <a:p>
+            <a:pPr algn="l"/>
+            <a:r>
+              <a:rPr lang="en-US" sz="6000" dirty="0" smtClean="0">
+                <a:latin typeface="Comic Sans MS" pitchFamily="66" charset="0"/>
+              </a:rPr>
+              <a:t>To test if </a:t>
+            </a:r>
+            <a:r>
+              <a:rPr lang="en-US" sz="6000" dirty="0" smtClean="0">
+                <a:solidFill>
+                  <a:schemeClr val="accent5">
+                    <a:lumMod val="50000"/>
+                  </a:schemeClr>
+                </a:solidFill>
+                <a:latin typeface="Comic Sans MS" pitchFamily="66" charset="0"/>
+              </a:rPr>
+              <a:t>G</a:t>
+            </a:r>
+            <a:r>
+              <a:rPr lang="en-US" sz="6000" dirty="0" smtClean="0">
+                <a:latin typeface="Comic Sans MS" pitchFamily="66" charset="0"/>
+              </a:rPr>
+              <a:t> is </a:t>
+            </a:r>
+            <a:r>
+              <a:rPr lang="en-US" sz="6000" dirty="0" smtClean="0">
+                <a:solidFill>
+                  <a:srgbClr val="00B050"/>
+                </a:solidFill>
+                <a:latin typeface="Comic Sans MS" pitchFamily="66" charset="0"/>
+              </a:rPr>
+              <a:t>VALID</a:t>
+            </a:r>
+            <a:r>
+              <a:rPr lang="en-US" sz="6000" dirty="0" smtClean="0">
+                <a:latin typeface="Comic Sans MS" pitchFamily="66" charset="0"/>
+              </a:rPr>
+              <a:t>,</a:t>
+            </a:r>
+          </a:p>
+          <a:p>
+            <a:pPr algn="l"/>
+            <a:r>
+              <a:rPr lang="en-US" sz="6000" dirty="0" smtClean="0">
+                <a:latin typeface="Comic Sans MS" pitchFamily="66" charset="0"/>
+              </a:rPr>
+              <a:t>check that</a:t>
+            </a:r>
+          </a:p>
+          <a:p>
+            <a:pPr algn="l"/>
+            <a:r>
+              <a:rPr lang="en-US" sz="6000" dirty="0" smtClean="0">
+                <a:solidFill>
+                  <a:schemeClr val="accent5">
+                    <a:lumMod val="50000"/>
+                  </a:schemeClr>
+                </a:solidFill>
+                <a:latin typeface="Comic Sans MS" pitchFamily="66" charset="0"/>
+              </a:rPr>
+              <a:t>NOT(G)</a:t>
+            </a:r>
+            <a:r>
+              <a:rPr lang="en-US" sz="6000" dirty="0" smtClean="0">
+                <a:latin typeface="Comic Sans MS" pitchFamily="66" charset="0"/>
+              </a:rPr>
+              <a:t> is </a:t>
+            </a:r>
+            <a:r>
+              <a:rPr lang="en-US" sz="6000" dirty="0" smtClean="0">
+                <a:solidFill>
+                  <a:srgbClr val="FF0000"/>
+                </a:solidFill>
+                <a:latin typeface="Comic Sans MS" pitchFamily="66" charset="0"/>
+              </a:rPr>
+              <a:t>not</a:t>
+            </a:r>
+            <a:r>
+              <a:rPr lang="en-US" sz="6000" dirty="0" smtClean="0">
+                <a:solidFill>
+                  <a:srgbClr val="00B050"/>
+                </a:solidFill>
+                <a:latin typeface="Comic Sans MS" pitchFamily="66" charset="0"/>
+              </a:rPr>
+              <a:t> SAT</a:t>
+            </a:r>
+            <a:r>
+              <a:rPr lang="en-US" sz="6000" dirty="0" smtClean="0">
+                <a:latin typeface="Comic Sans MS" pitchFamily="66" charset="0"/>
+              </a:rPr>
+              <a:t>.</a:t>
+            </a:r>
           </a:p>
         </p:txBody>
       </p:sp>
@@ -25514,6 +27414,131 @@
       </p:grpSpPr>
       <p:sp>
         <p:nvSpPr>
+          <p:cNvPr id="5" name="TextBox 4"/>
+          <p:cNvSpPr txBox="1"/>
+          <p:nvPr/>
+        </p:nvSpPr>
+        <p:spPr>
+          <a:xfrm>
+            <a:off x="98477" y="2250833"/>
+            <a:ext cx="8903778" cy="2308324"/>
+          </a:xfrm>
+          <a:prstGeom prst="rect">
+            <a:avLst/>
+          </a:prstGeom>
+          <a:noFill/>
+        </p:spPr>
+        <p:txBody>
+          <a:bodyPr wrap="square" rtlCol="0">
+            <a:spAutoFit/>
+          </a:bodyPr>
+          <a:lstStyle/>
+          <a:p>
+            <a:r>
+              <a:rPr lang="en-US" sz="4800" dirty="0" smtClean="0">
+                <a:latin typeface="Comic Sans MS" pitchFamily="66" charset="0"/>
+              </a:rPr>
+              <a:t>So try to </a:t>
+            </a:r>
+            <a:r>
+              <a:rPr lang="en-US" sz="4800" i="1" dirty="0" smtClean="0">
+                <a:latin typeface="Comic Sans MS" pitchFamily="66" charset="0"/>
+              </a:rPr>
+              <a:t>prove </a:t>
+            </a:r>
+            <a:r>
+              <a:rPr lang="en-US" sz="4800" dirty="0" smtClean="0">
+                <a:latin typeface="Comic Sans MS" pitchFamily="66" charset="0"/>
+              </a:rPr>
+              <a:t>valid formulas</a:t>
+            </a:r>
+          </a:p>
+          <a:p>
+            <a:r>
+              <a:rPr lang="en-US" sz="4800" dirty="0" smtClean="0">
+                <a:latin typeface="Comic Sans MS" pitchFamily="66" charset="0"/>
+              </a:rPr>
+              <a:t>from a few axioms using</a:t>
+            </a:r>
+          </a:p>
+          <a:p>
+            <a:r>
+              <a:rPr lang="en-US" sz="4800" dirty="0" smtClean="0">
+                <a:latin typeface="Comic Sans MS" pitchFamily="66" charset="0"/>
+              </a:rPr>
+              <a:t>deduction rules.</a:t>
+            </a:r>
+            <a:endParaRPr lang="en-US" sz="4800" dirty="0">
+              <a:latin typeface="Comic Sans MS" pitchFamily="66" charset="0"/>
+            </a:endParaRPr>
+          </a:p>
+        </p:txBody>
+      </p:sp>
+      <p:sp>
+        <p:nvSpPr>
+          <p:cNvPr id="9" name="Title 1"/>
+          <p:cNvSpPr>
+            <a:spLocks noGrp="1"/>
+          </p:cNvSpPr>
+          <p:nvPr>
+            <p:ph type="title"/>
+          </p:nvPr>
+        </p:nvSpPr>
+        <p:spPr>
+          <a:xfrm>
+            <a:off x="1651000" y="363538"/>
+            <a:ext cx="6794500" cy="1003300"/>
+          </a:xfrm>
+        </p:spPr>
+        <p:txBody>
+          <a:bodyPr/>
+          <a:lstStyle/>
+          <a:p>
+            <a:r>
+              <a:rPr lang="en-US" sz="4000" dirty="0" smtClean="0"/>
+              <a:t>Verifying Validity</a:t>
+            </a:r>
+            <a:endParaRPr lang="en-US" sz="4000" dirty="0"/>
+          </a:p>
+        </p:txBody>
+      </p:sp>
+    </p:spTree>
+  </p:cSld>
+  <p:clrMapOvr>
+    <a:masterClrMapping/>
+  </p:clrMapOvr>
+  <p:transition>
+    <p:fade/>
+  </p:transition>
+  <p:timing>
+    <p:tnLst>
+      <p:par>
+        <p:cTn id="1" dur="indefinite" restart="never" nodeType="tmRoot"/>
+      </p:par>
+    </p:tnLst>
+  </p:timing>
+</p:sld>
+</file>
+
+<file path=ppt/slides/slide31.xml><?xml version="1.0" encoding="utf-8"?>
+<p:sld xmlns:a="http://schemas.openxmlformats.org/drawingml/2006/main" xmlns:r="http://schemas.openxmlformats.org/officeDocument/2006/relationships" xmlns:mc="http://schemas.openxmlformats.org/markup-compatibility/2006" xmlns:mv="urn:schemas-microsoft-com:mac:vml" xmlns:p="http://schemas.openxmlformats.org/presentationml/2006/main" mc:Ignorable="mv" mc:PreserveAttributes="mv:*" show="0">
+  <p:cSld>
+    <p:spTree>
+      <p:nvGrpSpPr>
+        <p:cNvPr id="1" name=""/>
+        <p:cNvGrpSpPr/>
+        <p:nvPr/>
+      </p:nvGrpSpPr>
+      <p:grpSpPr>
+        <a:xfrm>
+          <a:off x="0" y="0"/>
+          <a:ext cx="0" cy="0"/>
+          <a:chOff x="0" y="0"/>
+          <a:chExt cx="0" cy="0"/>
+        </a:xfrm>
+      </p:grpSpPr>
+      <p:sp>
+        <p:nvSpPr>
           <p:cNvPr id="2" name="Title 1"/>
           <p:cNvSpPr>
             <a:spLocks noGrp="1"/>
@@ -25615,23 +27640,7 @@
                   <a:srgbClr val="0000FF"/>
                 </a:solidFill>
               </a:rPr>
-              <a:t> </a:t>
-            </a:r>
-            <a:r>
-              <a:rPr lang="en-US" sz="4000" dirty="0" smtClean="0">
-                <a:solidFill>
-                  <a:srgbClr val="0000FF"/>
-                </a:solidFill>
-              </a:rPr>
-              <a:t>P)</a:t>
-            </a:r>
-            <a:r>
-              <a:rPr lang="en-US" sz="4000" dirty="0" smtClean="0">
-                <a:solidFill>
-                  <a:srgbClr val="0000FF"/>
-                </a:solidFill>
-              </a:rPr>
-              <a:t> </a:t>
+              <a:t> P) </a:t>
             </a:r>
             <a:r>
               <a:rPr lang="en-US" sz="4000" dirty="0" smtClean="0">
@@ -25649,15 +27658,7 @@
                   <a:srgbClr val="0000FF"/>
                 </a:solidFill>
               </a:rPr>
-              <a:t> </a:t>
-            </a:r>
-            <a:r>
-              <a:rPr lang="en-US" sz="4000" dirty="0" smtClean="0">
-                <a:solidFill>
-                  <a:srgbClr val="0000FF"/>
-                </a:solidFill>
-              </a:rPr>
-              <a:t>P</a:t>
+              <a:t> P</a:t>
             </a:r>
             <a:endParaRPr lang="en-US" sz="4000" dirty="0" smtClean="0"/>
           </a:p>
@@ -25729,7 +27730,21 @@
                   <a:srgbClr val="0000FF"/>
                 </a:solidFill>
               </a:rPr>
+              <a:t> Q)</a:t>
+            </a:r>
+            <a:r>
+              <a:rPr lang="en-US" sz="4000" dirty="0" smtClean="0"/>
               <a:t> </a:t>
+            </a:r>
+          </a:p>
+          <a:p>
+            <a:pPr marL="742950" indent="-742950">
+              <a:buFont typeface="+mj-lt"/>
+              <a:buAutoNum type="arabicParenR"/>
+            </a:pPr>
+            <a:r>
+              <a:rPr lang="en-US" sz="4000" dirty="0" smtClean="0"/>
+              <a:t>	</a:t>
             </a:r>
             <a:r>
               <a:rPr lang="en-US" sz="4000" dirty="0" smtClean="0">
@@ -25737,37 +27752,7 @@
                   <a:srgbClr val="0000FF"/>
                 </a:solidFill>
               </a:rPr>
-              <a:t>Q)</a:t>
-            </a:r>
-            <a:r>
-              <a:rPr lang="en-US" sz="4000" dirty="0" smtClean="0"/>
-              <a:t> </a:t>
-            </a:r>
-          </a:p>
-          <a:p>
-            <a:pPr marL="742950" indent="-742950">
-              <a:buFont typeface="+mj-lt"/>
-              <a:buAutoNum type="arabicParenR"/>
-            </a:pPr>
-            <a:r>
-              <a:rPr lang="en-US" sz="4000" dirty="0" smtClean="0"/>
-              <a:t>	</a:t>
-            </a:r>
-            <a:r>
-              <a:rPr lang="en-US" sz="4000" dirty="0" smtClean="0">
-                <a:solidFill>
-                  <a:srgbClr val="0000FF"/>
-                </a:solidFill>
-              </a:rPr>
-              <a:t>(P</a:t>
-            </a:r>
-            <a:r>
-              <a:rPr lang="en-US" sz="4000" dirty="0" smtClean="0">
-                <a:solidFill>
-                  <a:srgbClr val="0000FF"/>
-                </a:solidFill>
-              </a:rPr>
-              <a:t> </a:t>
+              <a:t>(P </a:t>
             </a:r>
             <a:r>
               <a:rPr lang="en-US" sz="4000" dirty="0" smtClean="0">
@@ -25785,23 +27770,7 @@
                   <a:srgbClr val="0000FF"/>
                 </a:solidFill>
               </a:rPr>
-              <a:t> </a:t>
-            </a:r>
-            <a:r>
-              <a:rPr lang="en-US" sz="4000" dirty="0" smtClean="0">
-                <a:solidFill>
-                  <a:srgbClr val="0000FF"/>
-                </a:solidFill>
-              </a:rPr>
-              <a:t>Q)</a:t>
-            </a:r>
-            <a:r>
-              <a:rPr lang="en-US" sz="4000" dirty="0" smtClean="0">
-                <a:solidFill>
-                  <a:srgbClr val="0000FF"/>
-                </a:solidFill>
-              </a:rPr>
-              <a:t> </a:t>
+              <a:t> Q) </a:t>
             </a:r>
             <a:r>
               <a:rPr lang="en-US" sz="4000" dirty="0" smtClean="0">
@@ -25819,23 +27788,7 @@
                   <a:srgbClr val="0000FF"/>
                 </a:solidFill>
               </a:rPr>
-              <a:t> </a:t>
-            </a:r>
-            <a:r>
-              <a:rPr lang="en-US" sz="4000" dirty="0" smtClean="0">
-                <a:solidFill>
-                  <a:srgbClr val="0000FF"/>
-                </a:solidFill>
-              </a:rPr>
-              <a:t>((Q</a:t>
-            </a:r>
-            <a:r>
-              <a:rPr lang="en-US" sz="4000" dirty="0" smtClean="0">
-                <a:solidFill>
-                  <a:srgbClr val="0000FF"/>
-                </a:solidFill>
-              </a:rPr>
-              <a:t> </a:t>
+              <a:t> ((Q </a:t>
             </a:r>
             <a:r>
               <a:rPr lang="en-US" sz="4000" dirty="0" smtClean="0">
@@ -25853,23 +27806,7 @@
                   <a:srgbClr val="0000FF"/>
                 </a:solidFill>
               </a:rPr>
-              <a:t> </a:t>
-            </a:r>
-            <a:r>
-              <a:rPr lang="en-US" sz="4000" dirty="0" smtClean="0">
-                <a:solidFill>
-                  <a:srgbClr val="0000FF"/>
-                </a:solidFill>
-              </a:rPr>
-              <a:t>R)</a:t>
-            </a:r>
-            <a:r>
-              <a:rPr lang="en-US" sz="4000" dirty="0" smtClean="0">
-                <a:solidFill>
-                  <a:srgbClr val="0000FF"/>
-                </a:solidFill>
-              </a:rPr>
-              <a:t> </a:t>
+              <a:t> R) </a:t>
             </a:r>
             <a:r>
               <a:rPr lang="en-US" sz="4000" dirty="0" smtClean="0">
@@ -25887,23 +27824,7 @@
                   <a:srgbClr val="0000FF"/>
                 </a:solidFill>
               </a:rPr>
-              <a:t> </a:t>
-            </a:r>
-            <a:r>
-              <a:rPr lang="en-US" sz="4000" dirty="0" smtClean="0">
-                <a:solidFill>
-                  <a:srgbClr val="0000FF"/>
-                </a:solidFill>
-              </a:rPr>
-              <a:t>(P</a:t>
-            </a:r>
-            <a:r>
-              <a:rPr lang="en-US" sz="4000" dirty="0" smtClean="0">
-                <a:solidFill>
-                  <a:srgbClr val="0000FF"/>
-                </a:solidFill>
-              </a:rPr>
-              <a:t> </a:t>
+              <a:t> (P </a:t>
             </a:r>
             <a:r>
               <a:rPr lang="en-US" sz="4000" dirty="0" smtClean="0">
@@ -25921,15 +27842,7 @@
                   <a:srgbClr val="0000FF"/>
                 </a:solidFill>
               </a:rPr>
-              <a:t> </a:t>
-            </a:r>
-            <a:r>
-              <a:rPr lang="en-US" sz="4000" dirty="0" smtClean="0">
-                <a:solidFill>
-                  <a:srgbClr val="0000FF"/>
-                </a:solidFill>
-              </a:rPr>
-              <a:t>R))</a:t>
+              <a:t> R))</a:t>
             </a:r>
           </a:p>
           <a:p>
@@ -26254,7 +28167,7 @@
 </p:sld>
 </file>
 
-<file path=ppt/slides/slide31.xml><?xml version="1.0" encoding="utf-8"?>
+<file path=ppt/slides/slide32.xml><?xml version="1.0" encoding="utf-8"?>
 <p:sld xmlns:a="http://schemas.openxmlformats.org/drawingml/2006/main" xmlns:r="http://schemas.openxmlformats.org/officeDocument/2006/relationships" xmlns:mc="http://schemas.openxmlformats.org/markup-compatibility/2006" xmlns:mv="urn:schemas-microsoft-com:mac:vml" xmlns:p="http://schemas.openxmlformats.org/presentationml/2006/main" mc:Ignorable="mv" mc:PreserveAttributes="mv:*" show="0">
   <p:cSld>
     <p:spTree>
@@ -26398,7 +28311,7 @@
 </p:sld>
 </file>
 
-<file path=ppt/slides/slide32.xml><?xml version="1.0" encoding="utf-8"?>
+<file path=ppt/slides/slide33.xml><?xml version="1.0" encoding="utf-8"?>
 <p:sld xmlns:a="http://schemas.openxmlformats.org/drawingml/2006/main" xmlns:r="http://schemas.openxmlformats.org/officeDocument/2006/relationships" xmlns:mc="http://schemas.openxmlformats.org/markup-compatibility/2006" xmlns:mv="urn:schemas-microsoft-com:mac:vml" xmlns:p="http://schemas.openxmlformats.org/presentationml/2006/main" mc:Ignorable="mv" mc:PreserveAttributes="mv:*" show="0">
   <p:cSld>
     <p:spTree>
@@ -27049,7 +28962,7 @@
 </p:sld>
 </file>
 
-<file path=ppt/slides/slide33.xml><?xml version="1.0" encoding="utf-8"?>
+<file path=ppt/slides/slide34.xml><?xml version="1.0" encoding="utf-8"?>
 <p:sld xmlns:a="http://schemas.openxmlformats.org/drawingml/2006/main" xmlns:r="http://schemas.openxmlformats.org/officeDocument/2006/relationships" xmlns:mc="http://schemas.openxmlformats.org/markup-compatibility/2006" xmlns:mv="urn:schemas-microsoft-com:mac:vml" xmlns:p="http://schemas.openxmlformats.org/presentationml/2006/main" mc:Ignorable="mv" mc:PreserveAttributes="mv:*" show="0">
   <p:cSld>
     <p:spTree>
@@ -27833,7 +29746,7 @@
 </p:sld>
 </file>
 
-<file path=ppt/slides/slide34.xml><?xml version="1.0" encoding="utf-8"?>
+<file path=ppt/slides/slide35.xml><?xml version="1.0" encoding="utf-8"?>
 <p:sld xmlns:a="http://schemas.openxmlformats.org/drawingml/2006/main" xmlns:r="http://schemas.openxmlformats.org/officeDocument/2006/relationships" xmlns:mc="http://schemas.openxmlformats.org/markup-compatibility/2006" xmlns:mv="urn:schemas-microsoft-com:mac:vml" xmlns:p="http://schemas.openxmlformats.org/presentationml/2006/main" mc:Ignorable="mv" mc:PreserveAttributes="mv:*" show="0">
   <p:cSld>
     <p:spTree>
@@ -28431,7 +30344,7 @@
 </p:sld>
 </file>
 
-<file path=ppt/slides/slide35.xml><?xml version="1.0" encoding="utf-8"?>
+<file path=ppt/slides/slide36.xml><?xml version="1.0" encoding="utf-8"?>
 <p:sld xmlns:a="http://schemas.openxmlformats.org/drawingml/2006/main" xmlns:r="http://schemas.openxmlformats.org/officeDocument/2006/relationships" xmlns:mc="http://schemas.openxmlformats.org/markup-compatibility/2006" xmlns:mv="urn:schemas-microsoft-com:mac:vml" xmlns:p="http://schemas.openxmlformats.org/presentationml/2006/main" mc:Ignorable="mv" mc:PreserveAttributes="mv:*" show="0">
   <p:cSld>
     <p:spTree>
@@ -28911,7 +30824,7 @@
 </p:sld>
 </file>
 
-<file path=ppt/slides/slide36.xml><?xml version="1.0" encoding="utf-8"?>
+<file path=ppt/slides/slide37.xml><?xml version="1.0" encoding="utf-8"?>
 <p:sld xmlns:a="http://schemas.openxmlformats.org/drawingml/2006/main" xmlns:r="http://schemas.openxmlformats.org/officeDocument/2006/relationships" xmlns:mc="http://schemas.openxmlformats.org/markup-compatibility/2006" xmlns:mv="urn:schemas-microsoft-com:mac:vml" xmlns:p="http://schemas.openxmlformats.org/presentationml/2006/main" mc:Ignorable="mv" mc:PreserveAttributes="mv:*" show="0">
   <p:cSld>
     <p:spTree>
@@ -29089,7 +31002,7 @@
 </p:sld>
 </file>
 
-<file path=ppt/slides/slide37.xml><?xml version="1.0" encoding="utf-8"?>
+<file path=ppt/slides/slide38.xml><?xml version="1.0" encoding="utf-8"?>
 <p:sld xmlns:a="http://schemas.openxmlformats.org/drawingml/2006/main" xmlns:r="http://schemas.openxmlformats.org/officeDocument/2006/relationships" xmlns:mc="http://schemas.openxmlformats.org/markup-compatibility/2006" xmlns:mv="urn:schemas-microsoft-com:mac:vml" xmlns:p="http://schemas.openxmlformats.org/presentationml/2006/main" mc:Ignorable="mv" mc:PreserveAttributes="mv:*" show="0">
   <p:cSld>
     <p:spTree>
@@ -29322,7 +31235,7 @@
 </p:sld>
 </file>
 
-<file path=ppt/slides/slide38.xml><?xml version="1.0" encoding="utf-8"?>
+<file path=ppt/slides/slide39.xml><?xml version="1.0" encoding="utf-8"?>
 <p:sld xmlns:a="http://schemas.openxmlformats.org/drawingml/2006/main" xmlns:r="http://schemas.openxmlformats.org/officeDocument/2006/relationships" xmlns:mc="http://schemas.openxmlformats.org/markup-compatibility/2006" xmlns:mv="urn:schemas-microsoft-com:mac:vml" xmlns:p="http://schemas.openxmlformats.org/presentationml/2006/main" mc:Ignorable="mv" mc:PreserveAttributes="mv:*">
   <p:cSld>
     <p:spTree>
@@ -29463,7 +31376,7 @@
             <a:fld id="{3251DA95-B240-47FE-901D-B78FC8E8E532}" type="slidenum">
               <a:rPr lang="en-US" smtClean="0"/>
               <a:pPr/>
-              <a:t>38</a:t>
+              <a:t>39</a:t>
             </a:fld>
             <a:endParaRPr lang="en-US" dirty="0"/>
           </a:p>
@@ -29564,127 +31477,6 @@
   </p:clrMapOvr>
   <p:transition>
     <p:fade thruBlk="1"/>
-  </p:transition>
-  <p:timing>
-    <p:tnLst>
-      <p:par>
-        <p:cTn id="1" dur="indefinite" restart="never" nodeType="tmRoot"/>
-      </p:par>
-    </p:tnLst>
-  </p:timing>
-</p:sld>
-</file>
-
-<file path=ppt/slides/slide39.xml><?xml version="1.0" encoding="utf-8"?>
-<p:sld xmlns:a="http://schemas.openxmlformats.org/drawingml/2006/main" xmlns:r="http://schemas.openxmlformats.org/officeDocument/2006/relationships" xmlns:mc="http://schemas.openxmlformats.org/markup-compatibility/2006" xmlns:mv="urn:schemas-microsoft-com:mac:vml" xmlns:p="http://schemas.openxmlformats.org/presentationml/2006/main" mc:Ignorable="mv" mc:PreserveAttributes="mv:*" show="0">
-  <p:cSld>
-    <p:spTree>
-      <p:nvGrpSpPr>
-        <p:cNvPr id="1" name=""/>
-        <p:cNvGrpSpPr/>
-        <p:nvPr/>
-      </p:nvGrpSpPr>
-      <p:grpSpPr>
-        <a:xfrm>
-          <a:off x="0" y="0"/>
-          <a:ext cx="0" cy="0"/>
-          <a:chOff x="0" y="0"/>
-          <a:chExt cx="0" cy="0"/>
-        </a:xfrm>
-      </p:grpSpPr>
-      <p:sp>
-        <p:nvSpPr>
-          <p:cNvPr id="6" name="Slide Number Placeholder 2"/>
-          <p:cNvSpPr>
-            <a:spLocks noGrp="1"/>
-          </p:cNvSpPr>
-          <p:nvPr>
-            <p:ph type="sldNum" sz="quarter" idx="10"/>
-          </p:nvPr>
-        </p:nvSpPr>
-        <p:spPr>
-          <a:xfrm>
-            <a:off x="8227765" y="6553200"/>
-            <a:ext cx="916236" cy="276999"/>
-          </a:xfrm>
-          <a:noFill/>
-        </p:spPr>
-        <p:txBody>
-          <a:bodyPr/>
-          <a:lstStyle/>
-          <a:p>
-            <a:r>
-              <a:rPr lang="en-US" dirty="0" err="1" smtClean="0"/>
-              <a:t>lec</a:t>
-            </a:r>
-            <a:r>
-              <a:rPr lang="en-US" dirty="0" smtClean="0"/>
-              <a:t> 2W.</a:t>
-            </a:r>
-            <a:fld id="{0150943C-9303-41DF-A6FA-7E32D6C5D18E}" type="slidenum">
-              <a:rPr lang="en-US" smtClean="0"/>
-              <a:pPr/>
-              <a:t>39</a:t>
-            </a:fld>
-            <a:endParaRPr lang="en-US" dirty="0" smtClean="0"/>
-          </a:p>
-        </p:txBody>
-      </p:sp>
-      <p:sp>
-        <p:nvSpPr>
-          <p:cNvPr id="7" name="Title 1"/>
-          <p:cNvSpPr>
-            <a:spLocks noGrp="1"/>
-          </p:cNvSpPr>
-          <p:nvPr>
-            <p:ph type="title"/>
-          </p:nvPr>
-        </p:nvSpPr>
-        <p:spPr>
-          <a:xfrm>
-            <a:off x="2401623" y="276412"/>
-            <a:ext cx="4354015" cy="951886"/>
-          </a:xfrm>
-        </p:spPr>
-        <p:txBody>
-          <a:bodyPr/>
-          <a:lstStyle/>
-          <a:p>
-            <a:r>
-              <a:rPr lang="en-US" sz="4000" dirty="0" smtClean="0"/>
-              <a:t>Digital Logic</a:t>
-            </a:r>
-            <a:endParaRPr lang="en-US" sz="4000" dirty="0"/>
-          </a:p>
-        </p:txBody>
-      </p:sp>
-      <p:graphicFrame>
-        <p:nvGraphicFramePr>
-          <p:cNvPr id="8" name="Object 7"/>
-          <p:cNvGraphicFramePr>
-            <a:graphicFrameLocks noChangeAspect="1"/>
-          </p:cNvGraphicFramePr>
-          <p:nvPr/>
-        </p:nvGraphicFramePr>
-        <p:xfrm>
-          <a:off x="3374284" y="1305718"/>
-          <a:ext cx="3525571" cy="4240213"/>
-        </p:xfrm>
-        <a:graphic>
-          <a:graphicData uri="http://schemas.openxmlformats.org/presentationml/2006/ole">
-            <p:oleObj spid="_x0000_s338946" name="Equation" r:id="rId4" imgW="939600" imgH="1130040" progId="Equation.DSMT4">
-              <p:embed/>
-            </p:oleObj>
-          </a:graphicData>
-        </a:graphic>
-      </p:graphicFrame>
-    </p:spTree>
-  </p:cSld>
-  <p:clrMapOvr>
-    <a:masterClrMapping/>
-  </p:clrMapOvr>
-  <p:transition>
-    <p:fade/>
   </p:transition>
   <p:timing>
     <p:tnLst>
@@ -30114,6 +31906,127 @@
 </file>
 
 <file path=ppt/slides/slide40.xml><?xml version="1.0" encoding="utf-8"?>
+<p:sld xmlns:a="http://schemas.openxmlformats.org/drawingml/2006/main" xmlns:r="http://schemas.openxmlformats.org/officeDocument/2006/relationships" xmlns:mc="http://schemas.openxmlformats.org/markup-compatibility/2006" xmlns:mv="urn:schemas-microsoft-com:mac:vml" xmlns:p="http://schemas.openxmlformats.org/presentationml/2006/main" mc:Ignorable="mv" mc:PreserveAttributes="mv:*" show="0">
+  <p:cSld>
+    <p:spTree>
+      <p:nvGrpSpPr>
+        <p:cNvPr id="1" name=""/>
+        <p:cNvGrpSpPr/>
+        <p:nvPr/>
+      </p:nvGrpSpPr>
+      <p:grpSpPr>
+        <a:xfrm>
+          <a:off x="0" y="0"/>
+          <a:ext cx="0" cy="0"/>
+          <a:chOff x="0" y="0"/>
+          <a:chExt cx="0" cy="0"/>
+        </a:xfrm>
+      </p:grpSpPr>
+      <p:sp>
+        <p:nvSpPr>
+          <p:cNvPr id="6" name="Slide Number Placeholder 2"/>
+          <p:cNvSpPr>
+            <a:spLocks noGrp="1"/>
+          </p:cNvSpPr>
+          <p:nvPr>
+            <p:ph type="sldNum" sz="quarter" idx="10"/>
+          </p:nvPr>
+        </p:nvSpPr>
+        <p:spPr>
+          <a:xfrm>
+            <a:off x="8227765" y="6553200"/>
+            <a:ext cx="916236" cy="276999"/>
+          </a:xfrm>
+          <a:noFill/>
+        </p:spPr>
+        <p:txBody>
+          <a:bodyPr/>
+          <a:lstStyle/>
+          <a:p>
+            <a:r>
+              <a:rPr lang="en-US" dirty="0" err="1" smtClean="0"/>
+              <a:t>lec</a:t>
+            </a:r>
+            <a:r>
+              <a:rPr lang="en-US" dirty="0" smtClean="0"/>
+              <a:t> 2W.</a:t>
+            </a:r>
+            <a:fld id="{0150943C-9303-41DF-A6FA-7E32D6C5D18E}" type="slidenum">
+              <a:rPr lang="en-US" smtClean="0"/>
+              <a:pPr/>
+              <a:t>40</a:t>
+            </a:fld>
+            <a:endParaRPr lang="en-US" dirty="0" smtClean="0"/>
+          </a:p>
+        </p:txBody>
+      </p:sp>
+      <p:sp>
+        <p:nvSpPr>
+          <p:cNvPr id="7" name="Title 1"/>
+          <p:cNvSpPr>
+            <a:spLocks noGrp="1"/>
+          </p:cNvSpPr>
+          <p:nvPr>
+            <p:ph type="title"/>
+          </p:nvPr>
+        </p:nvSpPr>
+        <p:spPr>
+          <a:xfrm>
+            <a:off x="2401623" y="276412"/>
+            <a:ext cx="4354015" cy="951886"/>
+          </a:xfrm>
+        </p:spPr>
+        <p:txBody>
+          <a:bodyPr/>
+          <a:lstStyle/>
+          <a:p>
+            <a:r>
+              <a:rPr lang="en-US" sz="4000" dirty="0" smtClean="0"/>
+              <a:t>Digital Logic</a:t>
+            </a:r>
+            <a:endParaRPr lang="en-US" sz="4000" dirty="0"/>
+          </a:p>
+        </p:txBody>
+      </p:sp>
+      <p:graphicFrame>
+        <p:nvGraphicFramePr>
+          <p:cNvPr id="8" name="Object 7"/>
+          <p:cNvGraphicFramePr>
+            <a:graphicFrameLocks noChangeAspect="1"/>
+          </p:cNvGraphicFramePr>
+          <p:nvPr/>
+        </p:nvGraphicFramePr>
+        <p:xfrm>
+          <a:off x="3374284" y="1305718"/>
+          <a:ext cx="3525571" cy="4240213"/>
+        </p:xfrm>
+        <a:graphic>
+          <a:graphicData uri="http://schemas.openxmlformats.org/presentationml/2006/ole">
+            <p:oleObj spid="_x0000_s338946" name="Equation" r:id="rId4" imgW="939600" imgH="1130040" progId="Equation.DSMT4">
+              <p:embed/>
+            </p:oleObj>
+          </a:graphicData>
+        </a:graphic>
+      </p:graphicFrame>
+    </p:spTree>
+  </p:cSld>
+  <p:clrMapOvr>
+    <a:masterClrMapping/>
+  </p:clrMapOvr>
+  <p:transition>
+    <p:fade/>
+  </p:transition>
+  <p:timing>
+    <p:tnLst>
+      <p:par>
+        <p:cTn id="1" dur="indefinite" restart="never" nodeType="tmRoot"/>
+      </p:par>
+    </p:tnLst>
+  </p:timing>
+</p:sld>
+</file>
+
+<file path=ppt/slides/slide41.xml><?xml version="1.0" encoding="utf-8"?>
 <p:sld xmlns:a="http://schemas.openxmlformats.org/drawingml/2006/main" xmlns:r="http://schemas.openxmlformats.org/officeDocument/2006/relationships" xmlns:mc="http://schemas.openxmlformats.org/markup-compatibility/2006" xmlns:mv="urn:schemas-microsoft-com:mac:vml" xmlns:p="http://schemas.openxmlformats.org/presentationml/2006/main" mc:Ignorable="mv" mc:PreserveAttributes="mv:*">
   <p:cSld>
     <p:spTree>
@@ -30316,7 +32229,7 @@
             <a:fld id="{0150943C-9303-41DF-A6FA-7E32D6C5D18E}" type="slidenum">
               <a:rPr lang="en-US" smtClean="0"/>
               <a:pPr/>
-              <a:t>40</a:t>
+              <a:t>41</a:t>
             </a:fld>
             <a:endParaRPr lang="en-US" dirty="0" smtClean="0"/>
           </a:p>
@@ -30388,7 +32301,7 @@
 </p:sld>
 </file>
 
-<file path=ppt/slides/slide41.xml><?xml version="1.0" encoding="utf-8"?>
+<file path=ppt/slides/slide42.xml><?xml version="1.0" encoding="utf-8"?>
 <p:sld xmlns:a="http://schemas.openxmlformats.org/drawingml/2006/main" xmlns:r="http://schemas.openxmlformats.org/officeDocument/2006/relationships" xmlns:mc="http://schemas.openxmlformats.org/markup-compatibility/2006" xmlns:mv="urn:schemas-microsoft-com:mac:vml" xmlns:p="http://schemas.openxmlformats.org/presentationml/2006/main" mc:Ignorable="mv" mc:PreserveAttributes="mv:*">
   <p:cSld>
     <p:spTree>
@@ -31303,7 +33216,7 @@
                 <a:tabLst/>
                 <a:defRPr/>
               </a:pPr>
-              <a:t>41</a:t>
+              <a:t>42</a:t>
             </a:fld>
             <a:endParaRPr kumimoji="0" lang="en-US" sz="1200" b="0" i="0" u="none" strike="noStrike" kern="1200" cap="none" spc="0" normalizeH="0" baseline="0" noProof="0" dirty="0" smtClean="0">
               <a:ln>
@@ -31388,7 +33301,7 @@
 </p:sld>
 </file>
 
-<file path=ppt/slides/slide42.xml><?xml version="1.0" encoding="utf-8"?>
+<file path=ppt/slides/slide43.xml><?xml version="1.0" encoding="utf-8"?>
 <p:sld xmlns:a="http://schemas.openxmlformats.org/drawingml/2006/main" xmlns:r="http://schemas.openxmlformats.org/officeDocument/2006/relationships" xmlns:mc="http://schemas.openxmlformats.org/markup-compatibility/2006" xmlns:mv="urn:schemas-microsoft-com:mac:vml" xmlns:p="http://schemas.openxmlformats.org/presentationml/2006/main" mc:Ignorable="mv" mc:PreserveAttributes="mv:*">
   <p:cSld>
     <p:spTree>
@@ -31437,7 +33350,7 @@
             <a:fld id="{CBD9AEC5-2546-4473-B982-5733658B7CFB}" type="slidenum">
               <a:rPr lang="en-US" sz="1200" smtClean="0"/>
               <a:pPr/>
-              <a:t>42</a:t>
+              <a:t>43</a:t>
             </a:fld>
             <a:endParaRPr lang="en-US" sz="1200" dirty="0" smtClean="0"/>
           </a:p>
@@ -31507,13 +33420,8 @@
             </a:pPr>
             <a:r>
               <a:rPr lang="en-US" sz="9600" dirty="0" smtClean="0"/>
-              <a:t>1</a:t>
-            </a:r>
-            <a:r>
-              <a:rPr lang="en-US" sz="9600" dirty="0" smtClean="0"/>
-              <a:t>—4</a:t>
-            </a:r>
-            <a:endParaRPr lang="en-US" sz="9600" dirty="0" smtClean="0"/>
+              <a:t>1—4</a:t>
+            </a:r>
           </a:p>
         </p:txBody>
       </p:sp>
@@ -33035,7 +34943,7 @@
                             </p:stCondLst>
                             <p:childTnLst>
                               <p:par>
-                                <p:cTn id="8" presetID="9" presetClass="entr" presetSubtype="0" fill="hold" nodeType="afterEffect">
+                                <p:cTn id="8" presetID="22" presetClass="entr" presetSubtype="1" fill="hold" nodeType="afterEffect">
                                   <p:stCondLst>
                                     <p:cond delay="0"/>
                                   </p:stCondLst>
@@ -33058,7 +34966,7 @@
                                         <p:strVal val="visible"/>
                                       </p:to>
                                     </p:set>
-                                    <p:animEffect transition="in" filter="dissolve">
+                                    <p:animEffect transition="in" filter="wipe(up)">
                                       <p:cBhvr>
                                         <p:cTn id="10" dur="500"/>
                                         <p:tgtEl>
@@ -35963,6 +37871,105 @@
           </a:p>
         </p:txBody>
       </p:sp>
+      <p:sp>
+        <p:nvSpPr>
+          <p:cNvPr id="9" name="TextBox 8"/>
+          <p:cNvSpPr txBox="1"/>
+          <p:nvPr/>
+        </p:nvSpPr>
+        <p:spPr>
+          <a:xfrm>
+            <a:off x="6689365" y="3231613"/>
+            <a:ext cx="2242922" cy="1077218"/>
+          </a:xfrm>
+          <a:prstGeom prst="rect">
+            <a:avLst/>
+          </a:prstGeom>
+          <a:noFill/>
+          <a:ln w="28575">
+            <a:solidFill>
+              <a:schemeClr val="accent1">
+                <a:lumMod val="50000"/>
+              </a:schemeClr>
+            </a:solidFill>
+          </a:ln>
+        </p:spPr>
+        <p:txBody>
+          <a:bodyPr wrap="none" rtlCol="0">
+            <a:spAutoFit/>
+          </a:bodyPr>
+          <a:lstStyle/>
+          <a:p>
+            <a:r>
+              <a:rPr lang="en-US" dirty="0" smtClean="0">
+                <a:solidFill>
+                  <a:srgbClr val="006600"/>
+                </a:solidFill>
+                <a:latin typeface="Comic Sans MS" pitchFamily="66" charset="0"/>
+              </a:rPr>
+              <a:t>T</a:t>
+            </a:r>
+            <a:r>
+              <a:rPr lang="en-US" dirty="0" smtClean="0">
+                <a:solidFill>
+                  <a:schemeClr val="accent1">
+                    <a:lumMod val="50000"/>
+                  </a:schemeClr>
+                </a:solidFill>
+                <a:latin typeface="Comic Sans MS" pitchFamily="66" charset="0"/>
+              </a:rPr>
+              <a:t> </a:t>
+            </a:r>
+            <a:r>
+              <a:rPr lang="en-US" dirty="0" err="1" smtClean="0">
+                <a:latin typeface="Comic Sans MS" pitchFamily="66" charset="0"/>
+              </a:rPr>
+              <a:t>iff</a:t>
+            </a:r>
+            <a:r>
+              <a:rPr lang="en-US" dirty="0" smtClean="0">
+                <a:latin typeface="Comic Sans MS" pitchFamily="66" charset="0"/>
+              </a:rPr>
+              <a:t> </a:t>
+            </a:r>
+            <a:r>
+              <a:rPr lang="en-US" i="1" dirty="0" smtClean="0">
+                <a:latin typeface="Comic Sans MS" pitchFamily="66" charset="0"/>
+              </a:rPr>
+              <a:t>both</a:t>
+            </a:r>
+          </a:p>
+          <a:p>
+            <a:r>
+              <a:rPr lang="en-US" dirty="0" smtClean="0">
+                <a:latin typeface="Comic Sans MS" pitchFamily="66" charset="0"/>
+              </a:rPr>
+              <a:t>P,Q are</a:t>
+            </a:r>
+            <a:r>
+              <a:rPr lang="en-US" dirty="0" smtClean="0">
+                <a:latin typeface="Comic Sans MS" pitchFamily="66" charset="0"/>
+              </a:rPr>
+              <a:t> </a:t>
+            </a:r>
+            <a:r>
+              <a:rPr lang="en-US" dirty="0" smtClean="0">
+                <a:solidFill>
+                  <a:srgbClr val="006600"/>
+                </a:solidFill>
+                <a:latin typeface="Comic Sans MS" pitchFamily="66" charset="0"/>
+              </a:rPr>
+              <a:t>T</a:t>
+            </a:r>
+            <a:endParaRPr lang="en-US" dirty="0" smtClean="0">
+              <a:solidFill>
+                <a:srgbClr val="006600"/>
+              </a:solidFill>
+              <a:latin typeface="Comic Sans MS" pitchFamily="66" charset="0"/>
+            </a:endParaRPr>
+          </a:p>
+        </p:txBody>
+      </p:sp>
     </p:spTree>
   </p:cSld>
   <p:clrMapOvr>
@@ -36018,15 +38025,33 @@
                                   </p:childTnLst>
                                 </p:cTn>
                               </p:par>
+                            </p:childTnLst>
+                          </p:cTn>
+                        </p:par>
+                      </p:childTnLst>
+                    </p:cTn>
+                  </p:par>
+                  <p:par>
+                    <p:cTn id="7" fill="hold">
+                      <p:stCondLst>
+                        <p:cond delay="indefinite"/>
+                      </p:stCondLst>
+                      <p:childTnLst>
+                        <p:par>
+                          <p:cTn id="8" fill="hold">
+                            <p:stCondLst>
+                              <p:cond delay="0"/>
+                            </p:stCondLst>
+                            <p:childTnLst>
                               <p:par>
-                                <p:cTn id="7" presetID="1" presetClass="entr" presetSubtype="0" fill="hold" nodeType="withEffect">
+                                <p:cTn id="9" presetID="22" presetClass="entr" presetSubtype="1" fill="hold" nodeType="clickEffect">
                                   <p:stCondLst>
                                     <p:cond delay="0"/>
                                   </p:stCondLst>
                                   <p:childTnLst>
                                     <p:set>
                                       <p:cBhvr>
-                                        <p:cTn id="8" dur="1" fill="hold">
+                                        <p:cTn id="10" dur="1" fill="hold">
                                           <p:stCondLst>
                                             <p:cond delay="0"/>
                                           </p:stCondLst>
@@ -36042,6 +38067,14 @@
                                         <p:strVal val="visible"/>
                                       </p:to>
                                     </p:set>
+                                    <p:animEffect transition="in" filter="wipe(up)">
+                                      <p:cBhvr>
+                                        <p:cTn id="11" dur="500"/>
+                                        <p:tgtEl>
+                                          <p:spTgt spid="22"/>
+                                        </p:tgtEl>
+                                      </p:cBhvr>
+                                    </p:animEffect>
                                   </p:childTnLst>
                                 </p:cTn>
                               </p:par>
@@ -36052,26 +38085,26 @@
                     </p:cTn>
                   </p:par>
                   <p:par>
-                    <p:cTn id="9" fill="hold">
+                    <p:cTn id="12" fill="hold">
                       <p:stCondLst>
                         <p:cond delay="indefinite"/>
                       </p:stCondLst>
                       <p:childTnLst>
                         <p:par>
-                          <p:cTn id="10" fill="hold">
+                          <p:cTn id="13" fill="hold">
                             <p:stCondLst>
                               <p:cond delay="0"/>
                             </p:stCondLst>
                             <p:childTnLst>
                               <p:par>
-                                <p:cTn id="11" presetID="9" presetClass="entr" presetSubtype="0" fill="hold" grpId="0" nodeType="clickEffect">
+                                <p:cTn id="14" presetID="9" presetClass="entr" presetSubtype="0" fill="hold" grpId="0" nodeType="clickEffect">
                                   <p:stCondLst>
                                     <p:cond delay="0"/>
                                   </p:stCondLst>
                                   <p:childTnLst>
                                     <p:set>
                                       <p:cBhvr>
-                                        <p:cTn id="12" dur="1" fill="hold">
+                                        <p:cTn id="15" dur="1" fill="hold">
                                           <p:stCondLst>
                                             <p:cond delay="0"/>
                                           </p:stCondLst>
@@ -36089,9 +38122,53 @@
                                     </p:set>
                                     <p:animEffect transition="in" filter="dissolve">
                                       <p:cBhvr>
-                                        <p:cTn id="13" dur="500"/>
+                                        <p:cTn id="16" dur="500"/>
                                         <p:tgtEl>
                                           <p:spTgt spid="7"/>
+                                        </p:tgtEl>
+                                      </p:cBhvr>
+                                    </p:animEffect>
+                                  </p:childTnLst>
+                                </p:cTn>
+                              </p:par>
+                            </p:childTnLst>
+                          </p:cTn>
+                        </p:par>
+                        <p:par>
+                          <p:cTn id="17" fill="hold">
+                            <p:stCondLst>
+                              <p:cond delay="500"/>
+                            </p:stCondLst>
+                            <p:childTnLst>
+                              <p:par>
+                                <p:cTn id="18" presetID="10" presetClass="entr" presetSubtype="0" fill="hold" grpId="0" nodeType="afterEffect">
+                                  <p:stCondLst>
+                                    <p:cond delay="0"/>
+                                  </p:stCondLst>
+                                  <p:childTnLst>
+                                    <p:set>
+                                      <p:cBhvr>
+                                        <p:cTn id="19" dur="1" fill="hold">
+                                          <p:stCondLst>
+                                            <p:cond delay="0"/>
+                                          </p:stCondLst>
+                                        </p:cTn>
+                                        <p:tgtEl>
+                                          <p:spTgt spid="9"/>
+                                        </p:tgtEl>
+                                        <p:attrNameLst>
+                                          <p:attrName>style.visibility</p:attrName>
+                                        </p:attrNameLst>
+                                      </p:cBhvr>
+                                      <p:to>
+                                        <p:strVal val="visible"/>
+                                      </p:to>
+                                    </p:set>
+                                    <p:animEffect transition="in" filter="fade">
+                                      <p:cBhvr>
+                                        <p:cTn id="20" dur="500"/>
+                                        <p:tgtEl>
+                                          <p:spTgt spid="9"/>
                                         </p:tgtEl>
                                       </p:cBhvr>
                                     </p:animEffect>
@@ -36128,6 +38205,7 @@
     <p:bldLst>
       <p:bldP spid="24" grpId="0"/>
       <p:bldP spid="7" grpId="0" animBg="1"/>
+      <p:bldP spid="9" grpId="0" animBg="1"/>
     </p:bldLst>
   </p:timing>
 </p:sld>
@@ -36891,7 +38969,7 @@
                             </p:stCondLst>
                             <p:childTnLst>
                               <p:par>
-                                <p:cTn id="9" presetID="1" presetClass="entr" presetSubtype="0" fill="hold" nodeType="clickEffect">
+                                <p:cTn id="9" presetID="22" presetClass="entr" presetSubtype="1" fill="hold" nodeType="clickEffect">
                                   <p:stCondLst>
                                     <p:cond delay="0"/>
                                   </p:stCondLst>
@@ -36914,6 +38992,14 @@
                                         <p:strVal val="visible"/>
                                       </p:to>
                                     </p:set>
+                                    <p:animEffect transition="in" filter="wipe(up)">
+                                      <p:cBhvr>
+                                        <p:cTn id="11" dur="500"/>
+                                        <p:tgtEl>
+                                          <p:spTgt spid="22"/>
+                                        </p:tgtEl>
+                                      </p:cBhvr>
+                                    </p:animEffect>
                                   </p:childTnLst>
                                 </p:cTn>
                               </p:par>

--- a/spring11/slides11/slides2w.pptx
+++ b/spring11/slides11/slides2w.pptx
@@ -11955,16 +11955,7 @@
                 </a:solidFill>
                 <a:latin typeface="Comic Sans MS" pitchFamily="66" charset="0"/>
               </a:rPr>
-              <a:t>XOR</a:t>
-            </a:r>
-            <a:r>
-              <a:rPr lang="en-US" dirty="0" smtClean="0">
-                <a:solidFill>
-                  <a:srgbClr val="0000FF"/>
-                </a:solidFill>
-                <a:latin typeface="Comic Sans MS" pitchFamily="66" charset="0"/>
-              </a:rPr>
-              <a:t> NOT</a:t>
+              <a:t>XOR NOT</a:t>
             </a:r>
             <a:r>
               <a:rPr lang="en-US" sz="3600" dirty="0" smtClean="0">
@@ -12006,16 +11997,7 @@
                 </a:solidFill>
                 <a:latin typeface="Comic Sans MS" pitchFamily="66" charset="0"/>
               </a:rPr>
-              <a:t>        </a:t>
-            </a:r>
-            <a:r>
-              <a:rPr lang="en-US" sz="3600" dirty="0" smtClean="0">
-                <a:solidFill>
-                  <a:srgbClr val="008000"/>
-                </a:solidFill>
-                <a:latin typeface="Comic Sans MS" pitchFamily="66" charset="0"/>
-              </a:rPr>
-              <a:t>     T </a:t>
+              <a:t>             T </a:t>
             </a:r>
             <a:r>
               <a:rPr lang="en-US" sz="3600" dirty="0" smtClean="0">
@@ -12039,16 +12021,7 @@
                 </a:solidFill>
                 <a:latin typeface="Comic Sans MS" pitchFamily="66" charset="0"/>
               </a:rPr>
-              <a:t>            F     </a:t>
-            </a:r>
-            <a:r>
-              <a:rPr lang="en-US" sz="3600" dirty="0" smtClean="0">
-                <a:solidFill>
-                  <a:srgbClr val="FF0000"/>
-                </a:solidFill>
-                <a:latin typeface="Comic Sans MS" pitchFamily="66" charset="0"/>
-              </a:rPr>
-              <a:t>           </a:t>
+              <a:t>            F                </a:t>
             </a:r>
             <a:r>
               <a:rPr lang="en-US" sz="3600" dirty="0" smtClean="0">
@@ -20728,13 +20701,7 @@
               <a:rPr lang="en-US" dirty="0" smtClean="0">
                 <a:latin typeface="Comic Sans MS" pitchFamily="66" charset="0"/>
               </a:rPr>
-              <a:t> P</a:t>
-            </a:r>
-            <a:r>
-              <a:rPr lang="en-US" dirty="0" smtClean="0">
-                <a:latin typeface="Comic Sans MS" pitchFamily="66" charset="0"/>
-              </a:rPr>
-              <a:t> is </a:t>
+              <a:t> P is </a:t>
             </a:r>
             <a:r>
               <a:rPr lang="en-US" dirty="0" smtClean="0">
@@ -31262,16 +31229,21 @@
             <p:ph type="title"/>
           </p:nvPr>
         </p:nvSpPr>
-        <p:spPr/>
+        <p:spPr>
+          <a:xfrm>
+            <a:off x="1457070" y="304800"/>
+            <a:ext cx="7543800" cy="1143000"/>
+          </a:xfrm>
+        </p:spPr>
         <p:txBody>
           <a:bodyPr/>
           <a:lstStyle/>
           <a:p>
             <a:r>
-              <a:rPr lang="en-US" dirty="0" smtClean="0"/>
-              <a:t>Java Logical Expression</a:t>
-            </a:r>
-            <a:endParaRPr lang="en-US" dirty="0"/>
+              <a:rPr lang="en-US" sz="4000" dirty="0" smtClean="0"/>
+              <a:t>Other Applications</a:t>
+            </a:r>
+            <a:endParaRPr lang="en-US" sz="4000" dirty="0"/>
           </a:p>
         </p:txBody>
       </p:sp>
@@ -31283,7 +31255,7 @@
         </p:nvSpPr>
         <p:spPr>
           <a:xfrm>
-            <a:off x="181214" y="2671772"/>
+            <a:off x="181214" y="3858422"/>
             <a:ext cx="8781571" cy="1508105"/>
           </a:xfrm>
           <a:prstGeom prst="rect">
@@ -31390,7 +31362,7 @@
         </p:nvSpPr>
         <p:spPr>
           <a:xfrm>
-            <a:off x="2871018" y="2172924"/>
+            <a:off x="2898829" y="3183430"/>
             <a:ext cx="915635" cy="707886"/>
           </a:xfrm>
           <a:prstGeom prst="rect">
@@ -31434,7 +31406,7 @@
         </p:nvSpPr>
         <p:spPr>
           <a:xfrm>
-            <a:off x="5766621" y="2168006"/>
+            <a:off x="5636836" y="3206324"/>
             <a:ext cx="1338829" cy="707886"/>
           </a:xfrm>
           <a:prstGeom prst="rect">
@@ -31466,6 +31438,50 @@
                 </a:schemeClr>
               </a:solidFill>
               <a:latin typeface="Comic Sans MS" pitchFamily="66" charset="0"/>
+            </a:endParaRPr>
+          </a:p>
+        </p:txBody>
+      </p:sp>
+      <p:sp>
+        <p:nvSpPr>
+          <p:cNvPr id="9" name="TextBox 8"/>
+          <p:cNvSpPr txBox="1"/>
+          <p:nvPr/>
+        </p:nvSpPr>
+        <p:spPr>
+          <a:xfrm>
+            <a:off x="931820" y="1594561"/>
+            <a:ext cx="7464303" cy="830997"/>
+          </a:xfrm>
+          <a:prstGeom prst="rect">
+            <a:avLst/>
+          </a:prstGeom>
+          <a:noFill/>
+        </p:spPr>
+        <p:txBody>
+          <a:bodyPr wrap="none" rtlCol="0">
+            <a:spAutoFit/>
+          </a:bodyPr>
+          <a:lstStyle/>
+          <a:p>
+            <a:pPr algn="l"/>
+            <a:r>
+              <a:rPr lang="en-US" sz="4800" dirty="0" smtClean="0">
+                <a:latin typeface="Comic Sans MS"/>
+                <a:cs typeface="Comic Sans MS"/>
+              </a:rPr>
+              <a:t>Java Logical </a:t>
+            </a:r>
+            <a:r>
+              <a:rPr lang="en-US" sz="4800" dirty="0" smtClean="0">
+                <a:latin typeface="Comic Sans MS"/>
+                <a:cs typeface="Comic Sans MS"/>
+              </a:rPr>
+              <a:t>Expressions:</a:t>
+            </a:r>
+            <a:endParaRPr lang="en-US" sz="4800" dirty="0" smtClean="0">
+              <a:latin typeface="Comic Sans MS"/>
+              <a:cs typeface="Comic Sans MS"/>
             </a:endParaRPr>
           </a:p>
         </p:txBody>
@@ -31481,9 +31497,178 @@
   <p:timing>
     <p:tnLst>
       <p:par>
-        <p:cTn id="1" dur="indefinite" restart="never" nodeType="tmRoot"/>
+        <p:cTn id="1" dur="indefinite" restart="never" nodeType="tmRoot">
+          <p:childTnLst>
+            <p:seq concurrent="1" nextAc="seek">
+              <p:cTn id="2" dur="indefinite" nodeType="mainSeq">
+                <p:childTnLst>
+                  <p:par>
+                    <p:cTn id="3" fill="hold">
+                      <p:stCondLst>
+                        <p:cond delay="indefinite"/>
+                      </p:stCondLst>
+                      <p:childTnLst>
+                        <p:par>
+                          <p:cTn id="4" fill="hold">
+                            <p:stCondLst>
+                              <p:cond delay="0"/>
+                            </p:stCondLst>
+                            <p:childTnLst>
+                              <p:par>
+                                <p:cTn id="5" presetID="22" presetClass="entr" presetSubtype="1" fill="hold" grpId="0" nodeType="clickEffect">
+                                  <p:stCondLst>
+                                    <p:cond delay="0"/>
+                                  </p:stCondLst>
+                                  <p:childTnLst>
+                                    <p:set>
+                                      <p:cBhvr>
+                                        <p:cTn id="6" dur="1" fill="hold">
+                                          <p:stCondLst>
+                                            <p:cond delay="0"/>
+                                          </p:stCondLst>
+                                        </p:cTn>
+                                        <p:tgtEl>
+                                          <p:spTgt spid="7"/>
+                                        </p:tgtEl>
+                                        <p:attrNameLst>
+                                          <p:attrName>style.visibility</p:attrName>
+                                        </p:attrNameLst>
+                                      </p:cBhvr>
+                                      <p:to>
+                                        <p:strVal val="visible"/>
+                                      </p:to>
+                                    </p:set>
+                                    <p:animEffect transition="in" filter="wipe(up)">
+                                      <p:cBhvr>
+                                        <p:cTn id="7" dur="500"/>
+                                        <p:tgtEl>
+                                          <p:spTgt spid="7"/>
+                                        </p:tgtEl>
+                                      </p:cBhvr>
+                                    </p:animEffect>
+                                  </p:childTnLst>
+                                </p:cTn>
+                              </p:par>
+                            </p:childTnLst>
+                          </p:cTn>
+                        </p:par>
+                      </p:childTnLst>
+                    </p:cTn>
+                  </p:par>
+                  <p:par>
+                    <p:cTn id="8" fill="hold">
+                      <p:stCondLst>
+                        <p:cond delay="indefinite"/>
+                      </p:stCondLst>
+                      <p:childTnLst>
+                        <p:par>
+                          <p:cTn id="9" fill="hold">
+                            <p:stCondLst>
+                              <p:cond delay="0"/>
+                            </p:stCondLst>
+                            <p:childTnLst>
+                              <p:par>
+                                <p:cTn id="10" presetID="10" presetClass="entr" presetSubtype="0" fill="hold" grpId="0" nodeType="clickEffect">
+                                  <p:stCondLst>
+                                    <p:cond delay="0"/>
+                                  </p:stCondLst>
+                                  <p:childTnLst>
+                                    <p:set>
+                                      <p:cBhvr>
+                                        <p:cTn id="11" dur="1" fill="hold">
+                                          <p:stCondLst>
+                                            <p:cond delay="0"/>
+                                          </p:stCondLst>
+                                        </p:cTn>
+                                        <p:tgtEl>
+                                          <p:spTgt spid="8"/>
+                                        </p:tgtEl>
+                                        <p:attrNameLst>
+                                          <p:attrName>style.visibility</p:attrName>
+                                        </p:attrNameLst>
+                                      </p:cBhvr>
+                                      <p:to>
+                                        <p:strVal val="visible"/>
+                                      </p:to>
+                                    </p:set>
+                                    <p:animEffect transition="in" filter="fade">
+                                      <p:cBhvr>
+                                        <p:cTn id="12" dur="500"/>
+                                        <p:tgtEl>
+                                          <p:spTgt spid="8"/>
+                                        </p:tgtEl>
+                                      </p:cBhvr>
+                                    </p:animEffect>
+                                  </p:childTnLst>
+                                </p:cTn>
+                              </p:par>
+                              <p:par>
+                                <p:cTn id="13" presetID="10" presetClass="entr" presetSubtype="0" fill="hold" grpId="0" nodeType="withEffect">
+                                  <p:stCondLst>
+                                    <p:cond delay="0"/>
+                                  </p:stCondLst>
+                                  <p:childTnLst>
+                                    <p:set>
+                                      <p:cBhvr>
+                                        <p:cTn id="14" dur="1" fill="hold">
+                                          <p:stCondLst>
+                                            <p:cond delay="0"/>
+                                          </p:stCondLst>
+                                        </p:cTn>
+                                        <p:tgtEl>
+                                          <p:spTgt spid="5"/>
+                                        </p:tgtEl>
+                                        <p:attrNameLst>
+                                          <p:attrName>style.visibility</p:attrName>
+                                        </p:attrNameLst>
+                                      </p:cBhvr>
+                                      <p:to>
+                                        <p:strVal val="visible"/>
+                                      </p:to>
+                                    </p:set>
+                                    <p:animEffect transition="in" filter="fade">
+                                      <p:cBhvr>
+                                        <p:cTn id="15" dur="500"/>
+                                        <p:tgtEl>
+                                          <p:spTgt spid="5"/>
+                                        </p:tgtEl>
+                                      </p:cBhvr>
+                                    </p:animEffect>
+                                  </p:childTnLst>
+                                </p:cTn>
+                              </p:par>
+                            </p:childTnLst>
+                          </p:cTn>
+                        </p:par>
+                      </p:childTnLst>
+                    </p:cTn>
+                  </p:par>
+                </p:childTnLst>
+              </p:cTn>
+              <p:prevCondLst>
+                <p:cond evt="onPrev" delay="0">
+                  <p:tgtEl>
+                    <p:sldTgt/>
+                  </p:tgtEl>
+                </p:cond>
+              </p:prevCondLst>
+              <p:nextCondLst>
+                <p:cond evt="onNext" delay="0">
+                  <p:tgtEl>
+                    <p:sldTgt/>
+                  </p:tgtEl>
+                </p:cond>
+              </p:nextCondLst>
+            </p:seq>
+          </p:childTnLst>
+        </p:cTn>
       </p:par>
     </p:tnLst>
+    <p:bldLst>
+      <p:bldP spid="7" grpId="0"/>
+      <p:bldP spid="5" grpId="0"/>
+      <p:bldP spid="8" grpId="0"/>
+    </p:bldLst>
   </p:timing>
 </p:sld>
 </file>
@@ -32247,8 +32432,8 @@
         </p:nvSpPr>
         <p:spPr>
           <a:xfrm>
-            <a:off x="2401623" y="276412"/>
-            <a:ext cx="4354015" cy="951886"/>
+            <a:off x="1678539" y="239328"/>
+            <a:ext cx="6785252" cy="1021487"/>
           </a:xfrm>
         </p:spPr>
         <p:txBody>
@@ -32257,7 +32442,11 @@
           <a:p>
             <a:r>
               <a:rPr lang="en-US" sz="4000" dirty="0" smtClean="0"/>
-              <a:t>Digital Logic</a:t>
+              <a:t>Application:  Digital </a:t>
+            </a:r>
+            <a:r>
+              <a:rPr lang="en-US" sz="4000" dirty="0" smtClean="0"/>
+              <a:t>Logic</a:t>
             </a:r>
             <a:endParaRPr lang="en-US" sz="4000" dirty="0"/>
           </a:p>
@@ -35195,7 +35384,7 @@
 </file>
 
 <file path=ppt/slides/slide6.xml><?xml version="1.0" encoding="utf-8"?>
-<p:sld xmlns:a="http://schemas.openxmlformats.org/drawingml/2006/main" xmlns:r="http://schemas.openxmlformats.org/officeDocument/2006/relationships" xmlns:mc="http://schemas.openxmlformats.org/markup-compatibility/2006" xmlns:mv="urn:schemas-microsoft-com:mac:vml" xmlns:p="http://schemas.openxmlformats.org/presentationml/2006/main" mc:Ignorable="mv" mc:PreserveAttributes="mv:*">
+<p:sld xmlns:a="http://schemas.openxmlformats.org/drawingml/2006/main" xmlns:r="http://schemas.openxmlformats.org/officeDocument/2006/relationships" xmlns:mc="http://schemas.openxmlformats.org/markup-compatibility/2006" xmlns:mv="urn:schemas-microsoft-com:mac:vml" xmlns:p="http://schemas.openxmlformats.org/presentationml/2006/main" mc:Ignorable="mv" mc:PreserveAttributes="mv:*" show="0">
   <p:cSld>
     <p:spTree>
       <p:nvGrpSpPr>
@@ -37944,13 +38133,7 @@
               <a:rPr lang="en-US" dirty="0" smtClean="0">
                 <a:latin typeface="Comic Sans MS" pitchFamily="66" charset="0"/>
               </a:rPr>
-              <a:t>P,Q are</a:t>
-            </a:r>
-            <a:r>
-              <a:rPr lang="en-US" dirty="0" smtClean="0">
-                <a:latin typeface="Comic Sans MS" pitchFamily="66" charset="0"/>
-              </a:rPr>
-              <a:t> </a:t>
+              <a:t>P,Q are </a:t>
             </a:r>
             <a:r>
               <a:rPr lang="en-US" dirty="0" smtClean="0">
@@ -37961,12 +38144,6 @@
               </a:rPr>
               <a:t>T</a:t>
             </a:r>
-            <a:endParaRPr lang="en-US" dirty="0" smtClean="0">
-              <a:solidFill>
-                <a:srgbClr val="006600"/>
-              </a:solidFill>
-              <a:latin typeface="Comic Sans MS" pitchFamily="66" charset="0"/>
-            </a:endParaRPr>
           </a:p>
         </p:txBody>
       </p:sp>
